--- a/presentazione_tesi.pptx
+++ b/presentazione_tesi.pptx
@@ -6,17 +6,18 @@
   </p:sldMasterIdLst>
   <p:sldIdLst>
     <p:sldId id="256" r:id="rId2"/>
-    <p:sldId id="257" r:id="rId3"/>
-    <p:sldId id="259" r:id="rId4"/>
-    <p:sldId id="260" r:id="rId5"/>
-    <p:sldId id="267" r:id="rId6"/>
-    <p:sldId id="262" r:id="rId7"/>
-    <p:sldId id="261" r:id="rId8"/>
-    <p:sldId id="263" r:id="rId9"/>
-    <p:sldId id="264" r:id="rId10"/>
-    <p:sldId id="265" r:id="rId11"/>
-    <p:sldId id="266" r:id="rId12"/>
-    <p:sldId id="258" r:id="rId13"/>
+    <p:sldId id="258" r:id="rId3"/>
+    <p:sldId id="257" r:id="rId4"/>
+    <p:sldId id="259" r:id="rId5"/>
+    <p:sldId id="268" r:id="rId6"/>
+    <p:sldId id="260" r:id="rId7"/>
+    <p:sldId id="267" r:id="rId8"/>
+    <p:sldId id="262" r:id="rId9"/>
+    <p:sldId id="261" r:id="rId10"/>
+    <p:sldId id="263" r:id="rId11"/>
+    <p:sldId id="264" r:id="rId12"/>
+    <p:sldId id="265" r:id="rId13"/>
+    <p:sldId id="266" r:id="rId14"/>
   </p:sldIdLst>
   <p:sldSz cx="12192000" cy="6858000"/>
   <p:notesSz cx="6858000" cy="9144000"/>
@@ -121,8 +122,10 @@
         <p14:section name="Untitled Section" id="{21A2FA0F-2544-4AF9-B059-0A24B0277048}">
           <p14:sldIdLst>
             <p14:sldId id="256"/>
+            <p14:sldId id="258"/>
             <p14:sldId id="257"/>
             <p14:sldId id="259"/>
+            <p14:sldId id="268"/>
             <p14:sldId id="260"/>
             <p14:sldId id="267"/>
             <p14:sldId id="262"/>
@@ -131,10 +134,12 @@
             <p14:sldId id="264"/>
             <p14:sldId id="265"/>
             <p14:sldId id="266"/>
-            <p14:sldId id="258"/>
           </p14:sldIdLst>
         </p14:section>
       </p14:sectionLst>
+    </p:ext>
+    <p:ext uri="{EFAFB233-063F-42B5-8137-9DF3F51BA10A}">
+      <p15:sldGuideLst xmlns:p15="http://schemas.microsoft.com/office/powerpoint/2012/main"/>
     </p:ext>
   </p:extLst>
 </p:presentation>
@@ -329,7 +334,7 @@
             <a:fld id="{B61BEF0D-F0BB-DE4B-95CE-6DB70DBA9567}" type="datetimeFigureOut">
               <a:rPr lang="en-US" dirty="0"/>
               <a:pPr/>
-              <a:t>7/1/2019</a:t>
+              <a:t>7/2/2019</a:t>
             </a:fld>
             <a:endParaRPr lang="en-US" dirty="0"/>
           </a:p>
@@ -664,7 +669,7 @@
             <a:fld id="{B61BEF0D-F0BB-DE4B-95CE-6DB70DBA9567}" type="datetimeFigureOut">
               <a:rPr lang="en-US" dirty="0"/>
               <a:pPr/>
-              <a:t>7/1/2019</a:t>
+              <a:t>7/2/2019</a:t>
             </a:fld>
             <a:endParaRPr lang="en-US" dirty="0"/>
           </a:p>
@@ -1062,7 +1067,7 @@
             <a:fld id="{B61BEF0D-F0BB-DE4B-95CE-6DB70DBA9567}" type="datetimeFigureOut">
               <a:rPr lang="en-US" dirty="0"/>
               <a:pPr/>
-              <a:t>7/1/2019</a:t>
+              <a:t>7/2/2019</a:t>
             </a:fld>
             <a:endParaRPr lang="en-US" dirty="0"/>
           </a:p>
@@ -1395,7 +1400,7 @@
             <a:fld id="{B61BEF0D-F0BB-DE4B-95CE-6DB70DBA9567}" type="datetimeFigureOut">
               <a:rPr lang="en-US" dirty="0"/>
               <a:pPr/>
-              <a:t>7/1/2019</a:t>
+              <a:t>7/2/2019</a:t>
             </a:fld>
             <a:endParaRPr lang="en-US" dirty="0"/>
           </a:p>
@@ -1712,7 +1717,7 @@
             <a:fld id="{B61BEF0D-F0BB-DE4B-95CE-6DB70DBA9567}" type="datetimeFigureOut">
               <a:rPr lang="en-US" dirty="0"/>
               <a:pPr/>
-              <a:t>7/1/2019</a:t>
+              <a:t>7/2/2019</a:t>
             </a:fld>
             <a:endParaRPr lang="en-US" dirty="0"/>
           </a:p>
@@ -2105,7 +2110,7 @@
             <a:fld id="{B61BEF0D-F0BB-DE4B-95CE-6DB70DBA9567}" type="datetimeFigureOut">
               <a:rPr lang="en-US" dirty="0"/>
               <a:pPr/>
-              <a:t>7/1/2019</a:t>
+              <a:t>7/2/2019</a:t>
             </a:fld>
             <a:endParaRPr lang="en-US" dirty="0"/>
           </a:p>
@@ -2359,7 +2364,7 @@
             <a:fld id="{B61BEF0D-F0BB-DE4B-95CE-6DB70DBA9567}" type="datetimeFigureOut">
               <a:rPr lang="en-US" dirty="0"/>
               <a:pPr/>
-              <a:t>7/1/2019</a:t>
+              <a:t>7/2/2019</a:t>
             </a:fld>
             <a:endParaRPr lang="en-US" dirty="0"/>
           </a:p>
@@ -2618,7 +2623,7 @@
             <a:fld id="{B61BEF0D-F0BB-DE4B-95CE-6DB70DBA9567}" type="datetimeFigureOut">
               <a:rPr lang="en-US" dirty="0"/>
               <a:pPr/>
-              <a:t>7/1/2019</a:t>
+              <a:t>7/2/2019</a:t>
             </a:fld>
             <a:endParaRPr lang="en-US" dirty="0"/>
           </a:p>
@@ -2877,7 +2882,7 @@
             <a:fld id="{B61BEF0D-F0BB-DE4B-95CE-6DB70DBA9567}" type="datetimeFigureOut">
               <a:rPr lang="en-US" dirty="0"/>
               <a:pPr/>
-              <a:t>7/1/2019</a:t>
+              <a:t>7/2/2019</a:t>
             </a:fld>
             <a:endParaRPr lang="en-US" dirty="0"/>
           </a:p>
@@ -3203,7 +3208,7 @@
             <a:fld id="{B61BEF0D-F0BB-DE4B-95CE-6DB70DBA9567}" type="datetimeFigureOut">
               <a:rPr lang="en-US" dirty="0"/>
               <a:pPr/>
-              <a:t>7/1/2019</a:t>
+              <a:t>7/2/2019</a:t>
             </a:fld>
             <a:endParaRPr lang="en-US" dirty="0"/>
           </a:p>
@@ -3523,7 +3528,7 @@
             <a:fld id="{B61BEF0D-F0BB-DE4B-95CE-6DB70DBA9567}" type="datetimeFigureOut">
               <a:rPr lang="en-US" dirty="0"/>
               <a:pPr/>
-              <a:t>7/1/2019</a:t>
+              <a:t>7/2/2019</a:t>
             </a:fld>
             <a:endParaRPr lang="en-US" dirty="0"/>
           </a:p>
@@ -3977,7 +3982,7 @@
             <a:fld id="{B61BEF0D-F0BB-DE4B-95CE-6DB70DBA9567}" type="datetimeFigureOut">
               <a:rPr lang="en-US" dirty="0"/>
               <a:pPr/>
-              <a:t>7/1/2019</a:t>
+              <a:t>7/2/2019</a:t>
             </a:fld>
             <a:endParaRPr lang="en-US" dirty="0"/>
           </a:p>
@@ -4179,7 +4184,7 @@
             <a:fld id="{B61BEF0D-F0BB-DE4B-95CE-6DB70DBA9567}" type="datetimeFigureOut">
               <a:rPr lang="en-US" dirty="0"/>
               <a:pPr/>
-              <a:t>7/1/2019</a:t>
+              <a:t>7/2/2019</a:t>
             </a:fld>
             <a:endParaRPr lang="en-US" dirty="0"/>
           </a:p>
@@ -4353,7 +4358,7 @@
             <a:fld id="{B61BEF0D-F0BB-DE4B-95CE-6DB70DBA9567}" type="datetimeFigureOut">
               <a:rPr lang="en-US" dirty="0"/>
               <a:pPr/>
-              <a:t>7/1/2019</a:t>
+              <a:t>7/2/2019</a:t>
             </a:fld>
             <a:endParaRPr lang="en-US" dirty="0"/>
           </a:p>
@@ -4683,7 +4688,7 @@
             <a:fld id="{B61BEF0D-F0BB-DE4B-95CE-6DB70DBA9567}" type="datetimeFigureOut">
               <a:rPr lang="en-US" dirty="0"/>
               <a:pPr/>
-              <a:t>7/1/2019</a:t>
+              <a:t>7/2/2019</a:t>
             </a:fld>
             <a:endParaRPr lang="en-US" dirty="0"/>
           </a:p>
@@ -5025,7 +5030,7 @@
             <a:fld id="{B61BEF0D-F0BB-DE4B-95CE-6DB70DBA9567}" type="datetimeFigureOut">
               <a:rPr lang="en-US" dirty="0"/>
               <a:pPr/>
-              <a:t>7/1/2019</a:t>
+              <a:t>7/2/2019</a:t>
             </a:fld>
             <a:endParaRPr lang="en-US" dirty="0"/>
           </a:p>
@@ -7139,7 +7144,7 @@
             <a:fld id="{B61BEF0D-F0BB-DE4B-95CE-6DB70DBA9567}" type="datetimeFigureOut">
               <a:rPr lang="en-US" dirty="0"/>
               <a:pPr/>
-              <a:t>7/1/2019</a:t>
+              <a:t>7/2/2019</a:t>
             </a:fld>
             <a:endParaRPr lang="en-US" dirty="0"/>
           </a:p>
@@ -7841,7 +7846,7 @@
           <p:cNvPr id="2" name="Title 1">
             <a:extLst>
               <a:ext uri="{FF2B5EF4-FFF2-40B4-BE49-F238E27FC236}">
-                <a16:creationId xmlns:a16="http://schemas.microsoft.com/office/drawing/2014/main" id="{5A3EA494-A7DC-4D0E-90A8-D05FCC66E925}"/>
+                <a16:creationId xmlns:a16="http://schemas.microsoft.com/office/drawing/2014/main" id="{880234B8-62BD-4942-89C3-807122800625}"/>
               </a:ext>
             </a:extLst>
           </p:cNvPr>
@@ -7859,7 +7864,7 @@
           <a:p>
             <a:r>
               <a:rPr lang="it-IT" dirty="0"/>
-              <a:t>Conclusioni</a:t>
+              <a:t>Algoritmo di tracking</a:t>
             </a:r>
           </a:p>
         </p:txBody>
@@ -7869,7 +7874,7 @@
           <p:cNvPr id="3" name="Content Placeholder 2">
             <a:extLst>
               <a:ext uri="{FF2B5EF4-FFF2-40B4-BE49-F238E27FC236}">
-                <a16:creationId xmlns:a16="http://schemas.microsoft.com/office/drawing/2014/main" id="{C5E3C86A-8CEF-476E-969B-197B4F8CAADF}"/>
+                <a16:creationId xmlns:a16="http://schemas.microsoft.com/office/drawing/2014/main" id="{BE7E5635-38AB-42B2-BE9B-80154B2A7B02}"/>
               </a:ext>
             </a:extLst>
           </p:cNvPr>
@@ -7880,19 +7885,85 @@
             <p:ph idx="1"/>
           </p:nvPr>
         </p:nvSpPr>
-        <p:spPr/>
+        <p:spPr>
+          <a:xfrm>
+            <a:off x="2589212" y="2133600"/>
+            <a:ext cx="5702532" cy="3777622"/>
+          </a:xfrm>
+        </p:spPr>
         <p:txBody>
           <a:bodyPr/>
           <a:lstStyle/>
           <a:p>
-            <a:endParaRPr lang="it-IT"/>
-          </a:p>
-        </p:txBody>
-      </p:sp>
+            <a:r>
+              <a:rPr lang="it-IT" dirty="0"/>
+              <a:t>Effettuare una detection per ogni frame</a:t>
+            </a:r>
+          </a:p>
+          <a:p>
+            <a:r>
+              <a:rPr lang="it-IT" dirty="0"/>
+              <a:t>Creare un tracker per ogni elemento da tracciare</a:t>
+            </a:r>
+          </a:p>
+          <a:p>
+            <a:r>
+              <a:rPr lang="it-IT" dirty="0"/>
+              <a:t>Ogni tracker utilizza uno storico delle ultime locazioni raggiunte dall’oggetto da esso tracciato per prevedere quella successiva</a:t>
+            </a:r>
+          </a:p>
+          <a:p>
+            <a:pPr lvl="1">
+              <a:buFont typeface="Wingdings" panose="05000000000000000000" pitchFamily="2" charset="2"/>
+              <a:buChar char="§"/>
+            </a:pPr>
+            <a:r>
+              <a:rPr lang="it-IT" dirty="0"/>
+              <a:t>Filtro di Kalman</a:t>
+            </a:r>
+          </a:p>
+          <a:p>
+            <a:r>
+              <a:rPr lang="it-IT" dirty="0"/>
+              <a:t>Assegnare ad ogni tracker il rispettivo oggetto tracciato individuato tramite la nuova detection</a:t>
+            </a:r>
+          </a:p>
+        </p:txBody>
+      </p:sp>
+      <p:pic>
+        <p:nvPicPr>
+          <p:cNvPr id="5" name="Picture 4">
+            <a:extLst>
+              <a:ext uri="{FF2B5EF4-FFF2-40B4-BE49-F238E27FC236}">
+                <a16:creationId xmlns:a16="http://schemas.microsoft.com/office/drawing/2014/main" id="{CDB6E190-6533-42C4-B7E6-657D0E0F76F2}"/>
+              </a:ext>
+            </a:extLst>
+          </p:cNvPr>
+          <p:cNvPicPr>
+            <a:picLocks noChangeAspect="1"/>
+          </p:cNvPicPr>
+          <p:nvPr/>
+        </p:nvPicPr>
+        <p:blipFill>
+          <a:blip r:embed="rId2"/>
+          <a:stretch>
+            <a:fillRect/>
+          </a:stretch>
+        </p:blipFill>
+        <p:spPr>
+          <a:xfrm>
+            <a:off x="8342312" y="1905000"/>
+            <a:ext cx="3162300" cy="3863340"/>
+          </a:xfrm>
+          <a:prstGeom prst="rect">
+            <a:avLst/>
+          </a:prstGeom>
+        </p:spPr>
+      </p:pic>
     </p:spTree>
     <p:extLst>
       <p:ext uri="{BB962C8B-B14F-4D97-AF65-F5344CB8AC3E}">
-        <p14:creationId xmlns:p14="http://schemas.microsoft.com/office/powerpoint/2010/main" val="1624615401"/>
+        <p14:creationId xmlns:p14="http://schemas.microsoft.com/office/powerpoint/2010/main" val="3876710044"/>
       </p:ext>
     </p:extLst>
   </p:cSld>
@@ -7924,7 +7995,7 @@
           <p:cNvPr id="2" name="Title 1">
             <a:extLst>
               <a:ext uri="{FF2B5EF4-FFF2-40B4-BE49-F238E27FC236}">
-                <a16:creationId xmlns:a16="http://schemas.microsoft.com/office/drawing/2014/main" id="{D7B3A905-1609-4D21-AE6E-B179D89C886A}"/>
+                <a16:creationId xmlns:a16="http://schemas.microsoft.com/office/drawing/2014/main" id="{E252AFD4-4B8C-4B39-8FDF-BCD7BC939CB5}"/>
               </a:ext>
             </a:extLst>
           </p:cNvPr>
@@ -7935,19 +8006,14 @@
             <p:ph type="title"/>
           </p:nvPr>
         </p:nvSpPr>
-        <p:spPr>
-          <a:xfrm>
-            <a:off x="2589212" y="3381966"/>
-            <a:ext cx="8911687" cy="1280890"/>
-          </a:xfrm>
-        </p:spPr>
+        <p:spPr/>
         <p:txBody>
           <a:bodyPr/>
           <a:lstStyle/>
           <a:p>
             <a:r>
               <a:rPr lang="it-IT" dirty="0"/>
-              <a:t>Grazie per l’attenzione!</a:t>
+              <a:t>Assegnazione tracker-detection</a:t>
             </a:r>
           </a:p>
         </p:txBody>
@@ -7957,7 +8023,7 @@
           <p:cNvPr id="3" name="Content Placeholder 2">
             <a:extLst>
               <a:ext uri="{FF2B5EF4-FFF2-40B4-BE49-F238E27FC236}">
-                <a16:creationId xmlns:a16="http://schemas.microsoft.com/office/drawing/2014/main" id="{B50F95BC-9F5B-4EC0-83C6-0E68D7BE24B2}"/>
+                <a16:creationId xmlns:a16="http://schemas.microsoft.com/office/drawing/2014/main" id="{E2902596-0C6C-49B2-8C8F-D4A695DEAD03}"/>
               </a:ext>
             </a:extLst>
           </p:cNvPr>
@@ -7978,17 +8044,75 @@
           <a:bodyPr/>
           <a:lstStyle/>
           <a:p>
-            <a:pPr marL="0" indent="0">
-              <a:buNone/>
+            <a:r>
+              <a:rPr lang="it-IT" dirty="0"/>
+              <a:t>Calcolare un valore di similarià per ogni coppia tracker-detection:</a:t>
+            </a:r>
+          </a:p>
+          <a:p>
+            <a:pPr lvl="1">
+              <a:buFont typeface="Wingdings" panose="05000000000000000000" pitchFamily="2" charset="2"/>
+              <a:buChar char="§"/>
             </a:pPr>
-            <a:endParaRPr lang="it-IT" dirty="0"/>
+            <a:r>
+              <a:rPr lang="it-IT" dirty="0"/>
+              <a:t>Intersection over Union (IoU)</a:t>
+            </a:r>
+          </a:p>
+          <a:p>
+            <a:pPr lvl="1">
+              <a:buFont typeface="Wingdings" panose="05000000000000000000" pitchFamily="2" charset="2"/>
+              <a:buChar char="§"/>
+            </a:pPr>
+            <a:r>
+              <a:rPr lang="it-IT" dirty="0"/>
+              <a:t>Dimensione delle aree</a:t>
+            </a:r>
+          </a:p>
+          <a:p>
+            <a:pPr lvl="1">
+              <a:buFont typeface="Wingdings" panose="05000000000000000000" pitchFamily="2" charset="2"/>
+              <a:buChar char="§"/>
+            </a:pPr>
+            <a:r>
+              <a:rPr lang="it-IT" dirty="0"/>
+              <a:t>Rapporto tra i lati</a:t>
+            </a:r>
+          </a:p>
+          <a:p>
+            <a:r>
+              <a:rPr lang="it-IT" dirty="0"/>
+              <a:t>Effettuare gli assegnamenti massimizzando il valore di similarità:</a:t>
+            </a:r>
+          </a:p>
+          <a:p>
+            <a:pPr lvl="1">
+              <a:buFont typeface="Wingdings" panose="05000000000000000000" pitchFamily="2" charset="2"/>
+              <a:buChar char="§"/>
+            </a:pPr>
+            <a:r>
+              <a:rPr lang="it-IT" dirty="0"/>
+              <a:t>Problema di ottimizzazione: algoritmo di Munkres</a:t>
+            </a:r>
+          </a:p>
+          <a:p>
+            <a:r>
+              <a:rPr lang="it-IT" dirty="0"/>
+              <a:t>Creare nuovi tracker per tracciare eventuali nuovi oggetti</a:t>
+            </a:r>
+          </a:p>
+          <a:p>
+            <a:r>
+              <a:rPr lang="it-IT" dirty="0"/>
+              <a:t>Cancellare i trackers che da troppo frames non sono più stati assegnati</a:t>
+            </a:r>
           </a:p>
         </p:txBody>
       </p:sp>
     </p:spTree>
     <p:extLst>
       <p:ext uri="{BB962C8B-B14F-4D97-AF65-F5344CB8AC3E}">
-        <p14:creationId xmlns:p14="http://schemas.microsoft.com/office/powerpoint/2010/main" val="4107545995"/>
+        <p14:creationId xmlns:p14="http://schemas.microsoft.com/office/powerpoint/2010/main" val="1931463893"/>
       </p:ext>
     </p:extLst>
   </p:cSld>
@@ -8020,6 +8144,189 @@
           <p:cNvPr id="2" name="Title 1">
             <a:extLst>
               <a:ext uri="{FF2B5EF4-FFF2-40B4-BE49-F238E27FC236}">
+                <a16:creationId xmlns:a16="http://schemas.microsoft.com/office/drawing/2014/main" id="{5A3EA494-A7DC-4D0E-90A8-D05FCC66E925}"/>
+              </a:ext>
+            </a:extLst>
+          </p:cNvPr>
+          <p:cNvSpPr>
+            <a:spLocks noGrp="1"/>
+          </p:cNvSpPr>
+          <p:nvPr>
+            <p:ph type="title"/>
+          </p:nvPr>
+        </p:nvSpPr>
+        <p:spPr/>
+        <p:txBody>
+          <a:bodyPr/>
+          <a:lstStyle/>
+          <a:p>
+            <a:r>
+              <a:rPr lang="it-IT" dirty="0"/>
+              <a:t>Risultati tracking</a:t>
+            </a:r>
+          </a:p>
+        </p:txBody>
+      </p:sp>
+      <p:sp>
+        <p:nvSpPr>
+          <p:cNvPr id="3" name="Content Placeholder 2">
+            <a:extLst>
+              <a:ext uri="{FF2B5EF4-FFF2-40B4-BE49-F238E27FC236}">
+                <a16:creationId xmlns:a16="http://schemas.microsoft.com/office/drawing/2014/main" id="{C5E3C86A-8CEF-476E-969B-197B4F8CAADF}"/>
+              </a:ext>
+            </a:extLst>
+          </p:cNvPr>
+          <p:cNvSpPr>
+            <a:spLocks noGrp="1"/>
+          </p:cNvSpPr>
+          <p:nvPr>
+            <p:ph idx="1"/>
+          </p:nvPr>
+        </p:nvSpPr>
+        <p:spPr/>
+        <p:txBody>
+          <a:bodyPr/>
+          <a:lstStyle/>
+          <a:p>
+            <a:r>
+              <a:rPr lang="it-IT" dirty="0"/>
+              <a:t>Dataset VisDrone2019 formato da video ripresi da un drone</a:t>
+            </a:r>
+          </a:p>
+          <a:p>
+            <a:r>
+              <a:rPr lang="it-IT" dirty="0"/>
+              <a:t>Solo 5 categorie di elementi:</a:t>
+            </a:r>
+          </a:p>
+          <a:p>
+            <a:pPr lvl="1">
+              <a:buFont typeface="Wingdings" panose="05000000000000000000" pitchFamily="2" charset="2"/>
+              <a:buChar char="§"/>
+            </a:pPr>
+            <a:r>
+              <a:rPr lang="it-IT" dirty="0"/>
+              <a:t>Detections molto più semplici rispetto al predente dataset</a:t>
+            </a:r>
+          </a:p>
+          <a:p>
+            <a:r>
+              <a:rPr lang="it-IT" dirty="0"/>
+              <a:t>Circa il 70% degli oggetti vengono tracciati per almeno l’80% della loro durata</a:t>
+            </a:r>
+          </a:p>
+          <a:p>
+            <a:r>
+              <a:rPr lang="it-IT" dirty="0"/>
+              <a:t>Metriche IDF1 e MOTA circa al 50%</a:t>
+            </a:r>
+          </a:p>
+          <a:p>
+            <a:r>
+              <a:rPr lang="it-IT" dirty="0"/>
+              <a:t>Aumentando la qualità della detection aumenta anche la qualità del tracking</a:t>
+            </a:r>
+          </a:p>
+        </p:txBody>
+      </p:sp>
+    </p:spTree>
+    <p:extLst>
+      <p:ext uri="{BB962C8B-B14F-4D97-AF65-F5344CB8AC3E}">
+        <p14:creationId xmlns:p14="http://schemas.microsoft.com/office/powerpoint/2010/main" val="1624615401"/>
+      </p:ext>
+    </p:extLst>
+  </p:cSld>
+  <p:clrMapOvr>
+    <a:masterClrMapping/>
+  </p:clrMapOvr>
+</p:sld>
+</file>
+
+<file path=ppt/slides/slide13.xml><?xml version="1.0" encoding="utf-8"?>
+<p:sld xmlns:a="http://schemas.openxmlformats.org/drawingml/2006/main" xmlns:r="http://schemas.openxmlformats.org/officeDocument/2006/relationships" xmlns:p="http://schemas.openxmlformats.org/presentationml/2006/main">
+  <p:cSld>
+    <p:spTree>
+      <p:nvGrpSpPr>
+        <p:cNvPr id="1" name=""/>
+        <p:cNvGrpSpPr/>
+        <p:nvPr/>
+      </p:nvGrpSpPr>
+      <p:grpSpPr>
+        <a:xfrm>
+          <a:off x="0" y="0"/>
+          <a:ext cx="0" cy="0"/>
+          <a:chOff x="0" y="0"/>
+          <a:chExt cx="0" cy="0"/>
+        </a:xfrm>
+      </p:grpSpPr>
+      <p:sp>
+        <p:nvSpPr>
+          <p:cNvPr id="2" name="Title 1">
+            <a:extLst>
+              <a:ext uri="{FF2B5EF4-FFF2-40B4-BE49-F238E27FC236}">
+                <a16:creationId xmlns:a16="http://schemas.microsoft.com/office/drawing/2014/main" id="{D7B3A905-1609-4D21-AE6E-B179D89C886A}"/>
+              </a:ext>
+            </a:extLst>
+          </p:cNvPr>
+          <p:cNvSpPr>
+            <a:spLocks noGrp="1"/>
+          </p:cNvSpPr>
+          <p:nvPr>
+            <p:ph type="ctrTitle" idx="4294967295"/>
+          </p:nvPr>
+        </p:nvSpPr>
+        <p:spPr>
+          <a:xfrm>
+            <a:off x="3276600" y="2514600"/>
+            <a:ext cx="8915400" cy="2262188"/>
+          </a:xfrm>
+        </p:spPr>
+        <p:txBody>
+          <a:bodyPr/>
+          <a:lstStyle/>
+          <a:p>
+            <a:r>
+              <a:rPr lang="it-IT" dirty="0"/>
+              <a:t>Grazie per l’attenzione!</a:t>
+            </a:r>
+          </a:p>
+        </p:txBody>
+      </p:sp>
+    </p:spTree>
+    <p:extLst>
+      <p:ext uri="{BB962C8B-B14F-4D97-AF65-F5344CB8AC3E}">
+        <p14:creationId xmlns:p14="http://schemas.microsoft.com/office/powerpoint/2010/main" val="4107545995"/>
+      </p:ext>
+    </p:extLst>
+  </p:cSld>
+  <p:clrMapOvr>
+    <a:masterClrMapping/>
+  </p:clrMapOvr>
+</p:sld>
+</file>
+
+<file path=ppt/slides/slide2.xml><?xml version="1.0" encoding="utf-8"?>
+<p:sld xmlns:a="http://schemas.openxmlformats.org/drawingml/2006/main" xmlns:r="http://schemas.openxmlformats.org/officeDocument/2006/relationships" xmlns:p="http://schemas.openxmlformats.org/presentationml/2006/main">
+  <p:cSld>
+    <p:spTree>
+      <p:nvGrpSpPr>
+        <p:cNvPr id="1" name=""/>
+        <p:cNvGrpSpPr/>
+        <p:nvPr/>
+      </p:nvGrpSpPr>
+      <p:grpSpPr>
+        <a:xfrm>
+          <a:off x="0" y="0"/>
+          <a:ext cx="0" cy="0"/>
+          <a:chOff x="0" y="0"/>
+          <a:chExt cx="0" cy="0"/>
+        </a:xfrm>
+      </p:grpSpPr>
+      <p:sp>
+        <p:nvSpPr>
+          <p:cNvPr id="2" name="Title 1">
+            <a:extLst>
+              <a:ext uri="{FF2B5EF4-FFF2-40B4-BE49-F238E27FC236}">
                 <a16:creationId xmlns:a16="http://schemas.microsoft.com/office/drawing/2014/main" id="{A240C0FD-AF9A-4014-A1A1-7BC96B2B56F1}"/>
               </a:ext>
             </a:extLst>
@@ -8038,7 +8345,7 @@
           <a:p>
             <a:r>
               <a:rPr lang="it-IT" dirty="0"/>
-              <a:t>Azienda</a:t>
+              <a:t>Azienda - Studiomapp</a:t>
             </a:r>
           </a:p>
         </p:txBody>
@@ -8061,10 +8368,77 @@
         </p:nvSpPr>
         <p:spPr/>
         <p:txBody>
-          <a:bodyPr/>
+          <a:bodyPr>
+            <a:normAutofit/>
+          </a:bodyPr>
           <a:lstStyle/>
           <a:p>
-            <a:endParaRPr lang="it-IT" dirty="0"/>
+            <a:r>
+              <a:rPr lang="it-IT" dirty="0"/>
+              <a:t> Startup innovativa fondata a ﬁne 2015 con sede a Ravenna</a:t>
+            </a:r>
+          </a:p>
+          <a:p>
+            <a:r>
+              <a:rPr lang="it-IT" dirty="0"/>
+              <a:t>Sviluppa algoritmi di intelligenza artiﬁciale speciﬁci per geo-calcolo e dati geo-spaziali</a:t>
+            </a:r>
+          </a:p>
+          <a:p>
+            <a:r>
+              <a:rPr lang="it-IT" dirty="0"/>
+              <a:t>Fornisce soluzioni innovative per:</a:t>
+            </a:r>
+          </a:p>
+          <a:p>
+            <a:pPr lvl="1">
+              <a:buFont typeface="Wingdings" panose="05000000000000000000" pitchFamily="2" charset="2"/>
+              <a:buChar char="§"/>
+            </a:pPr>
+            <a:r>
+              <a:rPr lang="it-IT" dirty="0"/>
+              <a:t>Smart cities</a:t>
+            </a:r>
+          </a:p>
+          <a:p>
+            <a:pPr lvl="1">
+              <a:buFont typeface="Wingdings" panose="05000000000000000000" pitchFamily="2" charset="2"/>
+              <a:buChar char="§"/>
+            </a:pPr>
+            <a:r>
+              <a:rPr lang="it-IT" dirty="0"/>
+              <a:t>Trasporti e logistica</a:t>
+            </a:r>
+          </a:p>
+          <a:p>
+            <a:pPr lvl="1">
+              <a:buFont typeface="Wingdings" panose="05000000000000000000" pitchFamily="2" charset="2"/>
+              <a:buChar char="§"/>
+            </a:pPr>
+            <a:r>
+              <a:rPr lang="it-IT" dirty="0"/>
+              <a:t>Turismo e beni culturali</a:t>
+            </a:r>
+          </a:p>
+          <a:p>
+            <a:pPr lvl="1">
+              <a:buFont typeface="Wingdings" panose="05000000000000000000" pitchFamily="2" charset="2"/>
+              <a:buChar char="§"/>
+            </a:pPr>
+            <a:r>
+              <a:rPr lang="it-IT" dirty="0"/>
+              <a:t>Territorio e gestione delle risorse naturali</a:t>
+            </a:r>
+          </a:p>
+          <a:p>
+            <a:pPr lvl="1">
+              <a:buFont typeface="Wingdings" panose="05000000000000000000" pitchFamily="2" charset="2"/>
+              <a:buChar char="§"/>
+            </a:pPr>
+            <a:r>
+              <a:rPr lang="it-IT" dirty="0"/>
+              <a:t>Adattamento ai cambiamenti climatici</a:t>
+            </a:r>
           </a:p>
         </p:txBody>
       </p:sp>
@@ -8081,7 +8455,7 @@
 </p:sld>
 </file>
 
-<file path=ppt/slides/slide2.xml><?xml version="1.0" encoding="utf-8"?>
+<file path=ppt/slides/slide3.xml><?xml version="1.0" encoding="utf-8"?>
 <p:sld xmlns:a="http://schemas.openxmlformats.org/drawingml/2006/main" xmlns:r="http://schemas.openxmlformats.org/officeDocument/2006/relationships" xmlns:p="http://schemas.openxmlformats.org/presentationml/2006/main">
   <p:cSld>
     <p:spTree>
@@ -8314,178 +8688,6 @@
 </p:sld>
 </file>
 
-<file path=ppt/slides/slide3.xml><?xml version="1.0" encoding="utf-8"?>
-<p:sld xmlns:a="http://schemas.openxmlformats.org/drawingml/2006/main" xmlns:r="http://schemas.openxmlformats.org/officeDocument/2006/relationships" xmlns:p="http://schemas.openxmlformats.org/presentationml/2006/main">
-  <p:cSld>
-    <p:spTree>
-      <p:nvGrpSpPr>
-        <p:cNvPr id="1" name=""/>
-        <p:cNvGrpSpPr/>
-        <p:nvPr/>
-      </p:nvGrpSpPr>
-      <p:grpSpPr>
-        <a:xfrm>
-          <a:off x="0" y="0"/>
-          <a:ext cx="0" cy="0"/>
-          <a:chOff x="0" y="0"/>
-          <a:chExt cx="0" cy="0"/>
-        </a:xfrm>
-      </p:grpSpPr>
-      <p:sp>
-        <p:nvSpPr>
-          <p:cNvPr id="2" name="Title 1">
-            <a:extLst>
-              <a:ext uri="{FF2B5EF4-FFF2-40B4-BE49-F238E27FC236}">
-                <a16:creationId xmlns:a16="http://schemas.microsoft.com/office/drawing/2014/main" id="{921AC9A0-7C92-4E95-8DF3-271506A23991}"/>
-              </a:ext>
-            </a:extLst>
-          </p:cNvPr>
-          <p:cNvSpPr>
-            <a:spLocks noGrp="1"/>
-          </p:cNvSpPr>
-          <p:nvPr>
-            <p:ph type="title"/>
-          </p:nvPr>
-        </p:nvSpPr>
-        <p:spPr/>
-        <p:txBody>
-          <a:bodyPr/>
-          <a:lstStyle/>
-          <a:p>
-            <a:r>
-              <a:rPr lang="it-IT" dirty="0"/>
-              <a:t>Object detection</a:t>
-            </a:r>
-          </a:p>
-        </p:txBody>
-      </p:sp>
-      <p:sp>
-        <p:nvSpPr>
-          <p:cNvPr id="3" name="Content Placeholder 2">
-            <a:extLst>
-              <a:ext uri="{FF2B5EF4-FFF2-40B4-BE49-F238E27FC236}">
-                <a16:creationId xmlns:a16="http://schemas.microsoft.com/office/drawing/2014/main" id="{3D402E34-B50F-4DDB-AF2E-25242C591A8F}"/>
-              </a:ext>
-            </a:extLst>
-          </p:cNvPr>
-          <p:cNvSpPr>
-            <a:spLocks noGrp="1"/>
-          </p:cNvSpPr>
-          <p:nvPr>
-            <p:ph idx="1"/>
-          </p:nvPr>
-        </p:nvSpPr>
-        <p:spPr>
-          <a:xfrm>
-            <a:off x="2589212" y="2133599"/>
-            <a:ext cx="8915400" cy="3876584"/>
-          </a:xfrm>
-        </p:spPr>
-        <p:txBody>
-          <a:bodyPr/>
-          <a:lstStyle/>
-          <a:p>
-            <a:r>
-              <a:rPr lang="it-IT" dirty="0"/>
-              <a:t>Interpretare il contenuto di un immagine</a:t>
-            </a:r>
-          </a:p>
-          <a:p>
-            <a:r>
-              <a:rPr lang="it-IT" dirty="0"/>
-              <a:t>Riconoscere gli elementi presenti in essa:</a:t>
-            </a:r>
-          </a:p>
-          <a:p>
-            <a:pPr marL="685800" lvl="1">
-              <a:buFont typeface="Wingdings" panose="05000000000000000000" pitchFamily="2" charset="2"/>
-              <a:buChar char="§"/>
-            </a:pPr>
-            <a:r>
-              <a:rPr lang="it-IT" dirty="0"/>
-              <a:t>Bounding box</a:t>
-            </a:r>
-          </a:p>
-          <a:p>
-            <a:pPr marL="685800" lvl="1">
-              <a:buFont typeface="Wingdings" panose="05000000000000000000" pitchFamily="2" charset="2"/>
-              <a:buChar char="§"/>
-            </a:pPr>
-            <a:r>
-              <a:rPr lang="it-IT" dirty="0"/>
-              <a:t>Categoria</a:t>
-            </a:r>
-          </a:p>
-          <a:p>
-            <a:pPr marL="685800" lvl="1">
-              <a:buFont typeface="Wingdings" panose="05000000000000000000" pitchFamily="2" charset="2"/>
-              <a:buChar char="§"/>
-            </a:pPr>
-            <a:r>
-              <a:rPr lang="it-IT" dirty="0"/>
-              <a:t>Probabilità</a:t>
-            </a:r>
-          </a:p>
-          <a:p>
-            <a:r>
-              <a:rPr lang="it-IT" dirty="0"/>
-              <a:t>Stato dell’arte:</a:t>
-            </a:r>
-          </a:p>
-          <a:p>
-            <a:pPr lvl="1">
-              <a:buFont typeface="Wingdings" panose="05000000000000000000" pitchFamily="2" charset="2"/>
-              <a:buChar char="§"/>
-            </a:pPr>
-            <a:r>
-              <a:rPr lang="it-IT" dirty="0"/>
-              <a:t>Convolutional neural network</a:t>
-            </a:r>
-          </a:p>
-          <a:p>
-            <a:pPr lvl="1">
-              <a:buFont typeface="Wingdings" panose="05000000000000000000" pitchFamily="2" charset="2"/>
-              <a:buChar char="§"/>
-            </a:pPr>
-            <a:r>
-              <a:rPr lang="it-IT" dirty="0"/>
-              <a:t>Faster R-CNN</a:t>
-            </a:r>
-          </a:p>
-          <a:p>
-            <a:pPr marL="0" indent="0">
-              <a:buNone/>
-            </a:pPr>
-            <a:endParaRPr lang="it-IT" dirty="0"/>
-          </a:p>
-          <a:p>
-            <a:pPr marL="285750">
-              <a:buFont typeface="Wingdings" panose="05000000000000000000" pitchFamily="2" charset="2"/>
-              <a:buChar char="§"/>
-            </a:pPr>
-            <a:endParaRPr lang="it-IT" dirty="0"/>
-          </a:p>
-          <a:p>
-            <a:pPr marL="0" indent="0">
-              <a:buNone/>
-            </a:pPr>
-            <a:endParaRPr lang="it-IT" dirty="0"/>
-          </a:p>
-        </p:txBody>
-      </p:sp>
-    </p:spTree>
-    <p:extLst>
-      <p:ext uri="{BB962C8B-B14F-4D97-AF65-F5344CB8AC3E}">
-        <p14:creationId xmlns:p14="http://schemas.microsoft.com/office/powerpoint/2010/main" val="3935917731"/>
-      </p:ext>
-    </p:extLst>
-  </p:cSld>
-  <p:clrMapOvr>
-    <a:masterClrMapping/>
-  </p:clrMapOvr>
-</p:sld>
-</file>
-
 <file path=ppt/slides/slide4.xml><?xml version="1.0" encoding="utf-8"?>
 <p:sld xmlns:a="http://schemas.openxmlformats.org/drawingml/2006/main" xmlns:r="http://schemas.openxmlformats.org/officeDocument/2006/relationships" xmlns:p="http://schemas.openxmlformats.org/presentationml/2006/main">
   <p:cSld>
@@ -8508,7 +8710,7 @@
           <p:cNvPr id="2" name="Title 1">
             <a:extLst>
               <a:ext uri="{FF2B5EF4-FFF2-40B4-BE49-F238E27FC236}">
-                <a16:creationId xmlns:a16="http://schemas.microsoft.com/office/drawing/2014/main" id="{412BCB4B-AD7C-4E8C-B829-3F4C010364CF}"/>
+                <a16:creationId xmlns:a16="http://schemas.microsoft.com/office/drawing/2014/main" id="{921AC9A0-7C92-4E95-8DF3-271506A23991}"/>
               </a:ext>
             </a:extLst>
           </p:cNvPr>
@@ -8526,7 +8728,7 @@
           <a:p>
             <a:r>
               <a:rPr lang="it-IT" dirty="0"/>
-              <a:t>Object detection con frammentazione</a:t>
+              <a:t>Object detection</a:t>
             </a:r>
           </a:p>
         </p:txBody>
@@ -8536,7 +8738,7 @@
           <p:cNvPr id="3" name="Content Placeholder 2">
             <a:extLst>
               <a:ext uri="{FF2B5EF4-FFF2-40B4-BE49-F238E27FC236}">
-                <a16:creationId xmlns:a16="http://schemas.microsoft.com/office/drawing/2014/main" id="{B229F08F-AE02-49CA-8BA3-FC6CB5AB0F6F}"/>
+                <a16:creationId xmlns:a16="http://schemas.microsoft.com/office/drawing/2014/main" id="{3D402E34-B50F-4DDB-AF2E-25242C591A8F}"/>
               </a:ext>
             </a:extLst>
           </p:cNvPr>
@@ -8544,62 +8746,135 @@
             <a:spLocks noGrp="1"/>
           </p:cNvSpPr>
           <p:nvPr>
-            <p:ph idx="1"/>
-          </p:nvPr>
-        </p:nvSpPr>
+            <p:ph sz="half" idx="1"/>
+          </p:nvPr>
+        </p:nvSpPr>
+        <p:spPr/>
+        <p:txBody>
+          <a:bodyPr/>
+          <a:lstStyle/>
+          <a:p>
+            <a:r>
+              <a:rPr lang="it-IT" dirty="0"/>
+              <a:t>Interpretare il contenuto di un immagine</a:t>
+            </a:r>
+          </a:p>
+          <a:p>
+            <a:r>
+              <a:rPr lang="it-IT" dirty="0"/>
+              <a:t>Riconoscere gli elementi presenti in essa:</a:t>
+            </a:r>
+          </a:p>
+          <a:p>
+            <a:pPr marL="685800" lvl="1">
+              <a:buFont typeface="Wingdings" panose="05000000000000000000" pitchFamily="2" charset="2"/>
+              <a:buChar char="§"/>
+            </a:pPr>
+            <a:r>
+              <a:rPr lang="it-IT" dirty="0"/>
+              <a:t>Bounding box</a:t>
+            </a:r>
+          </a:p>
+          <a:p>
+            <a:pPr marL="685800" lvl="1">
+              <a:buFont typeface="Wingdings" panose="05000000000000000000" pitchFamily="2" charset="2"/>
+              <a:buChar char="§"/>
+            </a:pPr>
+            <a:r>
+              <a:rPr lang="it-IT" dirty="0"/>
+              <a:t>Categoria</a:t>
+            </a:r>
+          </a:p>
+          <a:p>
+            <a:pPr marL="685800" lvl="1">
+              <a:buFont typeface="Wingdings" panose="05000000000000000000" pitchFamily="2" charset="2"/>
+              <a:buChar char="§"/>
+            </a:pPr>
+            <a:r>
+              <a:rPr lang="it-IT" dirty="0"/>
+              <a:t>Probabilità</a:t>
+            </a:r>
+          </a:p>
+          <a:p>
+            <a:r>
+              <a:rPr lang="it-IT" dirty="0"/>
+              <a:t>Stato dell’arte:</a:t>
+            </a:r>
+          </a:p>
+          <a:p>
+            <a:pPr lvl="1">
+              <a:buFont typeface="Wingdings" panose="05000000000000000000" pitchFamily="2" charset="2"/>
+              <a:buChar char="§"/>
+            </a:pPr>
+            <a:r>
+              <a:rPr lang="it-IT" dirty="0"/>
+              <a:t>Convolutional neural network</a:t>
+            </a:r>
+          </a:p>
+          <a:p>
+            <a:pPr lvl="1">
+              <a:buFont typeface="Wingdings" panose="05000000000000000000" pitchFamily="2" charset="2"/>
+              <a:buChar char="§"/>
+            </a:pPr>
+            <a:r>
+              <a:rPr lang="it-IT" dirty="0"/>
+              <a:t>Faster R-CNN</a:t>
+            </a:r>
+          </a:p>
+          <a:p>
+            <a:pPr marL="0" indent="0">
+              <a:buNone/>
+            </a:pPr>
+            <a:endParaRPr lang="it-IT" dirty="0"/>
+          </a:p>
+          <a:p>
+            <a:pPr marL="285750">
+              <a:buFont typeface="Wingdings" panose="05000000000000000000" pitchFamily="2" charset="2"/>
+              <a:buChar char="§"/>
+            </a:pPr>
+            <a:endParaRPr lang="it-IT" dirty="0"/>
+          </a:p>
+          <a:p>
+            <a:pPr marL="0" indent="0">
+              <a:buNone/>
+            </a:pPr>
+            <a:endParaRPr lang="it-IT" dirty="0"/>
+          </a:p>
+        </p:txBody>
+      </p:sp>
+      <p:pic>
+        <p:nvPicPr>
+          <p:cNvPr id="6" name="Content Placeholder 5">
+            <a:extLst>
+              <a:ext uri="{FF2B5EF4-FFF2-40B4-BE49-F238E27FC236}">
+                <a16:creationId xmlns:a16="http://schemas.microsoft.com/office/drawing/2014/main" id="{6E4025A9-78BF-4C58-9C08-431A5DF98518}"/>
+              </a:ext>
+            </a:extLst>
+          </p:cNvPr>
+          <p:cNvPicPr>
+            <a:picLocks noGrp="1" noChangeAspect="1"/>
+          </p:cNvPicPr>
+          <p:nvPr>
+            <p:ph sz="half" idx="2"/>
+          </p:nvPr>
+        </p:nvPicPr>
+        <p:blipFill>
+          <a:blip r:embed="rId2"/>
+          <a:stretch>
+            <a:fillRect/>
+          </a:stretch>
+        </p:blipFill>
         <p:spPr>
           <a:xfrm>
-            <a:off x="2589212" y="1905000"/>
-            <a:ext cx="8915400" cy="3777622"/>
+            <a:off x="7441474" y="2125662"/>
+            <a:ext cx="3820416" cy="3785559"/>
           </a:xfrm>
         </p:spPr>
-        <p:txBody>
-          <a:bodyPr>
-            <a:normAutofit/>
-          </a:bodyPr>
-          <a:lstStyle/>
-          <a:p>
-            <a:r>
-              <a:rPr lang="it-IT" dirty="0"/>
-              <a:t>Suddividere un’ immagine in regioni</a:t>
-            </a:r>
-          </a:p>
-          <a:p>
-            <a:r>
-              <a:rPr lang="it-IT" dirty="0"/>
-              <a:t>Effettuare la detection su una regione alla volta</a:t>
-            </a:r>
-          </a:p>
-          <a:p>
-            <a:r>
-              <a:rPr lang="it-IT" dirty="0"/>
-              <a:t>Problema: uno stesso elemento può venire individuato più volte</a:t>
-            </a:r>
-          </a:p>
-          <a:p>
-            <a:r>
-              <a:rPr lang="it-IT" dirty="0"/>
-              <a:t>Non-max suppression da solo non è sufficiente</a:t>
-            </a:r>
-          </a:p>
-          <a:p>
-            <a:r>
-              <a:rPr lang="it-IT" dirty="0"/>
-              <a:t>Algoritmo per ricomporre le detections frammentate</a:t>
-            </a:r>
-          </a:p>
-          <a:p>
-            <a:r>
-              <a:rPr lang="it-IT" dirty="0"/>
-              <a:t>Individuare detections che potrebbero appartenere allo stesso elemento e ricomporle</a:t>
-            </a:r>
-          </a:p>
-        </p:txBody>
-      </p:sp>
+      </p:pic>
     </p:spTree>
     <p:extLst>
       <p:ext uri="{BB962C8B-B14F-4D97-AF65-F5344CB8AC3E}">
-        <p14:creationId xmlns:p14="http://schemas.microsoft.com/office/powerpoint/2010/main" val="2060602867"/>
+        <p14:creationId xmlns:p14="http://schemas.microsoft.com/office/powerpoint/2010/main" val="3935917731"/>
       </p:ext>
     </p:extLst>
   </p:cSld>
@@ -8631,6 +8906,263 @@
           <p:cNvPr id="2" name="Title 1">
             <a:extLst>
               <a:ext uri="{FF2B5EF4-FFF2-40B4-BE49-F238E27FC236}">
+                <a16:creationId xmlns:a16="http://schemas.microsoft.com/office/drawing/2014/main" id="{D6CEC00C-99AD-430C-A927-0888AD6D476B}"/>
+              </a:ext>
+            </a:extLst>
+          </p:cNvPr>
+          <p:cNvSpPr>
+            <a:spLocks noGrp="1"/>
+          </p:cNvSpPr>
+          <p:nvPr>
+            <p:ph type="title"/>
+          </p:nvPr>
+        </p:nvSpPr>
+        <p:spPr/>
+        <p:txBody>
+          <a:bodyPr/>
+          <a:lstStyle/>
+          <a:p>
+            <a:r>
+              <a:rPr lang="it-IT" dirty="0"/>
+              <a:t>Tre motivi per preferire lavorare su immagini in bassa risoluzione </a:t>
+            </a:r>
+          </a:p>
+        </p:txBody>
+      </p:sp>
+      <p:sp>
+        <p:nvSpPr>
+          <p:cNvPr id="3" name="Content Placeholder 2">
+            <a:extLst>
+              <a:ext uri="{FF2B5EF4-FFF2-40B4-BE49-F238E27FC236}">
+                <a16:creationId xmlns:a16="http://schemas.microsoft.com/office/drawing/2014/main" id="{5CA15545-D967-4C8E-B12B-6235E34A7EF8}"/>
+              </a:ext>
+            </a:extLst>
+          </p:cNvPr>
+          <p:cNvSpPr>
+            <a:spLocks noGrp="1"/>
+          </p:cNvSpPr>
+          <p:nvPr>
+            <p:ph idx="1"/>
+          </p:nvPr>
+        </p:nvSpPr>
+        <p:spPr/>
+        <p:txBody>
+          <a:bodyPr/>
+          <a:lstStyle/>
+          <a:p>
+            <a:r>
+              <a:rPr lang="it-IT" dirty="0"/>
+              <a:t>La maggior parte dei modelli esistenti lavorano su immagini in bassa risoluzione:</a:t>
+            </a:r>
+          </a:p>
+          <a:p>
+            <a:pPr lvl="1">
+              <a:buFont typeface="Wingdings" panose="05000000000000000000" pitchFamily="2" charset="2"/>
+              <a:buChar char="§"/>
+            </a:pPr>
+            <a:r>
+              <a:rPr lang="it-IT" dirty="0"/>
+              <a:t>Le immagini troppo grandi verranno automaticamente ridimensionate</a:t>
+            </a:r>
+          </a:p>
+          <a:p>
+            <a:pPr lvl="1">
+              <a:buFont typeface="Wingdings" panose="05000000000000000000" pitchFamily="2" charset="2"/>
+              <a:buChar char="§"/>
+            </a:pPr>
+            <a:r>
+              <a:rPr lang="it-IT" dirty="0"/>
+              <a:t>Perdita di risoluzione!</a:t>
+            </a:r>
+          </a:p>
+          <a:p>
+            <a:r>
+              <a:rPr lang="it-IT" dirty="0"/>
+              <a:t>Processare immagini a bassa risoluzione è più efficiente</a:t>
+            </a:r>
+          </a:p>
+          <a:p>
+            <a:r>
+              <a:rPr lang="it-IT" dirty="0"/>
+              <a:t>I dataset attuali per allenare i modelli sono composti da milioni in immagini in bassa risoluzione (ImageNet):</a:t>
+            </a:r>
+          </a:p>
+          <a:p>
+            <a:pPr lvl="1">
+              <a:buFont typeface="Wingdings" panose="05000000000000000000" pitchFamily="2" charset="2"/>
+              <a:buChar char="§"/>
+            </a:pPr>
+            <a:r>
+              <a:rPr lang="it-IT" dirty="0"/>
+              <a:t>I modelli che lavorano su immagini in alta definizione sono più difficili da allenare</a:t>
+            </a:r>
+          </a:p>
+        </p:txBody>
+      </p:sp>
+    </p:spTree>
+    <p:extLst>
+      <p:ext uri="{BB962C8B-B14F-4D97-AF65-F5344CB8AC3E}">
+        <p14:creationId xmlns:p14="http://schemas.microsoft.com/office/powerpoint/2010/main" val="3888445872"/>
+      </p:ext>
+    </p:extLst>
+  </p:cSld>
+  <p:clrMapOvr>
+    <a:masterClrMapping/>
+  </p:clrMapOvr>
+</p:sld>
+</file>
+
+<file path=ppt/slides/slide6.xml><?xml version="1.0" encoding="utf-8"?>
+<p:sld xmlns:a="http://schemas.openxmlformats.org/drawingml/2006/main" xmlns:r="http://schemas.openxmlformats.org/officeDocument/2006/relationships" xmlns:p="http://schemas.openxmlformats.org/presentationml/2006/main">
+  <p:cSld>
+    <p:spTree>
+      <p:nvGrpSpPr>
+        <p:cNvPr id="1" name=""/>
+        <p:cNvGrpSpPr/>
+        <p:nvPr/>
+      </p:nvGrpSpPr>
+      <p:grpSpPr>
+        <a:xfrm>
+          <a:off x="0" y="0"/>
+          <a:ext cx="0" cy="0"/>
+          <a:chOff x="0" y="0"/>
+          <a:chExt cx="0" cy="0"/>
+        </a:xfrm>
+      </p:grpSpPr>
+      <p:sp>
+        <p:nvSpPr>
+          <p:cNvPr id="2" name="Title 1">
+            <a:extLst>
+              <a:ext uri="{FF2B5EF4-FFF2-40B4-BE49-F238E27FC236}">
+                <a16:creationId xmlns:a16="http://schemas.microsoft.com/office/drawing/2014/main" id="{412BCB4B-AD7C-4E8C-B829-3F4C010364CF}"/>
+              </a:ext>
+            </a:extLst>
+          </p:cNvPr>
+          <p:cNvSpPr>
+            <a:spLocks noGrp="1"/>
+          </p:cNvSpPr>
+          <p:nvPr>
+            <p:ph type="title"/>
+          </p:nvPr>
+        </p:nvSpPr>
+        <p:spPr>
+          <a:xfrm>
+            <a:off x="2592925" y="624110"/>
+            <a:ext cx="8911687" cy="1280890"/>
+          </a:xfrm>
+        </p:spPr>
+        <p:txBody>
+          <a:bodyPr/>
+          <a:lstStyle/>
+          <a:p>
+            <a:r>
+              <a:rPr lang="it-IT"/>
+              <a:t>Object detection con frammentazione</a:t>
+            </a:r>
+            <a:endParaRPr lang="it-IT" dirty="0"/>
+          </a:p>
+        </p:txBody>
+      </p:sp>
+      <p:sp>
+        <p:nvSpPr>
+          <p:cNvPr id="3" name="Content Placeholder 2">
+            <a:extLst>
+              <a:ext uri="{FF2B5EF4-FFF2-40B4-BE49-F238E27FC236}">
+                <a16:creationId xmlns:a16="http://schemas.microsoft.com/office/drawing/2014/main" id="{B229F08F-AE02-49CA-8BA3-FC6CB5AB0F6F}"/>
+              </a:ext>
+            </a:extLst>
+          </p:cNvPr>
+          <p:cNvSpPr>
+            <a:spLocks noGrp="1"/>
+          </p:cNvSpPr>
+          <p:nvPr>
+            <p:ph idx="1"/>
+          </p:nvPr>
+        </p:nvSpPr>
+        <p:spPr>
+          <a:xfrm>
+            <a:off x="2583911" y="1905000"/>
+            <a:ext cx="8915400" cy="2781300"/>
+          </a:xfrm>
+        </p:spPr>
+        <p:txBody>
+          <a:bodyPr>
+            <a:normAutofit/>
+          </a:bodyPr>
+          <a:lstStyle/>
+          <a:p>
+            <a:r>
+              <a:rPr lang="it-IT" dirty="0"/>
+              <a:t>Suddividere un’ immagine in regioni</a:t>
+            </a:r>
+          </a:p>
+          <a:p>
+            <a:r>
+              <a:rPr lang="it-IT" dirty="0"/>
+              <a:t>Effettuare la detection su una regione alla volta</a:t>
+            </a:r>
+          </a:p>
+          <a:p>
+            <a:r>
+              <a:rPr lang="it-IT" dirty="0"/>
+              <a:t>Problema: uno stesso elemento può venire individuato più volte</a:t>
+            </a:r>
+          </a:p>
+          <a:p>
+            <a:r>
+              <a:rPr lang="it-IT" dirty="0"/>
+              <a:t>Non-max suppression da solo non è sufficiente</a:t>
+            </a:r>
+          </a:p>
+          <a:p>
+            <a:r>
+              <a:rPr lang="it-IT" dirty="0"/>
+              <a:t>Algoritmo per ricomporre le detections frammentate</a:t>
+            </a:r>
+          </a:p>
+          <a:p>
+            <a:r>
+              <a:rPr lang="it-IT" dirty="0"/>
+              <a:t>Individuare detections che potrebbero appartenere allo stesso elemento e ricomporle</a:t>
+            </a:r>
+          </a:p>
+        </p:txBody>
+      </p:sp>
+    </p:spTree>
+    <p:extLst>
+      <p:ext uri="{BB962C8B-B14F-4D97-AF65-F5344CB8AC3E}">
+        <p14:creationId xmlns:p14="http://schemas.microsoft.com/office/powerpoint/2010/main" val="2060602867"/>
+      </p:ext>
+    </p:extLst>
+  </p:cSld>
+  <p:clrMapOvr>
+    <a:masterClrMapping/>
+  </p:clrMapOvr>
+</p:sld>
+</file>
+
+<file path=ppt/slides/slide7.xml><?xml version="1.0" encoding="utf-8"?>
+<p:sld xmlns:a="http://schemas.openxmlformats.org/drawingml/2006/main" xmlns:r="http://schemas.openxmlformats.org/officeDocument/2006/relationships" xmlns:p="http://schemas.openxmlformats.org/presentationml/2006/main">
+  <p:cSld>
+    <p:spTree>
+      <p:nvGrpSpPr>
+        <p:cNvPr id="1" name=""/>
+        <p:cNvGrpSpPr/>
+        <p:nvPr/>
+      </p:nvGrpSpPr>
+      <p:grpSpPr>
+        <a:xfrm>
+          <a:off x="0" y="0"/>
+          <a:ext cx="0" cy="0"/>
+          <a:chOff x="0" y="0"/>
+          <a:chExt cx="0" cy="0"/>
+        </a:xfrm>
+      </p:grpSpPr>
+      <p:sp>
+        <p:nvSpPr>
+          <p:cNvPr id="2" name="Title 1">
+            <a:extLst>
+              <a:ext uri="{FF2B5EF4-FFF2-40B4-BE49-F238E27FC236}">
                 <a16:creationId xmlns:a16="http://schemas.microsoft.com/office/drawing/2014/main" id="{3F052D9B-8A7C-428E-B559-91E776E8C0E7}"/>
               </a:ext>
             </a:extLst>
@@ -8771,7 +9303,7 @@
 </p:sld>
 </file>
 
-<file path=ppt/slides/slide6.xml><?xml version="1.0" encoding="utf-8"?>
+<file path=ppt/slides/slide8.xml><?xml version="1.0" encoding="utf-8"?>
 <p:sld xmlns:a="http://schemas.openxmlformats.org/drawingml/2006/main" xmlns:r="http://schemas.openxmlformats.org/officeDocument/2006/relationships" xmlns:p="http://schemas.openxmlformats.org/presentationml/2006/main">
   <p:cSld>
     <p:spTree>
@@ -8841,7 +9373,7 @@
           <a:p>
             <a:r>
               <a:rPr lang="it-IT" dirty="0"/>
-              <a:t>Dataset xView composto da immagini satellitari</a:t>
+              <a:t>Dataset xView composto da immagini satellitari (70 categorie diverse)</a:t>
             </a:r>
           </a:p>
           <a:p>
@@ -8918,172 +9450,6 @@
 </p:sld>
 </file>
 
-<file path=ppt/slides/slide7.xml><?xml version="1.0" encoding="utf-8"?>
-<p:sld xmlns:a="http://schemas.openxmlformats.org/drawingml/2006/main" xmlns:r="http://schemas.openxmlformats.org/officeDocument/2006/relationships" xmlns:p="http://schemas.openxmlformats.org/presentationml/2006/main">
-  <p:cSld>
-    <p:spTree>
-      <p:nvGrpSpPr>
-        <p:cNvPr id="1" name=""/>
-        <p:cNvGrpSpPr/>
-        <p:nvPr/>
-      </p:nvGrpSpPr>
-      <p:grpSpPr>
-        <a:xfrm>
-          <a:off x="0" y="0"/>
-          <a:ext cx="0" cy="0"/>
-          <a:chOff x="0" y="0"/>
-          <a:chExt cx="0" cy="0"/>
-        </a:xfrm>
-      </p:grpSpPr>
-      <p:sp>
-        <p:nvSpPr>
-          <p:cNvPr id="2" name="Title 1">
-            <a:extLst>
-              <a:ext uri="{FF2B5EF4-FFF2-40B4-BE49-F238E27FC236}">
-                <a16:creationId xmlns:a16="http://schemas.microsoft.com/office/drawing/2014/main" id="{3A14B910-F2C2-41A2-8F5A-EDA91E88E0B0}"/>
-              </a:ext>
-            </a:extLst>
-          </p:cNvPr>
-          <p:cNvSpPr>
-            <a:spLocks noGrp="1"/>
-          </p:cNvSpPr>
-          <p:nvPr>
-            <p:ph type="title"/>
-          </p:nvPr>
-        </p:nvSpPr>
-        <p:spPr/>
-        <p:txBody>
-          <a:bodyPr/>
-          <a:lstStyle/>
-          <a:p>
-            <a:r>
-              <a:rPr lang="it-IT" dirty="0"/>
-              <a:t>Object tracking</a:t>
-            </a:r>
-          </a:p>
-        </p:txBody>
-      </p:sp>
-      <p:sp>
-        <p:nvSpPr>
-          <p:cNvPr id="3" name="Content Placeholder 2">
-            <a:extLst>
-              <a:ext uri="{FF2B5EF4-FFF2-40B4-BE49-F238E27FC236}">
-                <a16:creationId xmlns:a16="http://schemas.microsoft.com/office/drawing/2014/main" id="{6F4F2FC1-0862-4D81-B2CF-8ED984A31904}"/>
-              </a:ext>
-            </a:extLst>
-          </p:cNvPr>
-          <p:cNvSpPr>
-            <a:spLocks noGrp="1"/>
-          </p:cNvSpPr>
-          <p:nvPr>
-            <p:ph idx="1"/>
-          </p:nvPr>
-        </p:nvSpPr>
-        <p:spPr/>
-        <p:txBody>
-          <a:bodyPr/>
-          <a:lstStyle/>
-          <a:p>
-            <a:endParaRPr lang="it-IT"/>
-          </a:p>
-        </p:txBody>
-      </p:sp>
-    </p:spTree>
-    <p:extLst>
-      <p:ext uri="{BB962C8B-B14F-4D97-AF65-F5344CB8AC3E}">
-        <p14:creationId xmlns:p14="http://schemas.microsoft.com/office/powerpoint/2010/main" val="2571033219"/>
-      </p:ext>
-    </p:extLst>
-  </p:cSld>
-  <p:clrMapOvr>
-    <a:masterClrMapping/>
-  </p:clrMapOvr>
-</p:sld>
-</file>
-
-<file path=ppt/slides/slide8.xml><?xml version="1.0" encoding="utf-8"?>
-<p:sld xmlns:a="http://schemas.openxmlformats.org/drawingml/2006/main" xmlns:r="http://schemas.openxmlformats.org/officeDocument/2006/relationships" xmlns:p="http://schemas.openxmlformats.org/presentationml/2006/main">
-  <p:cSld>
-    <p:spTree>
-      <p:nvGrpSpPr>
-        <p:cNvPr id="1" name=""/>
-        <p:cNvGrpSpPr/>
-        <p:nvPr/>
-      </p:nvGrpSpPr>
-      <p:grpSpPr>
-        <a:xfrm>
-          <a:off x="0" y="0"/>
-          <a:ext cx="0" cy="0"/>
-          <a:chOff x="0" y="0"/>
-          <a:chExt cx="0" cy="0"/>
-        </a:xfrm>
-      </p:grpSpPr>
-      <p:sp>
-        <p:nvSpPr>
-          <p:cNvPr id="2" name="Title 1">
-            <a:extLst>
-              <a:ext uri="{FF2B5EF4-FFF2-40B4-BE49-F238E27FC236}">
-                <a16:creationId xmlns:a16="http://schemas.microsoft.com/office/drawing/2014/main" id="{880234B8-62BD-4942-89C3-807122800625}"/>
-              </a:ext>
-            </a:extLst>
-          </p:cNvPr>
-          <p:cNvSpPr>
-            <a:spLocks noGrp="1"/>
-          </p:cNvSpPr>
-          <p:nvPr>
-            <p:ph type="title"/>
-          </p:nvPr>
-        </p:nvSpPr>
-        <p:spPr/>
-        <p:txBody>
-          <a:bodyPr/>
-          <a:lstStyle/>
-          <a:p>
-            <a:r>
-              <a:rPr lang="it-IT" dirty="0"/>
-              <a:t>Risultati tracking 1</a:t>
-            </a:r>
-          </a:p>
-        </p:txBody>
-      </p:sp>
-      <p:sp>
-        <p:nvSpPr>
-          <p:cNvPr id="3" name="Content Placeholder 2">
-            <a:extLst>
-              <a:ext uri="{FF2B5EF4-FFF2-40B4-BE49-F238E27FC236}">
-                <a16:creationId xmlns:a16="http://schemas.microsoft.com/office/drawing/2014/main" id="{BE7E5635-38AB-42B2-BE9B-80154B2A7B02}"/>
-              </a:ext>
-            </a:extLst>
-          </p:cNvPr>
-          <p:cNvSpPr>
-            <a:spLocks noGrp="1"/>
-          </p:cNvSpPr>
-          <p:nvPr>
-            <p:ph idx="1"/>
-          </p:nvPr>
-        </p:nvSpPr>
-        <p:spPr/>
-        <p:txBody>
-          <a:bodyPr/>
-          <a:lstStyle/>
-          <a:p>
-            <a:endParaRPr lang="it-IT"/>
-          </a:p>
-        </p:txBody>
-      </p:sp>
-    </p:spTree>
-    <p:extLst>
-      <p:ext uri="{BB962C8B-B14F-4D97-AF65-F5344CB8AC3E}">
-        <p14:creationId xmlns:p14="http://schemas.microsoft.com/office/powerpoint/2010/main" val="3876710044"/>
-      </p:ext>
-    </p:extLst>
-  </p:cSld>
-  <p:clrMapOvr>
-    <a:masterClrMapping/>
-  </p:clrMapOvr>
-</p:sld>
-</file>
-
 <file path=ppt/slides/slide9.xml><?xml version="1.0" encoding="utf-8"?>
 <p:sld xmlns:a="http://schemas.openxmlformats.org/drawingml/2006/main" xmlns:r="http://schemas.openxmlformats.org/officeDocument/2006/relationships" xmlns:p="http://schemas.openxmlformats.org/presentationml/2006/main">
   <p:cSld>
@@ -9106,7 +9472,7 @@
           <p:cNvPr id="2" name="Title 1">
             <a:extLst>
               <a:ext uri="{FF2B5EF4-FFF2-40B4-BE49-F238E27FC236}">
-                <a16:creationId xmlns:a16="http://schemas.microsoft.com/office/drawing/2014/main" id="{E252AFD4-4B8C-4B39-8FDF-BCD7BC939CB5}"/>
+                <a16:creationId xmlns:a16="http://schemas.microsoft.com/office/drawing/2014/main" id="{3A14B910-F2C2-41A2-8F5A-EDA91E88E0B0}"/>
               </a:ext>
             </a:extLst>
           </p:cNvPr>
@@ -9124,7 +9490,7 @@
           <a:p>
             <a:r>
               <a:rPr lang="it-IT" dirty="0"/>
-              <a:t>Risultati tracking 2</a:t>
+              <a:t>Object tracking</a:t>
             </a:r>
           </a:p>
         </p:txBody>
@@ -9134,7 +9500,7 @@
           <p:cNvPr id="3" name="Content Placeholder 2">
             <a:extLst>
               <a:ext uri="{FF2B5EF4-FFF2-40B4-BE49-F238E27FC236}">
-                <a16:creationId xmlns:a16="http://schemas.microsoft.com/office/drawing/2014/main" id="{E2902596-0C6C-49B2-8C8F-D4A695DEAD03}"/>
+                <a16:creationId xmlns:a16="http://schemas.microsoft.com/office/drawing/2014/main" id="{6F4F2FC1-0862-4D81-B2CF-8ED984A31904}"/>
               </a:ext>
             </a:extLst>
           </p:cNvPr>
@@ -9150,14 +9516,115 @@
           <a:bodyPr/>
           <a:lstStyle/>
           <a:p>
-            <a:endParaRPr lang="it-IT"/>
-          </a:p>
-        </p:txBody>
-      </p:sp>
+            <a:r>
+              <a:rPr lang="it-IT" dirty="0"/>
+              <a:t>Tracciare specifici elementi attraverso una sequenza di frames</a:t>
+            </a:r>
+          </a:p>
+          <a:p>
+            <a:r>
+              <a:rPr lang="it-IT" dirty="0"/>
+              <a:t>Assegnazione di un ID univoco ad ogni elemento tracciato</a:t>
+            </a:r>
+          </a:p>
+          <a:p>
+            <a:r>
+              <a:rPr lang="it-IT" dirty="0"/>
+              <a:t>Tracciando un oggetto in movimento possono sorgere alcuni dei seguenti problemi:</a:t>
+            </a:r>
+          </a:p>
+          <a:p>
+            <a:pPr lvl="1">
+              <a:buFont typeface="Wingdings" panose="05000000000000000000" pitchFamily="2" charset="2"/>
+              <a:buChar char="§"/>
+            </a:pPr>
+            <a:r>
+              <a:rPr lang="it-IT" dirty="0"/>
+              <a:t>Occlusione</a:t>
+            </a:r>
+          </a:p>
+          <a:p>
+            <a:pPr lvl="1">
+              <a:buFont typeface="Wingdings" panose="05000000000000000000" pitchFamily="2" charset="2"/>
+              <a:buChar char="§"/>
+            </a:pPr>
+            <a:r>
+              <a:rPr lang="it-IT" dirty="0"/>
+              <a:t>Sfocatura</a:t>
+            </a:r>
+          </a:p>
+          <a:p>
+            <a:pPr lvl="1">
+              <a:buFont typeface="Wingdings" panose="05000000000000000000" pitchFamily="2" charset="2"/>
+              <a:buChar char="§"/>
+            </a:pPr>
+            <a:r>
+              <a:rPr lang="it-IT" dirty="0"/>
+              <a:t>Background</a:t>
+            </a:r>
+          </a:p>
+          <a:p>
+            <a:pPr lvl="1">
+              <a:buFont typeface="Wingdings" panose="05000000000000000000" pitchFamily="2" charset="2"/>
+              <a:buChar char="§"/>
+            </a:pPr>
+            <a:r>
+              <a:rPr lang="it-IT" dirty="0"/>
+              <a:t>Luminosità</a:t>
+            </a:r>
+          </a:p>
+          <a:p>
+            <a:pPr lvl="1">
+              <a:buFont typeface="Wingdings" panose="05000000000000000000" pitchFamily="2" charset="2"/>
+              <a:buChar char="§"/>
+            </a:pPr>
+            <a:r>
+              <a:rPr lang="it-IT" dirty="0"/>
+              <a:t>Etc...</a:t>
+            </a:r>
+          </a:p>
+          <a:p>
+            <a:pPr marL="57150" indent="0">
+              <a:buNone/>
+            </a:pPr>
+            <a:endParaRPr lang="it-IT" dirty="0"/>
+          </a:p>
+        </p:txBody>
+      </p:sp>
+      <p:pic>
+        <p:nvPicPr>
+          <p:cNvPr id="7" name="Picture 6">
+            <a:extLst>
+              <a:ext uri="{FF2B5EF4-FFF2-40B4-BE49-F238E27FC236}">
+                <a16:creationId xmlns:a16="http://schemas.microsoft.com/office/drawing/2014/main" id="{C0B15A55-FA5B-42D5-A288-5E3D43D4B41B}"/>
+              </a:ext>
+            </a:extLst>
+          </p:cNvPr>
+          <p:cNvPicPr>
+            <a:picLocks noChangeAspect="1"/>
+          </p:cNvPicPr>
+          <p:nvPr/>
+        </p:nvPicPr>
+        <p:blipFill>
+          <a:blip r:embed="rId2"/>
+          <a:stretch>
+            <a:fillRect/>
+          </a:stretch>
+        </p:blipFill>
+        <p:spPr>
+          <a:xfrm>
+            <a:off x="5086904" y="4630333"/>
+            <a:ext cx="6417707" cy="1280889"/>
+          </a:xfrm>
+          <a:prstGeom prst="rect">
+            <a:avLst/>
+          </a:prstGeom>
+        </p:spPr>
+      </p:pic>
     </p:spTree>
     <p:extLst>
       <p:ext uri="{BB962C8B-B14F-4D97-AF65-F5344CB8AC3E}">
-        <p14:creationId xmlns:p14="http://schemas.microsoft.com/office/powerpoint/2010/main" val="1931463893"/>
+        <p14:creationId xmlns:p14="http://schemas.microsoft.com/office/powerpoint/2010/main" val="2571033219"/>
       </p:ext>
     </p:extLst>
   </p:cSld>

--- a/presentazione_tesi.pptx
+++ b/presentazione_tesi.pptx
@@ -334,7 +334,7 @@
             <a:fld id="{B61BEF0D-F0BB-DE4B-95CE-6DB70DBA9567}" type="datetimeFigureOut">
               <a:rPr lang="en-US" dirty="0"/>
               <a:pPr/>
-              <a:t>7/2/2019</a:t>
+              <a:t>7/8/2019</a:t>
             </a:fld>
             <a:endParaRPr lang="en-US" dirty="0"/>
           </a:p>
@@ -669,7 +669,7 @@
             <a:fld id="{B61BEF0D-F0BB-DE4B-95CE-6DB70DBA9567}" type="datetimeFigureOut">
               <a:rPr lang="en-US" dirty="0"/>
               <a:pPr/>
-              <a:t>7/2/2019</a:t>
+              <a:t>7/8/2019</a:t>
             </a:fld>
             <a:endParaRPr lang="en-US" dirty="0"/>
           </a:p>
@@ -1067,7 +1067,7 @@
             <a:fld id="{B61BEF0D-F0BB-DE4B-95CE-6DB70DBA9567}" type="datetimeFigureOut">
               <a:rPr lang="en-US" dirty="0"/>
               <a:pPr/>
-              <a:t>7/2/2019</a:t>
+              <a:t>7/8/2019</a:t>
             </a:fld>
             <a:endParaRPr lang="en-US" dirty="0"/>
           </a:p>
@@ -1400,7 +1400,7 @@
             <a:fld id="{B61BEF0D-F0BB-DE4B-95CE-6DB70DBA9567}" type="datetimeFigureOut">
               <a:rPr lang="en-US" dirty="0"/>
               <a:pPr/>
-              <a:t>7/2/2019</a:t>
+              <a:t>7/8/2019</a:t>
             </a:fld>
             <a:endParaRPr lang="en-US" dirty="0"/>
           </a:p>
@@ -1717,7 +1717,7 @@
             <a:fld id="{B61BEF0D-F0BB-DE4B-95CE-6DB70DBA9567}" type="datetimeFigureOut">
               <a:rPr lang="en-US" dirty="0"/>
               <a:pPr/>
-              <a:t>7/2/2019</a:t>
+              <a:t>7/8/2019</a:t>
             </a:fld>
             <a:endParaRPr lang="en-US" dirty="0"/>
           </a:p>
@@ -2110,7 +2110,7 @@
             <a:fld id="{B61BEF0D-F0BB-DE4B-95CE-6DB70DBA9567}" type="datetimeFigureOut">
               <a:rPr lang="en-US" dirty="0"/>
               <a:pPr/>
-              <a:t>7/2/2019</a:t>
+              <a:t>7/8/2019</a:t>
             </a:fld>
             <a:endParaRPr lang="en-US" dirty="0"/>
           </a:p>
@@ -2364,7 +2364,7 @@
             <a:fld id="{B61BEF0D-F0BB-DE4B-95CE-6DB70DBA9567}" type="datetimeFigureOut">
               <a:rPr lang="en-US" dirty="0"/>
               <a:pPr/>
-              <a:t>7/2/2019</a:t>
+              <a:t>7/8/2019</a:t>
             </a:fld>
             <a:endParaRPr lang="en-US" dirty="0"/>
           </a:p>
@@ -2623,7 +2623,7 @@
             <a:fld id="{B61BEF0D-F0BB-DE4B-95CE-6DB70DBA9567}" type="datetimeFigureOut">
               <a:rPr lang="en-US" dirty="0"/>
               <a:pPr/>
-              <a:t>7/2/2019</a:t>
+              <a:t>7/8/2019</a:t>
             </a:fld>
             <a:endParaRPr lang="en-US" dirty="0"/>
           </a:p>
@@ -2882,7 +2882,7 @@
             <a:fld id="{B61BEF0D-F0BB-DE4B-95CE-6DB70DBA9567}" type="datetimeFigureOut">
               <a:rPr lang="en-US" dirty="0"/>
               <a:pPr/>
-              <a:t>7/2/2019</a:t>
+              <a:t>7/8/2019</a:t>
             </a:fld>
             <a:endParaRPr lang="en-US" dirty="0"/>
           </a:p>
@@ -3208,7 +3208,7 @@
             <a:fld id="{B61BEF0D-F0BB-DE4B-95CE-6DB70DBA9567}" type="datetimeFigureOut">
               <a:rPr lang="en-US" dirty="0"/>
               <a:pPr/>
-              <a:t>7/2/2019</a:t>
+              <a:t>7/8/2019</a:t>
             </a:fld>
             <a:endParaRPr lang="en-US" dirty="0"/>
           </a:p>
@@ -3528,7 +3528,7 @@
             <a:fld id="{B61BEF0D-F0BB-DE4B-95CE-6DB70DBA9567}" type="datetimeFigureOut">
               <a:rPr lang="en-US" dirty="0"/>
               <a:pPr/>
-              <a:t>7/2/2019</a:t>
+              <a:t>7/8/2019</a:t>
             </a:fld>
             <a:endParaRPr lang="en-US" dirty="0"/>
           </a:p>
@@ -3982,7 +3982,7 @@
             <a:fld id="{B61BEF0D-F0BB-DE4B-95CE-6DB70DBA9567}" type="datetimeFigureOut">
               <a:rPr lang="en-US" dirty="0"/>
               <a:pPr/>
-              <a:t>7/2/2019</a:t>
+              <a:t>7/8/2019</a:t>
             </a:fld>
             <a:endParaRPr lang="en-US" dirty="0"/>
           </a:p>
@@ -4184,7 +4184,7 @@
             <a:fld id="{B61BEF0D-F0BB-DE4B-95CE-6DB70DBA9567}" type="datetimeFigureOut">
               <a:rPr lang="en-US" dirty="0"/>
               <a:pPr/>
-              <a:t>7/2/2019</a:t>
+              <a:t>7/8/2019</a:t>
             </a:fld>
             <a:endParaRPr lang="en-US" dirty="0"/>
           </a:p>
@@ -4358,7 +4358,7 @@
             <a:fld id="{B61BEF0D-F0BB-DE4B-95CE-6DB70DBA9567}" type="datetimeFigureOut">
               <a:rPr lang="en-US" dirty="0"/>
               <a:pPr/>
-              <a:t>7/2/2019</a:t>
+              <a:t>7/8/2019</a:t>
             </a:fld>
             <a:endParaRPr lang="en-US" dirty="0"/>
           </a:p>
@@ -4688,7 +4688,7 @@
             <a:fld id="{B61BEF0D-F0BB-DE4B-95CE-6DB70DBA9567}" type="datetimeFigureOut">
               <a:rPr lang="en-US" dirty="0"/>
               <a:pPr/>
-              <a:t>7/2/2019</a:t>
+              <a:t>7/8/2019</a:t>
             </a:fld>
             <a:endParaRPr lang="en-US" dirty="0"/>
           </a:p>
@@ -5030,7 +5030,7 @@
             <a:fld id="{B61BEF0D-F0BB-DE4B-95CE-6DB70DBA9567}" type="datetimeFigureOut">
               <a:rPr lang="en-US" dirty="0"/>
               <a:pPr/>
-              <a:t>7/2/2019</a:t>
+              <a:t>7/8/2019</a:t>
             </a:fld>
             <a:endParaRPr lang="en-US" dirty="0"/>
           </a:p>
@@ -7144,7 +7144,7 @@
             <a:fld id="{B61BEF0D-F0BB-DE4B-95CE-6DB70DBA9567}" type="datetimeFigureOut">
               <a:rPr lang="en-US" dirty="0"/>
               <a:pPr/>
-              <a:t>7/2/2019</a:t>
+              <a:t>7/8/2019</a:t>
             </a:fld>
             <a:endParaRPr lang="en-US" dirty="0"/>
           </a:p>
@@ -7687,13 +7687,13 @@
           <a:p>
             <a:pPr algn="ctr"/>
             <a:r>
-              <a:rPr lang="it-IT" dirty="0"/>
+              <a:rPr lang="it-IT" b="1" dirty="0"/>
               <a:t>Riconoscimento e tracciamento di elementi su video ad alta risoluzione</a:t>
             </a:r>
             <a:br>
-              <a:rPr lang="it-IT" dirty="0"/>
+              <a:rPr lang="it-IT" b="1" dirty="0"/>
             </a:br>
-            <a:endParaRPr lang="it-IT" dirty="0"/>
+            <a:endParaRPr lang="it-IT" b="1" dirty="0"/>
           </a:p>
         </p:txBody>
       </p:sp>

--- a/presentazione_tesi.pptx
+++ b/presentazione_tesi.pptx
@@ -334,7 +334,7 @@
             <a:fld id="{B61BEF0D-F0BB-DE4B-95CE-6DB70DBA9567}" type="datetimeFigureOut">
               <a:rPr lang="en-US" dirty="0"/>
               <a:pPr/>
-              <a:t>7/8/2019</a:t>
+              <a:t>7/10/2019</a:t>
             </a:fld>
             <a:endParaRPr lang="en-US" dirty="0"/>
           </a:p>
@@ -669,7 +669,7 @@
             <a:fld id="{B61BEF0D-F0BB-DE4B-95CE-6DB70DBA9567}" type="datetimeFigureOut">
               <a:rPr lang="en-US" dirty="0"/>
               <a:pPr/>
-              <a:t>7/8/2019</a:t>
+              <a:t>7/10/2019</a:t>
             </a:fld>
             <a:endParaRPr lang="en-US" dirty="0"/>
           </a:p>
@@ -1067,7 +1067,7 @@
             <a:fld id="{B61BEF0D-F0BB-DE4B-95CE-6DB70DBA9567}" type="datetimeFigureOut">
               <a:rPr lang="en-US" dirty="0"/>
               <a:pPr/>
-              <a:t>7/8/2019</a:t>
+              <a:t>7/10/2019</a:t>
             </a:fld>
             <a:endParaRPr lang="en-US" dirty="0"/>
           </a:p>
@@ -1400,7 +1400,7 @@
             <a:fld id="{B61BEF0D-F0BB-DE4B-95CE-6DB70DBA9567}" type="datetimeFigureOut">
               <a:rPr lang="en-US" dirty="0"/>
               <a:pPr/>
-              <a:t>7/8/2019</a:t>
+              <a:t>7/10/2019</a:t>
             </a:fld>
             <a:endParaRPr lang="en-US" dirty="0"/>
           </a:p>
@@ -1717,7 +1717,7 @@
             <a:fld id="{B61BEF0D-F0BB-DE4B-95CE-6DB70DBA9567}" type="datetimeFigureOut">
               <a:rPr lang="en-US" dirty="0"/>
               <a:pPr/>
-              <a:t>7/8/2019</a:t>
+              <a:t>7/10/2019</a:t>
             </a:fld>
             <a:endParaRPr lang="en-US" dirty="0"/>
           </a:p>
@@ -2110,7 +2110,7 @@
             <a:fld id="{B61BEF0D-F0BB-DE4B-95CE-6DB70DBA9567}" type="datetimeFigureOut">
               <a:rPr lang="en-US" dirty="0"/>
               <a:pPr/>
-              <a:t>7/8/2019</a:t>
+              <a:t>7/10/2019</a:t>
             </a:fld>
             <a:endParaRPr lang="en-US" dirty="0"/>
           </a:p>
@@ -2364,7 +2364,7 @@
             <a:fld id="{B61BEF0D-F0BB-DE4B-95CE-6DB70DBA9567}" type="datetimeFigureOut">
               <a:rPr lang="en-US" dirty="0"/>
               <a:pPr/>
-              <a:t>7/8/2019</a:t>
+              <a:t>7/10/2019</a:t>
             </a:fld>
             <a:endParaRPr lang="en-US" dirty="0"/>
           </a:p>
@@ -2623,7 +2623,7 @@
             <a:fld id="{B61BEF0D-F0BB-DE4B-95CE-6DB70DBA9567}" type="datetimeFigureOut">
               <a:rPr lang="en-US" dirty="0"/>
               <a:pPr/>
-              <a:t>7/8/2019</a:t>
+              <a:t>7/10/2019</a:t>
             </a:fld>
             <a:endParaRPr lang="en-US" dirty="0"/>
           </a:p>
@@ -2882,7 +2882,7 @@
             <a:fld id="{B61BEF0D-F0BB-DE4B-95CE-6DB70DBA9567}" type="datetimeFigureOut">
               <a:rPr lang="en-US" dirty="0"/>
               <a:pPr/>
-              <a:t>7/8/2019</a:t>
+              <a:t>7/10/2019</a:t>
             </a:fld>
             <a:endParaRPr lang="en-US" dirty="0"/>
           </a:p>
@@ -3208,7 +3208,7 @@
             <a:fld id="{B61BEF0D-F0BB-DE4B-95CE-6DB70DBA9567}" type="datetimeFigureOut">
               <a:rPr lang="en-US" dirty="0"/>
               <a:pPr/>
-              <a:t>7/8/2019</a:t>
+              <a:t>7/10/2019</a:t>
             </a:fld>
             <a:endParaRPr lang="en-US" dirty="0"/>
           </a:p>
@@ -3528,7 +3528,7 @@
             <a:fld id="{B61BEF0D-F0BB-DE4B-95CE-6DB70DBA9567}" type="datetimeFigureOut">
               <a:rPr lang="en-US" dirty="0"/>
               <a:pPr/>
-              <a:t>7/8/2019</a:t>
+              <a:t>7/10/2019</a:t>
             </a:fld>
             <a:endParaRPr lang="en-US" dirty="0"/>
           </a:p>
@@ -3982,7 +3982,7 @@
             <a:fld id="{B61BEF0D-F0BB-DE4B-95CE-6DB70DBA9567}" type="datetimeFigureOut">
               <a:rPr lang="en-US" dirty="0"/>
               <a:pPr/>
-              <a:t>7/8/2019</a:t>
+              <a:t>7/10/2019</a:t>
             </a:fld>
             <a:endParaRPr lang="en-US" dirty="0"/>
           </a:p>
@@ -4184,7 +4184,7 @@
             <a:fld id="{B61BEF0D-F0BB-DE4B-95CE-6DB70DBA9567}" type="datetimeFigureOut">
               <a:rPr lang="en-US" dirty="0"/>
               <a:pPr/>
-              <a:t>7/8/2019</a:t>
+              <a:t>7/10/2019</a:t>
             </a:fld>
             <a:endParaRPr lang="en-US" dirty="0"/>
           </a:p>
@@ -4358,7 +4358,7 @@
             <a:fld id="{B61BEF0D-F0BB-DE4B-95CE-6DB70DBA9567}" type="datetimeFigureOut">
               <a:rPr lang="en-US" dirty="0"/>
               <a:pPr/>
-              <a:t>7/8/2019</a:t>
+              <a:t>7/10/2019</a:t>
             </a:fld>
             <a:endParaRPr lang="en-US" dirty="0"/>
           </a:p>
@@ -4688,7 +4688,7 @@
             <a:fld id="{B61BEF0D-F0BB-DE4B-95CE-6DB70DBA9567}" type="datetimeFigureOut">
               <a:rPr lang="en-US" dirty="0"/>
               <a:pPr/>
-              <a:t>7/8/2019</a:t>
+              <a:t>7/10/2019</a:t>
             </a:fld>
             <a:endParaRPr lang="en-US" dirty="0"/>
           </a:p>
@@ -5030,7 +5030,7 @@
             <a:fld id="{B61BEF0D-F0BB-DE4B-95CE-6DB70DBA9567}" type="datetimeFigureOut">
               <a:rPr lang="en-US" dirty="0"/>
               <a:pPr/>
-              <a:t>7/8/2019</a:t>
+              <a:t>7/10/2019</a:t>
             </a:fld>
             <a:endParaRPr lang="en-US" dirty="0"/>
           </a:p>
@@ -7144,7 +7144,7 @@
             <a:fld id="{B61BEF0D-F0BB-DE4B-95CE-6DB70DBA9567}" type="datetimeFigureOut">
               <a:rPr lang="en-US" dirty="0"/>
               <a:pPr/>
-              <a:t>7/8/2019</a:t>
+              <a:t>7/10/2019</a:t>
             </a:fld>
             <a:endParaRPr lang="en-US" dirty="0"/>
           </a:p>
@@ -7892,7 +7892,9 @@
           </a:xfrm>
         </p:spPr>
         <p:txBody>
-          <a:bodyPr/>
+          <a:bodyPr>
+            <a:normAutofit/>
+          </a:bodyPr>
           <a:lstStyle/>
           <a:p>
             <a:r>
@@ -7918,7 +7920,7 @@
               <a:buChar char="§"/>
             </a:pPr>
             <a:r>
-              <a:rPr lang="it-IT" dirty="0"/>
+              <a:rPr lang="it-IT" sz="1800" dirty="0"/>
               <a:t>Filtro di Kalman</a:t>
             </a:r>
           </a:p>
@@ -8041,7 +8043,9 @@
           </a:xfrm>
         </p:spPr>
         <p:txBody>
-          <a:bodyPr/>
+          <a:bodyPr>
+            <a:normAutofit/>
+          </a:bodyPr>
           <a:lstStyle/>
           <a:p>
             <a:r>
@@ -8055,7 +8059,7 @@
               <a:buChar char="§"/>
             </a:pPr>
             <a:r>
-              <a:rPr lang="it-IT" dirty="0"/>
+              <a:rPr lang="it-IT" sz="1800" dirty="0"/>
               <a:t>Intersection over Union (IoU)</a:t>
             </a:r>
           </a:p>
@@ -8065,7 +8069,7 @@
               <a:buChar char="§"/>
             </a:pPr>
             <a:r>
-              <a:rPr lang="it-IT" dirty="0"/>
+              <a:rPr lang="it-IT" sz="1800" dirty="0"/>
               <a:t>Dimensione delle aree</a:t>
             </a:r>
           </a:p>
@@ -8075,7 +8079,7 @@
               <a:buChar char="§"/>
             </a:pPr>
             <a:r>
-              <a:rPr lang="it-IT" dirty="0"/>
+              <a:rPr lang="it-IT" sz="1800" dirty="0"/>
               <a:t>Rapporto tra i lati</a:t>
             </a:r>
           </a:p>
@@ -8091,7 +8095,7 @@
               <a:buChar char="§"/>
             </a:pPr>
             <a:r>
-              <a:rPr lang="it-IT" dirty="0"/>
+              <a:rPr lang="it-IT" sz="1800" dirty="0"/>
               <a:t>Problema di ottimizzazione: algoritmo di Munkres</a:t>
             </a:r>
           </a:p>
@@ -8185,7 +8189,9 @@
         </p:nvSpPr>
         <p:spPr/>
         <p:txBody>
-          <a:bodyPr/>
+          <a:bodyPr>
+            <a:normAutofit/>
+          </a:bodyPr>
           <a:lstStyle/>
           <a:p>
             <a:r>
@@ -8205,7 +8211,7 @@
               <a:buChar char="§"/>
             </a:pPr>
             <a:r>
-              <a:rPr lang="it-IT" dirty="0"/>
+              <a:rPr lang="it-IT" sz="1800" dirty="0"/>
               <a:t>Detections molto più semplici rispetto al predente dataset</a:t>
             </a:r>
           </a:p>
@@ -8282,11 +8288,13 @@
           </a:xfrm>
         </p:spPr>
         <p:txBody>
-          <a:bodyPr/>
+          <a:bodyPr>
+            <a:normAutofit/>
+          </a:bodyPr>
           <a:lstStyle/>
           <a:p>
             <a:r>
-              <a:rPr lang="it-IT" dirty="0"/>
+              <a:rPr lang="it-IT" sz="5400" b="1" dirty="0"/>
               <a:t>Grazie per l’attenzione!</a:t>
             </a:r>
           </a:p>
@@ -8396,7 +8404,7 @@
               <a:buChar char="§"/>
             </a:pPr>
             <a:r>
-              <a:rPr lang="it-IT" dirty="0"/>
+              <a:rPr lang="it-IT" sz="1800" dirty="0"/>
               <a:t>Smart cities</a:t>
             </a:r>
           </a:p>
@@ -8406,7 +8414,7 @@
               <a:buChar char="§"/>
             </a:pPr>
             <a:r>
-              <a:rPr lang="it-IT" dirty="0"/>
+              <a:rPr lang="it-IT" sz="1800" dirty="0"/>
               <a:t>Trasporti e logistica</a:t>
             </a:r>
           </a:p>
@@ -8416,7 +8424,7 @@
               <a:buChar char="§"/>
             </a:pPr>
             <a:r>
-              <a:rPr lang="it-IT" dirty="0"/>
+              <a:rPr lang="it-IT" sz="1800" dirty="0"/>
               <a:t>Turismo e beni culturali</a:t>
             </a:r>
           </a:p>
@@ -8426,7 +8434,7 @@
               <a:buChar char="§"/>
             </a:pPr>
             <a:r>
-              <a:rPr lang="it-IT" dirty="0"/>
+              <a:rPr lang="it-IT" sz="1800" dirty="0"/>
               <a:t>Territorio e gestione delle risorse naturali</a:t>
             </a:r>
           </a:p>
@@ -8436,7 +8444,7 @@
               <a:buChar char="§"/>
             </a:pPr>
             <a:r>
-              <a:rPr lang="it-IT" dirty="0"/>
+              <a:rPr lang="it-IT" sz="1800" dirty="0"/>
               <a:t>Adattamento ai cambiamenti climatici</a:t>
             </a:r>
           </a:p>
@@ -8771,7 +8779,7 @@
               <a:buChar char="§"/>
             </a:pPr>
             <a:r>
-              <a:rPr lang="it-IT" dirty="0"/>
+              <a:rPr lang="it-IT" sz="1800" dirty="0"/>
               <a:t>Bounding box</a:t>
             </a:r>
           </a:p>
@@ -8781,7 +8789,7 @@
               <a:buChar char="§"/>
             </a:pPr>
             <a:r>
-              <a:rPr lang="it-IT" dirty="0"/>
+              <a:rPr lang="it-IT" sz="1800" dirty="0"/>
               <a:t>Categoria</a:t>
             </a:r>
           </a:p>
@@ -8791,7 +8799,7 @@
               <a:buChar char="§"/>
             </a:pPr>
             <a:r>
-              <a:rPr lang="it-IT" dirty="0"/>
+              <a:rPr lang="it-IT" sz="1800" dirty="0"/>
               <a:t>Probabilità</a:t>
             </a:r>
           </a:p>
@@ -8807,7 +8815,7 @@
               <a:buChar char="§"/>
             </a:pPr>
             <a:r>
-              <a:rPr lang="it-IT" dirty="0"/>
+              <a:rPr lang="it-IT" sz="1800" dirty="0"/>
               <a:t>Convolutional neural network</a:t>
             </a:r>
           </a:p>
@@ -8817,7 +8825,7 @@
               <a:buChar char="§"/>
             </a:pPr>
             <a:r>
-              <a:rPr lang="it-IT" dirty="0"/>
+              <a:rPr lang="it-IT" sz="1800" dirty="0"/>
               <a:t>Faster R-CNN</a:t>
             </a:r>
           </a:p>
@@ -8947,7 +8955,9 @@
         </p:nvSpPr>
         <p:spPr/>
         <p:txBody>
-          <a:bodyPr/>
+          <a:bodyPr>
+            <a:normAutofit/>
+          </a:bodyPr>
           <a:lstStyle/>
           <a:p>
             <a:r>
@@ -8961,7 +8971,7 @@
               <a:buChar char="§"/>
             </a:pPr>
             <a:r>
-              <a:rPr lang="it-IT" dirty="0"/>
+              <a:rPr lang="it-IT" sz="1800" dirty="0"/>
               <a:t>Le immagini troppo grandi verranno automaticamente ridimensionate</a:t>
             </a:r>
           </a:p>
@@ -8971,7 +8981,7 @@
               <a:buChar char="§"/>
             </a:pPr>
             <a:r>
-              <a:rPr lang="it-IT" dirty="0"/>
+              <a:rPr lang="it-IT" sz="1800" dirty="0"/>
               <a:t>Perdita di risoluzione!</a:t>
             </a:r>
           </a:p>
@@ -8984,7 +8994,7 @@
           <a:p>
             <a:r>
               <a:rPr lang="it-IT" dirty="0"/>
-              <a:t>I dataset attuali per allenare i modelli sono composti da milioni in immagini in bassa risoluzione (ImageNet):</a:t>
+              <a:t>I dataset attuali per allenare i modelli sono composti da milioni di immagini in bassa risoluzione (ImageNet):</a:t>
             </a:r>
           </a:p>
           <a:p>
@@ -8993,7 +9003,7 @@
               <a:buChar char="§"/>
             </a:pPr>
             <a:r>
-              <a:rPr lang="it-IT" dirty="0"/>
+              <a:rPr lang="it-IT" sz="1800" dirty="0"/>
               <a:t>I modelli che lavorano su immagini in alta definizione sono più difficili da allenare</a:t>
             </a:r>
           </a:p>
@@ -9015,6 +9025,29 @@
 <file path=ppt/slides/slide6.xml><?xml version="1.0" encoding="utf-8"?>
 <p:sld xmlns:a="http://schemas.openxmlformats.org/drawingml/2006/main" xmlns:r="http://schemas.openxmlformats.org/officeDocument/2006/relationships" xmlns:p="http://schemas.openxmlformats.org/presentationml/2006/main">
   <p:cSld>
+    <p:bg>
+      <p:bgPr>
+        <a:gradFill rotWithShape="1">
+          <a:gsLst>
+            <a:gs pos="0">
+              <a:schemeClr val="bg2">
+                <a:tint val="90000"/>
+                <a:lumMod val="120000"/>
+              </a:schemeClr>
+            </a:gs>
+            <a:gs pos="100000">
+              <a:schemeClr val="bg2">
+                <a:shade val="98000"/>
+                <a:satMod val="120000"/>
+                <a:lumMod val="98000"/>
+              </a:schemeClr>
+            </a:gs>
+          </a:gsLst>
+          <a:lin ang="5400000" scaled="0"/>
+        </a:gradFill>
+        <a:effectLst/>
+      </p:bgPr>
+    </p:bg>
     <p:spTree>
       <p:nvGrpSpPr>
         <p:cNvPr id="1" name=""/>
@@ -9052,7 +9085,9 @@
           </a:xfrm>
         </p:spPr>
         <p:txBody>
-          <a:bodyPr/>
+          <a:bodyPr>
+            <a:normAutofit/>
+          </a:bodyPr>
           <a:lstStyle/>
           <a:p>
             <a:r>
@@ -9081,8 +9116,8 @@
         </p:nvSpPr>
         <p:spPr>
           <a:xfrm>
-            <a:off x="2583911" y="1905000"/>
-            <a:ext cx="8915400" cy="2781300"/>
+            <a:off x="2589212" y="2125362"/>
+            <a:ext cx="5835121" cy="3785860"/>
           </a:xfrm>
         </p:spPr>
         <p:txBody>
@@ -9123,11 +9158,41 @@
           <a:p>
             <a:r>
               <a:rPr lang="it-IT" dirty="0"/>
-              <a:t>Individuare detections che potrebbero appartenere allo stesso elemento e ricomporle</a:t>
-            </a:r>
-          </a:p>
-        </p:txBody>
-      </p:sp>
+              <a:t>Individuare le detections che potrebbero appartenere allo stesso elemento e ricomporle</a:t>
+            </a:r>
+          </a:p>
+        </p:txBody>
+      </p:sp>
+      <p:pic>
+        <p:nvPicPr>
+          <p:cNvPr id="5" name="Picture 4">
+            <a:extLst>
+              <a:ext uri="{FF2B5EF4-FFF2-40B4-BE49-F238E27FC236}">
+                <a16:creationId xmlns:a16="http://schemas.microsoft.com/office/drawing/2014/main" id="{28FA65D9-012D-4B99-86F7-391DC13F543E}"/>
+              </a:ext>
+            </a:extLst>
+          </p:cNvPr>
+          <p:cNvPicPr>
+            <a:picLocks noChangeAspect="1"/>
+          </p:cNvPicPr>
+          <p:nvPr/>
+        </p:nvPicPr>
+        <p:blipFill>
+          <a:blip r:embed="rId2"/>
+          <a:stretch>
+            <a:fillRect/>
+          </a:stretch>
+        </p:blipFill>
+        <p:spPr>
+          <a:xfrm>
+            <a:off x="8680368" y="2129586"/>
+            <a:ext cx="2775326" cy="3737814"/>
+          </a:xfrm>
+          <a:prstGeom prst="rect">
+            <a:avLst/>
+          </a:prstGeom>
+        </p:spPr>
+      </p:pic>
     </p:spTree>
     <p:extLst>
       <p:ext uri="{BB962C8B-B14F-4D97-AF65-F5344CB8AC3E}">
@@ -9364,16 +9429,21 @@
             <p:ph sz="half" idx="1"/>
           </p:nvPr>
         </p:nvSpPr>
-        <p:spPr/>
+        <p:spPr>
+          <a:xfrm>
+            <a:off x="2589212" y="2133600"/>
+            <a:ext cx="4313864" cy="3777622"/>
+          </a:xfrm>
+        </p:spPr>
         <p:txBody>
           <a:bodyPr>
-            <a:normAutofit fontScale="92500" lnSpcReduction="10000"/>
+            <a:noAutofit/>
           </a:bodyPr>
           <a:lstStyle/>
           <a:p>
             <a:r>
               <a:rPr lang="it-IT" dirty="0"/>
-              <a:t>Dataset xView composto da immagini satellitari (70 categorie diverse)</a:t>
+              <a:t>Dataset xView composto da immagini satellitari (60 categorie diverse)</a:t>
             </a:r>
           </a:p>
           <a:p>
@@ -9539,7 +9609,7 @@
               <a:buChar char="§"/>
             </a:pPr>
             <a:r>
-              <a:rPr lang="it-IT" dirty="0"/>
+              <a:rPr lang="it-IT" sz="1800" dirty="0"/>
               <a:t>Occlusione</a:t>
             </a:r>
           </a:p>
@@ -9549,7 +9619,7 @@
               <a:buChar char="§"/>
             </a:pPr>
             <a:r>
-              <a:rPr lang="it-IT" dirty="0"/>
+              <a:rPr lang="it-IT" sz="1800" dirty="0"/>
               <a:t>Sfocatura</a:t>
             </a:r>
           </a:p>
@@ -9559,7 +9629,7 @@
               <a:buChar char="§"/>
             </a:pPr>
             <a:r>
-              <a:rPr lang="it-IT" dirty="0"/>
+              <a:rPr lang="it-IT" sz="1800" dirty="0"/>
               <a:t>Background</a:t>
             </a:r>
           </a:p>
@@ -9569,7 +9639,7 @@
               <a:buChar char="§"/>
             </a:pPr>
             <a:r>
-              <a:rPr lang="it-IT" dirty="0"/>
+              <a:rPr lang="it-IT" sz="1800" dirty="0"/>
               <a:t>Luminosità</a:t>
             </a:r>
           </a:p>
@@ -9579,7 +9649,7 @@
               <a:buChar char="§"/>
             </a:pPr>
             <a:r>
-              <a:rPr lang="it-IT" dirty="0"/>
+              <a:rPr lang="it-IT" sz="1800" dirty="0"/>
               <a:t>Etc...</a:t>
             </a:r>
           </a:p>

--- a/presentazione_tesi.pptx
+++ b/presentazione_tesi.pptx
@@ -1,9 +1,12 @@
 
 <file path=ppt/presentation.xml><?xml version="1.0" encoding="utf-8"?>
-<p:presentation xmlns:a="http://schemas.openxmlformats.org/drawingml/2006/main" xmlns:r="http://schemas.openxmlformats.org/officeDocument/2006/relationships" xmlns:p="http://schemas.openxmlformats.org/presentationml/2006/main" autoCompressPictures="0">
+<p:presentation xmlns:a="http://schemas.openxmlformats.org/drawingml/2006/main" xmlns:r="http://schemas.openxmlformats.org/officeDocument/2006/relationships" xmlns:p="http://schemas.openxmlformats.org/presentationml/2006/main" showSpecialPlsOnTitleSld="0" autoCompressPictures="0">
   <p:sldMasterIdLst>
     <p:sldMasterId id="2147483648" r:id="rId1"/>
   </p:sldMasterIdLst>
+  <p:notesMasterIdLst>
+    <p:notesMasterId r:id="rId15"/>
+  </p:notesMasterIdLst>
   <p:sldIdLst>
     <p:sldId id="256" r:id="rId2"/>
     <p:sldId id="258" r:id="rId3"/>
@@ -145,6 +148,356 @@
 </p:presentation>
 </file>
 
+<file path=ppt/notesMasters/notesMaster1.xml><?xml version="1.0" encoding="utf-8"?>
+<p:notesMaster xmlns:a="http://schemas.openxmlformats.org/drawingml/2006/main" xmlns:r="http://schemas.openxmlformats.org/officeDocument/2006/relationships" xmlns:p="http://schemas.openxmlformats.org/presentationml/2006/main">
+  <p:cSld>
+    <p:bg>
+      <p:bgRef idx="1001">
+        <a:schemeClr val="bg1"/>
+      </p:bgRef>
+    </p:bg>
+    <p:spTree>
+      <p:nvGrpSpPr>
+        <p:cNvPr id="1" name=""/>
+        <p:cNvGrpSpPr/>
+        <p:nvPr/>
+      </p:nvGrpSpPr>
+      <p:grpSpPr>
+        <a:xfrm>
+          <a:off x="0" y="0"/>
+          <a:ext cx="0" cy="0"/>
+          <a:chOff x="0" y="0"/>
+          <a:chExt cx="0" cy="0"/>
+        </a:xfrm>
+      </p:grpSpPr>
+      <p:sp>
+        <p:nvSpPr>
+          <p:cNvPr id="2" name="Header Placeholder 1"/>
+          <p:cNvSpPr>
+            <a:spLocks noGrp="1"/>
+          </p:cNvSpPr>
+          <p:nvPr>
+            <p:ph type="hdr" sz="quarter"/>
+          </p:nvPr>
+        </p:nvSpPr>
+        <p:spPr>
+          <a:xfrm>
+            <a:off x="0" y="0"/>
+            <a:ext cx="2971800" cy="458788"/>
+          </a:xfrm>
+          <a:prstGeom prst="rect">
+            <a:avLst/>
+          </a:prstGeom>
+        </p:spPr>
+        <p:txBody>
+          <a:bodyPr vert="horz" lIns="91440" tIns="45720" rIns="91440" bIns="45720" rtlCol="0"/>
+          <a:lstStyle>
+            <a:lvl1pPr algn="l">
+              <a:defRPr sz="1200"/>
+            </a:lvl1pPr>
+          </a:lstStyle>
+          <a:p>
+            <a:endParaRPr lang="it-IT"/>
+          </a:p>
+        </p:txBody>
+      </p:sp>
+      <p:sp>
+        <p:nvSpPr>
+          <p:cNvPr id="3" name="Date Placeholder 2"/>
+          <p:cNvSpPr>
+            <a:spLocks noGrp="1"/>
+          </p:cNvSpPr>
+          <p:nvPr>
+            <p:ph type="dt" idx="1"/>
+          </p:nvPr>
+        </p:nvSpPr>
+        <p:spPr>
+          <a:xfrm>
+            <a:off x="3884613" y="0"/>
+            <a:ext cx="2971800" cy="458788"/>
+          </a:xfrm>
+          <a:prstGeom prst="rect">
+            <a:avLst/>
+          </a:prstGeom>
+        </p:spPr>
+        <p:txBody>
+          <a:bodyPr vert="horz" lIns="91440" tIns="45720" rIns="91440" bIns="45720" rtlCol="0"/>
+          <a:lstStyle>
+            <a:lvl1pPr algn="r">
+              <a:defRPr sz="1200"/>
+            </a:lvl1pPr>
+          </a:lstStyle>
+          <a:p>
+            <a:fld id="{F3FA8EA5-7220-466D-A42A-B1A3E675658D}" type="datetimeFigureOut">
+              <a:rPr lang="it-IT" smtClean="0"/>
+              <a:t>12/07/2019</a:t>
+            </a:fld>
+            <a:endParaRPr lang="it-IT"/>
+          </a:p>
+        </p:txBody>
+      </p:sp>
+      <p:sp>
+        <p:nvSpPr>
+          <p:cNvPr id="4" name="Slide Image Placeholder 3"/>
+          <p:cNvSpPr>
+            <a:spLocks noGrp="1" noRot="1" noChangeAspect="1"/>
+          </p:cNvSpPr>
+          <p:nvPr>
+            <p:ph type="sldImg" idx="2"/>
+          </p:nvPr>
+        </p:nvSpPr>
+        <p:spPr>
+          <a:xfrm>
+            <a:off x="685800" y="1143000"/>
+            <a:ext cx="5486400" cy="3086100"/>
+          </a:xfrm>
+          <a:prstGeom prst="rect">
+            <a:avLst/>
+          </a:prstGeom>
+          <a:noFill/>
+          <a:ln w="12700">
+            <a:solidFill>
+              <a:prstClr val="black"/>
+            </a:solidFill>
+          </a:ln>
+        </p:spPr>
+        <p:txBody>
+          <a:bodyPr vert="horz" lIns="91440" tIns="45720" rIns="91440" bIns="45720" rtlCol="0" anchor="ctr"/>
+          <a:lstStyle/>
+          <a:p>
+            <a:endParaRPr lang="it-IT"/>
+          </a:p>
+        </p:txBody>
+      </p:sp>
+      <p:sp>
+        <p:nvSpPr>
+          <p:cNvPr id="5" name="Notes Placeholder 4"/>
+          <p:cNvSpPr>
+            <a:spLocks noGrp="1"/>
+          </p:cNvSpPr>
+          <p:nvPr>
+            <p:ph type="body" sz="quarter" idx="3"/>
+          </p:nvPr>
+        </p:nvSpPr>
+        <p:spPr>
+          <a:xfrm>
+            <a:off x="685800" y="4400550"/>
+            <a:ext cx="5486400" cy="3600450"/>
+          </a:xfrm>
+          <a:prstGeom prst="rect">
+            <a:avLst/>
+          </a:prstGeom>
+        </p:spPr>
+        <p:txBody>
+          <a:bodyPr vert="horz" lIns="91440" tIns="45720" rIns="91440" bIns="45720" rtlCol="0"/>
+          <a:lstStyle/>
+          <a:p>
+            <a:pPr lvl="0"/>
+            <a:r>
+              <a:rPr lang="en-US"/>
+              <a:t>Edit Master text styles</a:t>
+            </a:r>
+          </a:p>
+          <a:p>
+            <a:pPr lvl="1"/>
+            <a:r>
+              <a:rPr lang="en-US"/>
+              <a:t>Second level</a:t>
+            </a:r>
+          </a:p>
+          <a:p>
+            <a:pPr lvl="2"/>
+            <a:r>
+              <a:rPr lang="en-US"/>
+              <a:t>Third level</a:t>
+            </a:r>
+          </a:p>
+          <a:p>
+            <a:pPr lvl="3"/>
+            <a:r>
+              <a:rPr lang="en-US"/>
+              <a:t>Fourth level</a:t>
+            </a:r>
+          </a:p>
+          <a:p>
+            <a:pPr lvl="4"/>
+            <a:r>
+              <a:rPr lang="en-US"/>
+              <a:t>Fifth level</a:t>
+            </a:r>
+            <a:endParaRPr lang="it-IT"/>
+          </a:p>
+        </p:txBody>
+      </p:sp>
+      <p:sp>
+        <p:nvSpPr>
+          <p:cNvPr id="6" name="Footer Placeholder 5"/>
+          <p:cNvSpPr>
+            <a:spLocks noGrp="1"/>
+          </p:cNvSpPr>
+          <p:nvPr>
+            <p:ph type="ftr" sz="quarter" idx="4"/>
+          </p:nvPr>
+        </p:nvSpPr>
+        <p:spPr>
+          <a:xfrm>
+            <a:off x="0" y="8685213"/>
+            <a:ext cx="2971800" cy="458787"/>
+          </a:xfrm>
+          <a:prstGeom prst="rect">
+            <a:avLst/>
+          </a:prstGeom>
+        </p:spPr>
+        <p:txBody>
+          <a:bodyPr vert="horz" lIns="91440" tIns="45720" rIns="91440" bIns="45720" rtlCol="0" anchor="b"/>
+          <a:lstStyle>
+            <a:lvl1pPr algn="l">
+              <a:defRPr sz="1200"/>
+            </a:lvl1pPr>
+          </a:lstStyle>
+          <a:p>
+            <a:endParaRPr lang="it-IT"/>
+          </a:p>
+        </p:txBody>
+      </p:sp>
+      <p:sp>
+        <p:nvSpPr>
+          <p:cNvPr id="7" name="Slide Number Placeholder 6"/>
+          <p:cNvSpPr>
+            <a:spLocks noGrp="1"/>
+          </p:cNvSpPr>
+          <p:nvPr>
+            <p:ph type="sldNum" sz="quarter" idx="5"/>
+          </p:nvPr>
+        </p:nvSpPr>
+        <p:spPr>
+          <a:xfrm>
+            <a:off x="3884613" y="8685213"/>
+            <a:ext cx="2971800" cy="458787"/>
+          </a:xfrm>
+          <a:prstGeom prst="rect">
+            <a:avLst/>
+          </a:prstGeom>
+        </p:spPr>
+        <p:txBody>
+          <a:bodyPr vert="horz" lIns="91440" tIns="45720" rIns="91440" bIns="45720" rtlCol="0" anchor="b"/>
+          <a:lstStyle>
+            <a:lvl1pPr algn="r">
+              <a:defRPr sz="1200"/>
+            </a:lvl1pPr>
+          </a:lstStyle>
+          <a:p>
+            <a:fld id="{D810144A-2BAC-48B9-9471-22D74CE239D1}" type="slidenum">
+              <a:rPr lang="it-IT" smtClean="0"/>
+              <a:t>‹#›</a:t>
+            </a:fld>
+            <a:endParaRPr lang="it-IT"/>
+          </a:p>
+        </p:txBody>
+      </p:sp>
+    </p:spTree>
+    <p:extLst>
+      <p:ext uri="{BB962C8B-B14F-4D97-AF65-F5344CB8AC3E}">
+        <p14:creationId xmlns:p14="http://schemas.microsoft.com/office/powerpoint/2010/main" val="1771527780"/>
+      </p:ext>
+    </p:extLst>
+  </p:cSld>
+  <p:clrMap bg1="lt1" tx1="dk1" bg2="lt2" tx2="dk2" accent1="accent1" accent2="accent2" accent3="accent3" accent4="accent4" accent5="accent5" accent6="accent6" hlink="hlink" folHlink="folHlink"/>
+  <p:notesStyle>
+    <a:lvl1pPr marL="0" algn="l" defTabSz="914400" rtl="0" eaLnBrk="1" latinLnBrk="0" hangingPunct="1">
+      <a:defRPr sz="1200" kern="1200">
+        <a:solidFill>
+          <a:schemeClr val="tx1"/>
+        </a:solidFill>
+        <a:latin typeface="+mn-lt"/>
+        <a:ea typeface="+mn-ea"/>
+        <a:cs typeface="+mn-cs"/>
+      </a:defRPr>
+    </a:lvl1pPr>
+    <a:lvl2pPr marL="457200" algn="l" defTabSz="914400" rtl="0" eaLnBrk="1" latinLnBrk="0" hangingPunct="1">
+      <a:defRPr sz="1200" kern="1200">
+        <a:solidFill>
+          <a:schemeClr val="tx1"/>
+        </a:solidFill>
+        <a:latin typeface="+mn-lt"/>
+        <a:ea typeface="+mn-ea"/>
+        <a:cs typeface="+mn-cs"/>
+      </a:defRPr>
+    </a:lvl2pPr>
+    <a:lvl3pPr marL="914400" algn="l" defTabSz="914400" rtl="0" eaLnBrk="1" latinLnBrk="0" hangingPunct="1">
+      <a:defRPr sz="1200" kern="1200">
+        <a:solidFill>
+          <a:schemeClr val="tx1"/>
+        </a:solidFill>
+        <a:latin typeface="+mn-lt"/>
+        <a:ea typeface="+mn-ea"/>
+        <a:cs typeface="+mn-cs"/>
+      </a:defRPr>
+    </a:lvl3pPr>
+    <a:lvl4pPr marL="1371600" algn="l" defTabSz="914400" rtl="0" eaLnBrk="1" latinLnBrk="0" hangingPunct="1">
+      <a:defRPr sz="1200" kern="1200">
+        <a:solidFill>
+          <a:schemeClr val="tx1"/>
+        </a:solidFill>
+        <a:latin typeface="+mn-lt"/>
+        <a:ea typeface="+mn-ea"/>
+        <a:cs typeface="+mn-cs"/>
+      </a:defRPr>
+    </a:lvl4pPr>
+    <a:lvl5pPr marL="1828800" algn="l" defTabSz="914400" rtl="0" eaLnBrk="1" latinLnBrk="0" hangingPunct="1">
+      <a:defRPr sz="1200" kern="1200">
+        <a:solidFill>
+          <a:schemeClr val="tx1"/>
+        </a:solidFill>
+        <a:latin typeface="+mn-lt"/>
+        <a:ea typeface="+mn-ea"/>
+        <a:cs typeface="+mn-cs"/>
+      </a:defRPr>
+    </a:lvl5pPr>
+    <a:lvl6pPr marL="2286000" algn="l" defTabSz="914400" rtl="0" eaLnBrk="1" latinLnBrk="0" hangingPunct="1">
+      <a:defRPr sz="1200" kern="1200">
+        <a:solidFill>
+          <a:schemeClr val="tx1"/>
+        </a:solidFill>
+        <a:latin typeface="+mn-lt"/>
+        <a:ea typeface="+mn-ea"/>
+        <a:cs typeface="+mn-cs"/>
+      </a:defRPr>
+    </a:lvl6pPr>
+    <a:lvl7pPr marL="2743200" algn="l" defTabSz="914400" rtl="0" eaLnBrk="1" latinLnBrk="0" hangingPunct="1">
+      <a:defRPr sz="1200" kern="1200">
+        <a:solidFill>
+          <a:schemeClr val="tx1"/>
+        </a:solidFill>
+        <a:latin typeface="+mn-lt"/>
+        <a:ea typeface="+mn-ea"/>
+        <a:cs typeface="+mn-cs"/>
+      </a:defRPr>
+    </a:lvl7pPr>
+    <a:lvl8pPr marL="3200400" algn="l" defTabSz="914400" rtl="0" eaLnBrk="1" latinLnBrk="0" hangingPunct="1">
+      <a:defRPr sz="1200" kern="1200">
+        <a:solidFill>
+          <a:schemeClr val="tx1"/>
+        </a:solidFill>
+        <a:latin typeface="+mn-lt"/>
+        <a:ea typeface="+mn-ea"/>
+        <a:cs typeface="+mn-cs"/>
+      </a:defRPr>
+    </a:lvl8pPr>
+    <a:lvl9pPr marL="3657600" algn="l" defTabSz="914400" rtl="0" eaLnBrk="1" latinLnBrk="0" hangingPunct="1">
+      <a:defRPr sz="1200" kern="1200">
+        <a:solidFill>
+          <a:schemeClr val="tx1"/>
+        </a:solidFill>
+        <a:latin typeface="+mn-lt"/>
+        <a:ea typeface="+mn-ea"/>
+        <a:cs typeface="+mn-cs"/>
+      </a:defRPr>
+    </a:lvl9pPr>
+  </p:notesStyle>
+</p:notesMaster>
+</file>
+
 <file path=ppt/slideLayouts/slideLayout1.xml><?xml version="1.0" encoding="utf-8"?>
 <p:sldLayout xmlns:a="http://schemas.openxmlformats.org/drawingml/2006/main" xmlns:r="http://schemas.openxmlformats.org/officeDocument/2006/relationships" xmlns:p="http://schemas.openxmlformats.org/presentationml/2006/main" type="title" preserve="1">
   <p:cSld name="Title Slide">
@@ -331,11 +684,10 @@
           <a:bodyPr/>
           <a:lstStyle/>
           <a:p>
-            <a:fld id="{B61BEF0D-F0BB-DE4B-95CE-6DB70DBA9567}" type="datetimeFigureOut">
-              <a:rPr lang="en-US" dirty="0"/>
-              <a:pPr/>
-              <a:t>7/10/2019</a:t>
-            </a:fld>
+            <a:r>
+              <a:rPr lang="it-IT"/>
+              <a:t>7/12/2019</a:t>
+            </a:r>
             <a:endParaRPr lang="en-US" dirty="0"/>
           </a:p>
         </p:txBody>
@@ -355,6 +707,10 @@
           <a:bodyPr/>
           <a:lstStyle/>
           <a:p>
+            <a:r>
+              <a:rPr lang="it-IT"/>
+              <a:t>Davide Liu - Riconiscimento e tracciamento di elementi su video ad alta risoluzione</a:t>
+            </a:r>
             <a:endParaRPr lang="en-US" dirty="0"/>
           </a:p>
         </p:txBody>
@@ -666,11 +1022,10 @@
           <a:bodyPr/>
           <a:lstStyle/>
           <a:p>
-            <a:fld id="{B61BEF0D-F0BB-DE4B-95CE-6DB70DBA9567}" type="datetimeFigureOut">
-              <a:rPr lang="en-US" dirty="0"/>
-              <a:pPr/>
-              <a:t>7/10/2019</a:t>
-            </a:fld>
+            <a:r>
+              <a:rPr lang="it-IT"/>
+              <a:t>7/12/2019</a:t>
+            </a:r>
             <a:endParaRPr lang="en-US" dirty="0"/>
           </a:p>
         </p:txBody>
@@ -690,6 +1045,10 @@
           <a:bodyPr/>
           <a:lstStyle/>
           <a:p>
+            <a:r>
+              <a:rPr lang="it-IT"/>
+              <a:t>Davide Liu - Riconiscimento e tracciamento di elementi su video ad alta risoluzione</a:t>
+            </a:r>
             <a:endParaRPr lang="en-US" dirty="0"/>
           </a:p>
         </p:txBody>
@@ -1064,11 +1423,10 @@
           <a:bodyPr/>
           <a:lstStyle/>
           <a:p>
-            <a:fld id="{B61BEF0D-F0BB-DE4B-95CE-6DB70DBA9567}" type="datetimeFigureOut">
-              <a:rPr lang="en-US" dirty="0"/>
-              <a:pPr/>
-              <a:t>7/10/2019</a:t>
-            </a:fld>
+            <a:r>
+              <a:rPr lang="it-IT"/>
+              <a:t>7/12/2019</a:t>
+            </a:r>
             <a:endParaRPr lang="en-US" dirty="0"/>
           </a:p>
         </p:txBody>
@@ -1088,6 +1446,10 @@
           <a:bodyPr/>
           <a:lstStyle/>
           <a:p>
+            <a:r>
+              <a:rPr lang="it-IT"/>
+              <a:t>Davide Liu - Riconiscimento e tracciamento di elementi su video ad alta risoluzione</a:t>
+            </a:r>
             <a:endParaRPr lang="en-US" dirty="0"/>
           </a:p>
         </p:txBody>
@@ -1397,11 +1759,10 @@
           <a:bodyPr/>
           <a:lstStyle/>
           <a:p>
-            <a:fld id="{B61BEF0D-F0BB-DE4B-95CE-6DB70DBA9567}" type="datetimeFigureOut">
-              <a:rPr lang="en-US" dirty="0"/>
-              <a:pPr/>
-              <a:t>7/10/2019</a:t>
-            </a:fld>
+            <a:r>
+              <a:rPr lang="it-IT"/>
+              <a:t>7/12/2019</a:t>
+            </a:r>
             <a:endParaRPr lang="en-US" dirty="0"/>
           </a:p>
         </p:txBody>
@@ -1421,6 +1782,10 @@
           <a:bodyPr/>
           <a:lstStyle/>
           <a:p>
+            <a:r>
+              <a:rPr lang="it-IT"/>
+              <a:t>Davide Liu - Riconiscimento e tracciamento di elementi su video ad alta risoluzione</a:t>
+            </a:r>
             <a:endParaRPr lang="en-US" dirty="0"/>
           </a:p>
         </p:txBody>
@@ -1714,11 +2079,10 @@
           <a:bodyPr/>
           <a:lstStyle/>
           <a:p>
-            <a:fld id="{B61BEF0D-F0BB-DE4B-95CE-6DB70DBA9567}" type="datetimeFigureOut">
-              <a:rPr lang="en-US" dirty="0"/>
-              <a:pPr/>
-              <a:t>7/10/2019</a:t>
-            </a:fld>
+            <a:r>
+              <a:rPr lang="it-IT"/>
+              <a:t>7/12/2019</a:t>
+            </a:r>
             <a:endParaRPr lang="en-US" dirty="0"/>
           </a:p>
         </p:txBody>
@@ -1738,6 +2102,10 @@
           <a:bodyPr/>
           <a:lstStyle/>
           <a:p>
+            <a:r>
+              <a:rPr lang="it-IT"/>
+              <a:t>Davide Liu - Riconiscimento e tracciamento di elementi su video ad alta risoluzione</a:t>
+            </a:r>
             <a:endParaRPr lang="en-US" dirty="0"/>
           </a:p>
         </p:txBody>
@@ -2107,11 +2475,10 @@
           <a:bodyPr/>
           <a:lstStyle/>
           <a:p>
-            <a:fld id="{B61BEF0D-F0BB-DE4B-95CE-6DB70DBA9567}" type="datetimeFigureOut">
-              <a:rPr lang="en-US" dirty="0"/>
-              <a:pPr/>
-              <a:t>7/10/2019</a:t>
-            </a:fld>
+            <a:r>
+              <a:rPr lang="it-IT"/>
+              <a:t>7/12/2019</a:t>
+            </a:r>
             <a:endParaRPr lang="en-US" dirty="0"/>
           </a:p>
         </p:txBody>
@@ -2131,6 +2498,10 @@
           <a:bodyPr/>
           <a:lstStyle/>
           <a:p>
+            <a:r>
+              <a:rPr lang="it-IT"/>
+              <a:t>Davide Liu - Riconiscimento e tracciamento di elementi su video ad alta risoluzione</a:t>
+            </a:r>
             <a:endParaRPr lang="en-US" dirty="0"/>
           </a:p>
         </p:txBody>
@@ -2361,11 +2732,10 @@
           <a:bodyPr/>
           <a:lstStyle/>
           <a:p>
-            <a:fld id="{B61BEF0D-F0BB-DE4B-95CE-6DB70DBA9567}" type="datetimeFigureOut">
-              <a:rPr lang="en-US" dirty="0"/>
-              <a:pPr/>
-              <a:t>7/10/2019</a:t>
-            </a:fld>
+            <a:r>
+              <a:rPr lang="it-IT"/>
+              <a:t>7/12/2019</a:t>
+            </a:r>
             <a:endParaRPr lang="en-US" dirty="0"/>
           </a:p>
         </p:txBody>
@@ -2385,6 +2755,10 @@
           <a:bodyPr/>
           <a:lstStyle/>
           <a:p>
+            <a:r>
+              <a:rPr lang="it-IT"/>
+              <a:t>Davide Liu - Riconiscimento e tracciamento di elementi su video ad alta risoluzione</a:t>
+            </a:r>
             <a:endParaRPr lang="en-US" dirty="0"/>
           </a:p>
         </p:txBody>
@@ -2620,11 +2994,10 @@
           <a:bodyPr/>
           <a:lstStyle/>
           <a:p>
-            <a:fld id="{B61BEF0D-F0BB-DE4B-95CE-6DB70DBA9567}" type="datetimeFigureOut">
-              <a:rPr lang="en-US" dirty="0"/>
-              <a:pPr/>
-              <a:t>7/10/2019</a:t>
-            </a:fld>
+            <a:r>
+              <a:rPr lang="it-IT"/>
+              <a:t>7/12/2019</a:t>
+            </a:r>
             <a:endParaRPr lang="en-US" dirty="0"/>
           </a:p>
         </p:txBody>
@@ -2644,6 +3017,10 @@
           <a:bodyPr/>
           <a:lstStyle/>
           <a:p>
+            <a:r>
+              <a:rPr lang="it-IT"/>
+              <a:t>Davide Liu - Riconiscimento e tracciamento di elementi su video ad alta risoluzione</a:t>
+            </a:r>
             <a:endParaRPr lang="en-US" dirty="0"/>
           </a:p>
         </p:txBody>
@@ -2879,11 +3256,10 @@
           <a:bodyPr/>
           <a:lstStyle/>
           <a:p>
-            <a:fld id="{B61BEF0D-F0BB-DE4B-95CE-6DB70DBA9567}" type="datetimeFigureOut">
-              <a:rPr lang="en-US" dirty="0"/>
-              <a:pPr/>
-              <a:t>7/10/2019</a:t>
-            </a:fld>
+            <a:r>
+              <a:rPr lang="it-IT"/>
+              <a:t>7/12/2019</a:t>
+            </a:r>
             <a:endParaRPr lang="en-US" dirty="0"/>
           </a:p>
         </p:txBody>
@@ -2903,6 +3279,10 @@
           <a:bodyPr/>
           <a:lstStyle/>
           <a:p>
+            <a:r>
+              <a:rPr lang="it-IT"/>
+              <a:t>Davide Liu - Riconiscimento e tracciamento di elementi su video ad alta risoluzione</a:t>
+            </a:r>
             <a:endParaRPr lang="en-US" dirty="0"/>
           </a:p>
         </p:txBody>
@@ -3205,11 +3585,10 @@
           <a:bodyPr/>
           <a:lstStyle/>
           <a:p>
-            <a:fld id="{B61BEF0D-F0BB-DE4B-95CE-6DB70DBA9567}" type="datetimeFigureOut">
-              <a:rPr lang="en-US" dirty="0"/>
-              <a:pPr/>
-              <a:t>7/10/2019</a:t>
-            </a:fld>
+            <a:r>
+              <a:rPr lang="it-IT"/>
+              <a:t>7/12/2019</a:t>
+            </a:r>
             <a:endParaRPr lang="en-US" dirty="0"/>
           </a:p>
         </p:txBody>
@@ -3229,6 +3608,10 @@
           <a:bodyPr/>
           <a:lstStyle/>
           <a:p>
+            <a:r>
+              <a:rPr lang="it-IT"/>
+              <a:t>Davide Liu - Riconiscimento e tracciamento di elementi su video ad alta risoluzione</a:t>
+            </a:r>
             <a:endParaRPr lang="en-US" dirty="0"/>
           </a:p>
         </p:txBody>
@@ -3525,11 +3908,10 @@
           <a:bodyPr/>
           <a:lstStyle/>
           <a:p>
-            <a:fld id="{B61BEF0D-F0BB-DE4B-95CE-6DB70DBA9567}" type="datetimeFigureOut">
-              <a:rPr lang="en-US" dirty="0"/>
-              <a:pPr/>
-              <a:t>7/10/2019</a:t>
-            </a:fld>
+            <a:r>
+              <a:rPr lang="it-IT"/>
+              <a:t>7/12/2019</a:t>
+            </a:r>
             <a:endParaRPr lang="en-US" dirty="0"/>
           </a:p>
         </p:txBody>
@@ -3549,6 +3931,10 @@
           <a:bodyPr/>
           <a:lstStyle/>
           <a:p>
+            <a:r>
+              <a:rPr lang="it-IT"/>
+              <a:t>Davide Liu - Riconiscimento e tracciamento di elementi su video ad alta risoluzione</a:t>
+            </a:r>
             <a:endParaRPr lang="en-US" dirty="0"/>
           </a:p>
         </p:txBody>
@@ -3979,11 +4365,10 @@
           <a:bodyPr/>
           <a:lstStyle/>
           <a:p>
-            <a:fld id="{B61BEF0D-F0BB-DE4B-95CE-6DB70DBA9567}" type="datetimeFigureOut">
-              <a:rPr lang="en-US" dirty="0"/>
-              <a:pPr/>
-              <a:t>7/10/2019</a:t>
-            </a:fld>
+            <a:r>
+              <a:rPr lang="it-IT"/>
+              <a:t>7/12/2019</a:t>
+            </a:r>
             <a:endParaRPr lang="en-US" dirty="0"/>
           </a:p>
         </p:txBody>
@@ -4003,6 +4388,10 @@
           <a:bodyPr/>
           <a:lstStyle/>
           <a:p>
+            <a:r>
+              <a:rPr lang="it-IT"/>
+              <a:t>Davide Liu - Riconiscimento e tracciamento di elementi su video ad alta risoluzione</a:t>
+            </a:r>
             <a:endParaRPr lang="en-US" dirty="0"/>
           </a:p>
         </p:txBody>
@@ -4181,11 +4570,10 @@
           <a:bodyPr/>
           <a:lstStyle/>
           <a:p>
-            <a:fld id="{B61BEF0D-F0BB-DE4B-95CE-6DB70DBA9567}" type="datetimeFigureOut">
-              <a:rPr lang="en-US" dirty="0"/>
-              <a:pPr/>
-              <a:t>7/10/2019</a:t>
-            </a:fld>
+            <a:r>
+              <a:rPr lang="it-IT"/>
+              <a:t>7/12/2019</a:t>
+            </a:r>
             <a:endParaRPr lang="en-US" dirty="0"/>
           </a:p>
         </p:txBody>
@@ -4205,6 +4593,10 @@
           <a:bodyPr/>
           <a:lstStyle/>
           <a:p>
+            <a:r>
+              <a:rPr lang="it-IT"/>
+              <a:t>Davide Liu - Riconiscimento e tracciamento di elementi su video ad alta risoluzione</a:t>
+            </a:r>
             <a:endParaRPr lang="en-US" dirty="0"/>
           </a:p>
         </p:txBody>
@@ -4355,11 +4747,10 @@
           <a:bodyPr/>
           <a:lstStyle/>
           <a:p>
-            <a:fld id="{B61BEF0D-F0BB-DE4B-95CE-6DB70DBA9567}" type="datetimeFigureOut">
-              <a:rPr lang="en-US" dirty="0"/>
-              <a:pPr/>
-              <a:t>7/10/2019</a:t>
-            </a:fld>
+            <a:r>
+              <a:rPr lang="it-IT"/>
+              <a:t>7/12/2019</a:t>
+            </a:r>
             <a:endParaRPr lang="en-US" dirty="0"/>
           </a:p>
         </p:txBody>
@@ -4379,6 +4770,10 @@
           <a:bodyPr/>
           <a:lstStyle/>
           <a:p>
+            <a:r>
+              <a:rPr lang="it-IT"/>
+              <a:t>Davide Liu - Riconiscimento e tracciamento di elementi su video ad alta risoluzione</a:t>
+            </a:r>
             <a:endParaRPr lang="en-US" dirty="0"/>
           </a:p>
         </p:txBody>
@@ -4685,11 +5080,10 @@
           <a:bodyPr/>
           <a:lstStyle/>
           <a:p>
-            <a:fld id="{B61BEF0D-F0BB-DE4B-95CE-6DB70DBA9567}" type="datetimeFigureOut">
-              <a:rPr lang="en-US" dirty="0"/>
-              <a:pPr/>
-              <a:t>7/10/2019</a:t>
-            </a:fld>
+            <a:r>
+              <a:rPr lang="it-IT"/>
+              <a:t>7/12/2019</a:t>
+            </a:r>
             <a:endParaRPr lang="en-US" dirty="0"/>
           </a:p>
         </p:txBody>
@@ -4709,6 +5103,10 @@
           <a:bodyPr/>
           <a:lstStyle/>
           <a:p>
+            <a:r>
+              <a:rPr lang="it-IT"/>
+              <a:t>Davide Liu - Riconiscimento e tracciamento di elementi su video ad alta risoluzione</a:t>
+            </a:r>
             <a:endParaRPr lang="en-US" dirty="0"/>
           </a:p>
         </p:txBody>
@@ -5027,11 +5425,10 @@
           <a:bodyPr/>
           <a:lstStyle/>
           <a:p>
-            <a:fld id="{B61BEF0D-F0BB-DE4B-95CE-6DB70DBA9567}" type="datetimeFigureOut">
-              <a:rPr lang="en-US" dirty="0"/>
-              <a:pPr/>
-              <a:t>7/10/2019</a:t>
-            </a:fld>
+            <a:r>
+              <a:rPr lang="it-IT"/>
+              <a:t>7/12/2019</a:t>
+            </a:r>
             <a:endParaRPr lang="en-US" dirty="0"/>
           </a:p>
         </p:txBody>
@@ -5051,6 +5448,10 @@
           <a:bodyPr/>
           <a:lstStyle/>
           <a:p>
+            <a:r>
+              <a:rPr lang="it-IT"/>
+              <a:t>Davide Liu - Riconiscimento e tracciamento di elementi su video ad alta risoluzione</a:t>
+            </a:r>
             <a:endParaRPr lang="en-US" dirty="0"/>
           </a:p>
         </p:txBody>
@@ -7141,11 +7542,10 @@
             </a:lvl1pPr>
           </a:lstStyle>
           <a:p>
-            <a:fld id="{B61BEF0D-F0BB-DE4B-95CE-6DB70DBA9567}" type="datetimeFigureOut">
-              <a:rPr lang="en-US" dirty="0"/>
-              <a:pPr/>
-              <a:t>7/10/2019</a:t>
-            </a:fld>
+            <a:r>
+              <a:rPr lang="it-IT"/>
+              <a:t>7/12/2019</a:t>
+            </a:r>
             <a:endParaRPr lang="en-US" dirty="0"/>
           </a:p>
         </p:txBody>
@@ -7183,6 +7583,10 @@
             </a:lvl1pPr>
           </a:lstStyle>
           <a:p>
+            <a:r>
+              <a:rPr lang="it-IT"/>
+              <a:t>Davide Liu - Riconiscimento e tracciamento di elementi su video ad alta risoluzione</a:t>
+            </a:r>
             <a:endParaRPr lang="en-US" dirty="0"/>
           </a:p>
         </p:txBody>
@@ -7248,6 +7652,7 @@
     <p:sldLayoutId id="2147483658" r:id="rId15"/>
     <p:sldLayoutId id="2147483659" r:id="rId16"/>
   </p:sldLayoutIdLst>
+  <p:hf hdr="0" dt="0"/>
   <p:txStyles>
     <p:titleStyle>
       <a:lvl1pPr algn="l" defTabSz="457200" rtl="0" eaLnBrk="1" latinLnBrk="0" hangingPunct="1">
@@ -7762,7 +8167,7 @@
         <p:spPr>
           <a:xfrm>
             <a:off x="3266983" y="4766011"/>
-            <a:ext cx="6249879" cy="1200329"/>
+            <a:ext cx="6249879" cy="1569660"/>
           </a:xfrm>
           <a:prstGeom prst="rect">
             <a:avLst/>
@@ -7773,6 +8178,19 @@
             <a:spAutoFit/>
           </a:bodyPr>
           <a:lstStyle/>
+          <a:p>
+            <a:pPr algn="ctr"/>
+            <a:r>
+              <a:rPr lang="it-IT" sz="2400" dirty="0">
+                <a:solidFill>
+                  <a:schemeClr val="accent2">
+                    <a:lumMod val="50000"/>
+                  </a:schemeClr>
+                </a:solidFill>
+              </a:rPr>
+              <a:t>Università degli studi di Padova</a:t>
+            </a:r>
+          </a:p>
           <a:p>
             <a:pPr algn="ctr"/>
             <a:r>
@@ -7806,7 +8224,7 @@
                   </a:schemeClr>
                 </a:solidFill>
               </a:rPr>
-              <a:t>Presentazione tesi di laurea</a:t>
+              <a:t>Esame di laurea</a:t>
             </a:r>
           </a:p>
         </p:txBody>
@@ -7905,13 +8323,13 @@
           <a:p>
             <a:r>
               <a:rPr lang="it-IT" dirty="0"/>
-              <a:t>Creare un tracker per ogni elemento da tracciare</a:t>
+              <a:t>Sfruttare dei trackers per tracciare gli elementi presenti nel video</a:t>
             </a:r>
           </a:p>
           <a:p>
             <a:r>
               <a:rPr lang="it-IT" dirty="0"/>
-              <a:t>Ogni tracker utilizza uno storico delle ultime locazioni raggiunte dall’oggetto da esso tracciato per prevedere quella successiva</a:t>
+              <a:t>Ogni tracker usa un filtro per prevedere la prossima locazione dell’oggetto tracciato a partire dalle locazioni precedenti</a:t>
             </a:r>
           </a:p>
           <a:p>
@@ -7934,10 +8352,10 @@
       </p:sp>
       <p:pic>
         <p:nvPicPr>
-          <p:cNvPr id="5" name="Picture 4">
+          <p:cNvPr id="8" name="Picture 7">
             <a:extLst>
               <a:ext uri="{FF2B5EF4-FFF2-40B4-BE49-F238E27FC236}">
-                <a16:creationId xmlns:a16="http://schemas.microsoft.com/office/drawing/2014/main" id="{CDB6E190-6533-42C4-B7E6-657D0E0F76F2}"/>
+                <a16:creationId xmlns:a16="http://schemas.microsoft.com/office/drawing/2014/main" id="{ABD7C909-EC78-4F76-BB16-B0C1346BEF62}"/>
               </a:ext>
             </a:extLst>
           </p:cNvPr>
@@ -7954,14 +8372,291 @@
         </p:blipFill>
         <p:spPr>
           <a:xfrm>
-            <a:off x="8342312" y="1905000"/>
-            <a:ext cx="3162300" cy="3863340"/>
+            <a:off x="9134792" y="502920"/>
+            <a:ext cx="2369820" cy="1630680"/>
           </a:xfrm>
           <a:prstGeom prst="rect">
             <a:avLst/>
           </a:prstGeom>
         </p:spPr>
       </p:pic>
+      <p:pic>
+        <p:nvPicPr>
+          <p:cNvPr id="10" name="Picture 9">
+            <a:extLst>
+              <a:ext uri="{FF2B5EF4-FFF2-40B4-BE49-F238E27FC236}">
+                <a16:creationId xmlns:a16="http://schemas.microsoft.com/office/drawing/2014/main" id="{55B57B1E-8A03-4C9D-9ED1-EFC8962F1162}"/>
+              </a:ext>
+            </a:extLst>
+          </p:cNvPr>
+          <p:cNvPicPr>
+            <a:picLocks noChangeAspect="1"/>
+          </p:cNvPicPr>
+          <p:nvPr/>
+        </p:nvPicPr>
+        <p:blipFill>
+          <a:blip r:embed="rId3"/>
+          <a:stretch>
+            <a:fillRect/>
+          </a:stretch>
+        </p:blipFill>
+        <p:spPr>
+          <a:xfrm>
+            <a:off x="9134792" y="4724400"/>
+            <a:ext cx="2369820" cy="1630680"/>
+          </a:xfrm>
+          <a:prstGeom prst="rect">
+            <a:avLst/>
+          </a:prstGeom>
+        </p:spPr>
+      </p:pic>
+      <p:pic>
+        <p:nvPicPr>
+          <p:cNvPr id="12" name="Picture 11">
+            <a:extLst>
+              <a:ext uri="{FF2B5EF4-FFF2-40B4-BE49-F238E27FC236}">
+                <a16:creationId xmlns:a16="http://schemas.microsoft.com/office/drawing/2014/main" id="{A1E2ABD4-B87E-4837-A3DF-21E238FEDD0D}"/>
+              </a:ext>
+            </a:extLst>
+          </p:cNvPr>
+          <p:cNvPicPr>
+            <a:picLocks noChangeAspect="1"/>
+          </p:cNvPicPr>
+          <p:nvPr/>
+        </p:nvPicPr>
+        <p:blipFill>
+          <a:blip r:embed="rId4"/>
+          <a:stretch>
+            <a:fillRect/>
+          </a:stretch>
+        </p:blipFill>
+        <p:spPr>
+          <a:xfrm>
+            <a:off x="9134792" y="2613660"/>
+            <a:ext cx="2369820" cy="1630680"/>
+          </a:xfrm>
+          <a:prstGeom prst="rect">
+            <a:avLst/>
+          </a:prstGeom>
+        </p:spPr>
+      </p:pic>
+      <p:sp>
+        <p:nvSpPr>
+          <p:cNvPr id="13" name="Arrow: Right 12">
+            <a:extLst>
+              <a:ext uri="{FF2B5EF4-FFF2-40B4-BE49-F238E27FC236}">
+                <a16:creationId xmlns:a16="http://schemas.microsoft.com/office/drawing/2014/main" id="{6DEC2664-8DDC-43EC-983E-3E8889934B56}"/>
+              </a:ext>
+            </a:extLst>
+          </p:cNvPr>
+          <p:cNvSpPr/>
+          <p:nvPr/>
+        </p:nvSpPr>
+        <p:spPr>
+          <a:xfrm rot="20107826">
+            <a:off x="7748062" y="1872478"/>
+            <a:ext cx="1087365" cy="293642"/>
+          </a:xfrm>
+          <a:prstGeom prst="rightArrow">
+            <a:avLst/>
+          </a:prstGeom>
+          <a:solidFill>
+            <a:schemeClr val="accent3"/>
+          </a:solidFill>
+          <a:ln>
+            <a:noFill/>
+          </a:ln>
+        </p:spPr>
+        <p:style>
+          <a:lnRef idx="0">
+            <a:scrgbClr r="0" g="0" b="0"/>
+          </a:lnRef>
+          <a:fillRef idx="0">
+            <a:scrgbClr r="0" g="0" b="0"/>
+          </a:fillRef>
+          <a:effectRef idx="0">
+            <a:scrgbClr r="0" g="0" b="0"/>
+          </a:effectRef>
+          <a:fontRef idx="minor">
+            <a:schemeClr val="lt1"/>
+          </a:fontRef>
+        </p:style>
+        <p:txBody>
+          <a:bodyPr rtlCol="0" anchor="ctr"/>
+          <a:lstStyle/>
+          <a:p>
+            <a:pPr algn="ctr"/>
+            <a:endParaRPr lang="it-IT"/>
+          </a:p>
+        </p:txBody>
+      </p:sp>
+      <p:sp>
+        <p:nvSpPr>
+          <p:cNvPr id="14" name="Arrow: Right 13">
+            <a:extLst>
+              <a:ext uri="{FF2B5EF4-FFF2-40B4-BE49-F238E27FC236}">
+                <a16:creationId xmlns:a16="http://schemas.microsoft.com/office/drawing/2014/main" id="{1BED8579-6276-4BC4-B604-CFB636B1F832}"/>
+              </a:ext>
+            </a:extLst>
+          </p:cNvPr>
+          <p:cNvSpPr/>
+          <p:nvPr/>
+        </p:nvSpPr>
+        <p:spPr>
+          <a:xfrm>
+            <a:off x="8087557" y="3376392"/>
+            <a:ext cx="759200" cy="293642"/>
+          </a:xfrm>
+          <a:prstGeom prst="rightArrow">
+            <a:avLst/>
+          </a:prstGeom>
+          <a:solidFill>
+            <a:schemeClr val="accent3"/>
+          </a:solidFill>
+          <a:ln>
+            <a:noFill/>
+          </a:ln>
+        </p:spPr>
+        <p:style>
+          <a:lnRef idx="0">
+            <a:scrgbClr r="0" g="0" b="0"/>
+          </a:lnRef>
+          <a:fillRef idx="0">
+            <a:scrgbClr r="0" g="0" b="0"/>
+          </a:fillRef>
+          <a:effectRef idx="0">
+            <a:scrgbClr r="0" g="0" b="0"/>
+          </a:effectRef>
+          <a:fontRef idx="minor">
+            <a:schemeClr val="lt1"/>
+          </a:fontRef>
+        </p:style>
+        <p:txBody>
+          <a:bodyPr rtlCol="0" anchor="ctr"/>
+          <a:lstStyle/>
+          <a:p>
+            <a:pPr algn="ctr"/>
+            <a:endParaRPr lang="it-IT"/>
+          </a:p>
+        </p:txBody>
+      </p:sp>
+      <p:sp>
+        <p:nvSpPr>
+          <p:cNvPr id="15" name="Arrow: Right 14">
+            <a:extLst>
+              <a:ext uri="{FF2B5EF4-FFF2-40B4-BE49-F238E27FC236}">
+                <a16:creationId xmlns:a16="http://schemas.microsoft.com/office/drawing/2014/main" id="{A455842A-67BF-405D-B57E-83517D613549}"/>
+              </a:ext>
+            </a:extLst>
+          </p:cNvPr>
+          <p:cNvSpPr/>
+          <p:nvPr/>
+        </p:nvSpPr>
+        <p:spPr>
+          <a:xfrm rot="998166">
+            <a:off x="7729375" y="5102507"/>
+            <a:ext cx="1087365" cy="293642"/>
+          </a:xfrm>
+          <a:prstGeom prst="rightArrow">
+            <a:avLst/>
+          </a:prstGeom>
+          <a:solidFill>
+            <a:schemeClr val="accent3"/>
+          </a:solidFill>
+          <a:ln>
+            <a:noFill/>
+          </a:ln>
+        </p:spPr>
+        <p:style>
+          <a:lnRef idx="0">
+            <a:scrgbClr r="0" g="0" b="0"/>
+          </a:lnRef>
+          <a:fillRef idx="0">
+            <a:scrgbClr r="0" g="0" b="0"/>
+          </a:fillRef>
+          <a:effectRef idx="0">
+            <a:scrgbClr r="0" g="0" b="0"/>
+          </a:effectRef>
+          <a:fontRef idx="minor">
+            <a:schemeClr val="lt1"/>
+          </a:fontRef>
+        </p:style>
+        <p:txBody>
+          <a:bodyPr rtlCol="0" anchor="ctr"/>
+          <a:lstStyle/>
+          <a:p>
+            <a:pPr algn="ctr"/>
+            <a:endParaRPr lang="it-IT"/>
+          </a:p>
+        </p:txBody>
+      </p:sp>
+      <p:sp>
+        <p:nvSpPr>
+          <p:cNvPr id="16" name="Slide Number Placeholder 15">
+            <a:extLst>
+              <a:ext uri="{FF2B5EF4-FFF2-40B4-BE49-F238E27FC236}">
+                <a16:creationId xmlns:a16="http://schemas.microsoft.com/office/drawing/2014/main" id="{F8B14E97-D1D1-4B31-ACF0-79D396465D85}"/>
+              </a:ext>
+            </a:extLst>
+          </p:cNvPr>
+          <p:cNvSpPr>
+            <a:spLocks noGrp="1"/>
+          </p:cNvSpPr>
+          <p:nvPr>
+            <p:ph type="sldNum" sz="quarter" idx="12"/>
+          </p:nvPr>
+        </p:nvSpPr>
+        <p:spPr>
+          <a:xfrm>
+            <a:off x="257452" y="787782"/>
+            <a:ext cx="1054128" cy="365125"/>
+          </a:xfrm>
+        </p:spPr>
+        <p:txBody>
+          <a:bodyPr/>
+          <a:lstStyle/>
+          <a:p>
+            <a:fld id="{D57F1E4F-1CFF-5643-939E-217C01CDF565}" type="slidenum">
+              <a:rPr lang="en-US" smtClean="0"/>
+              <a:pPr/>
+              <a:t>10</a:t>
+            </a:fld>
+            <a:r>
+              <a:rPr lang="en-US" dirty="0"/>
+              <a:t>/13</a:t>
+            </a:r>
+          </a:p>
+        </p:txBody>
+      </p:sp>
+      <p:sp>
+        <p:nvSpPr>
+          <p:cNvPr id="19" name="Footer Placeholder 18">
+            <a:extLst>
+              <a:ext uri="{FF2B5EF4-FFF2-40B4-BE49-F238E27FC236}">
+                <a16:creationId xmlns:a16="http://schemas.microsoft.com/office/drawing/2014/main" id="{09BFC5CA-FAB3-4DF2-B808-73CDF727869C}"/>
+              </a:ext>
+            </a:extLst>
+          </p:cNvPr>
+          <p:cNvSpPr>
+            <a:spLocks noGrp="1"/>
+          </p:cNvSpPr>
+          <p:nvPr>
+            <p:ph type="ftr" sz="quarter" idx="11"/>
+          </p:nvPr>
+        </p:nvSpPr>
+        <p:spPr/>
+        <p:txBody>
+          <a:bodyPr/>
+          <a:lstStyle/>
+          <a:p>
+            <a:r>
+              <a:rPr lang="it-IT" sz="1200" dirty="0"/>
+              <a:t>Davide Liu - Riconiscimento e tracciamento di elementi su video ad alta risoluzione</a:t>
+            </a:r>
+            <a:endParaRPr lang="en-US" sz="1200" dirty="0"/>
+          </a:p>
+        </p:txBody>
+      </p:sp>
     </p:spTree>
     <p:extLst>
       <p:ext uri="{BB962C8B-B14F-4D97-AF65-F5344CB8AC3E}">
@@ -7978,6 +8673,29 @@
 <file path=ppt/slides/slide11.xml><?xml version="1.0" encoding="utf-8"?>
 <p:sld xmlns:a="http://schemas.openxmlformats.org/drawingml/2006/main" xmlns:r="http://schemas.openxmlformats.org/officeDocument/2006/relationships" xmlns:p="http://schemas.openxmlformats.org/presentationml/2006/main">
   <p:cSld>
+    <p:bg>
+      <p:bgPr>
+        <a:gradFill rotWithShape="1">
+          <a:gsLst>
+            <a:gs pos="0">
+              <a:schemeClr val="bg2">
+                <a:tint val="90000"/>
+                <a:lumMod val="120000"/>
+              </a:schemeClr>
+            </a:gs>
+            <a:gs pos="100000">
+              <a:schemeClr val="bg2">
+                <a:shade val="98000"/>
+                <a:satMod val="120000"/>
+                <a:lumMod val="98000"/>
+              </a:schemeClr>
+            </a:gs>
+          </a:gsLst>
+          <a:lin ang="5400000" scaled="0"/>
+        </a:gradFill>
+        <a:effectLst/>
+      </p:bgPr>
+    </p:bg>
     <p:spTree>
       <p:nvGrpSpPr>
         <p:cNvPr id="1" name=""/>
@@ -8008,9 +8726,16 @@
             <p:ph type="title"/>
           </p:nvPr>
         </p:nvSpPr>
-        <p:spPr/>
-        <p:txBody>
-          <a:bodyPr/>
+        <p:spPr>
+          <a:xfrm>
+            <a:off x="2592925" y="624110"/>
+            <a:ext cx="8911687" cy="1280890"/>
+          </a:xfrm>
+        </p:spPr>
+        <p:txBody>
+          <a:bodyPr>
+            <a:normAutofit/>
+          </a:bodyPr>
           <a:lstStyle/>
           <a:p>
             <a:r>
@@ -8038,16 +8763,21 @@
         </p:nvSpPr>
         <p:spPr>
           <a:xfrm>
-            <a:off x="2589212" y="2133600"/>
-            <a:ext cx="8915400" cy="3777622"/>
+            <a:off x="2589212" y="2125362"/>
+            <a:ext cx="5835121" cy="3785860"/>
           </a:xfrm>
         </p:spPr>
         <p:txBody>
           <a:bodyPr>
-            <a:normAutofit/>
+            <a:noAutofit/>
           </a:bodyPr>
           <a:lstStyle/>
           <a:p>
+            <a:pPr>
+              <a:lnSpc>
+                <a:spcPct val="90000"/>
+              </a:lnSpc>
+            </a:pPr>
             <a:r>
               <a:rPr lang="it-IT" dirty="0"/>
               <a:t>Calcolare un valore di similarià per ogni coppia tracker-detection:</a:t>
@@ -8055,6 +8785,9 @@
           </a:p>
           <a:p>
             <a:pPr lvl="1">
+              <a:lnSpc>
+                <a:spcPct val="90000"/>
+              </a:lnSpc>
               <a:buFont typeface="Wingdings" panose="05000000000000000000" pitchFamily="2" charset="2"/>
               <a:buChar char="§"/>
             </a:pPr>
@@ -8065,6 +8798,9 @@
           </a:p>
           <a:p>
             <a:pPr lvl="1">
+              <a:lnSpc>
+                <a:spcPct val="90000"/>
+              </a:lnSpc>
               <a:buFont typeface="Wingdings" panose="05000000000000000000" pitchFamily="2" charset="2"/>
               <a:buChar char="§"/>
             </a:pPr>
@@ -8075,6 +8811,9 @@
           </a:p>
           <a:p>
             <a:pPr lvl="1">
+              <a:lnSpc>
+                <a:spcPct val="90000"/>
+              </a:lnSpc>
               <a:buFont typeface="Wingdings" panose="05000000000000000000" pitchFamily="2" charset="2"/>
               <a:buChar char="§"/>
             </a:pPr>
@@ -8084,32 +8823,134 @@
             </a:r>
           </a:p>
           <a:p>
+            <a:pPr>
+              <a:lnSpc>
+                <a:spcPct val="90000"/>
+              </a:lnSpc>
+            </a:pPr>
             <a:r>
               <a:rPr lang="it-IT" dirty="0"/>
               <a:t>Effettuare gli assegnamenti massimizzando il valore di similarità:</a:t>
             </a:r>
           </a:p>
           <a:p>
-            <a:pPr lvl="1">
-              <a:buFont typeface="Wingdings" panose="05000000000000000000" pitchFamily="2" charset="2"/>
-              <a:buChar char="§"/>
+            <a:pPr>
+              <a:lnSpc>
+                <a:spcPct val="90000"/>
+              </a:lnSpc>
             </a:pPr>
-            <a:r>
-              <a:rPr lang="it-IT" sz="1800" dirty="0"/>
-              <a:t>Problema di ottimizzazione: algoritmo di Munkres</a:t>
-            </a:r>
-          </a:p>
-          <a:p>
             <a:r>
               <a:rPr lang="it-IT" dirty="0"/>
               <a:t>Creare nuovi tracker per tracciare eventuali nuovi oggetti</a:t>
             </a:r>
           </a:p>
           <a:p>
+            <a:pPr>
+              <a:lnSpc>
+                <a:spcPct val="90000"/>
+              </a:lnSpc>
+            </a:pPr>
             <a:r>
               <a:rPr lang="it-IT" dirty="0"/>
               <a:t>Cancellare i trackers che da troppo frames non sono più stati assegnati</a:t>
             </a:r>
+          </a:p>
+        </p:txBody>
+      </p:sp>
+      <p:pic>
+        <p:nvPicPr>
+          <p:cNvPr id="4" name="Picture 3">
+            <a:extLst>
+              <a:ext uri="{FF2B5EF4-FFF2-40B4-BE49-F238E27FC236}">
+                <a16:creationId xmlns:a16="http://schemas.microsoft.com/office/drawing/2014/main" id="{2B9C2030-E078-4A8A-8AAE-02BE3368867D}"/>
+              </a:ext>
+            </a:extLst>
+          </p:cNvPr>
+          <p:cNvPicPr>
+            <a:picLocks noChangeAspect="1"/>
+          </p:cNvPicPr>
+          <p:nvPr/>
+        </p:nvPicPr>
+        <p:blipFill>
+          <a:blip r:embed="rId2"/>
+          <a:stretch>
+            <a:fillRect/>
+          </a:stretch>
+        </p:blipFill>
+        <p:spPr>
+          <a:xfrm>
+            <a:off x="8424334" y="1987853"/>
+            <a:ext cx="3080278" cy="3767924"/>
+          </a:xfrm>
+          <a:prstGeom prst="rect">
+            <a:avLst/>
+          </a:prstGeom>
+        </p:spPr>
+      </p:pic>
+      <p:sp>
+        <p:nvSpPr>
+          <p:cNvPr id="5" name="Slide Number Placeholder 4">
+            <a:extLst>
+              <a:ext uri="{FF2B5EF4-FFF2-40B4-BE49-F238E27FC236}">
+                <a16:creationId xmlns:a16="http://schemas.microsoft.com/office/drawing/2014/main" id="{0CDA9ED0-F0E4-4A99-A7FF-75BCC54C9EC8}"/>
+              </a:ext>
+            </a:extLst>
+          </p:cNvPr>
+          <p:cNvSpPr>
+            <a:spLocks noGrp="1"/>
+          </p:cNvSpPr>
+          <p:nvPr>
+            <p:ph type="sldNum" sz="quarter" idx="12"/>
+          </p:nvPr>
+        </p:nvSpPr>
+        <p:spPr>
+          <a:xfrm>
+            <a:off x="239698" y="787782"/>
+            <a:ext cx="1071882" cy="365125"/>
+          </a:xfrm>
+        </p:spPr>
+        <p:txBody>
+          <a:bodyPr/>
+          <a:lstStyle/>
+          <a:p>
+            <a:fld id="{D57F1E4F-1CFF-5643-939E-217C01CDF565}" type="slidenum">
+              <a:rPr lang="en-US" smtClean="0"/>
+              <a:pPr/>
+              <a:t>11</a:t>
+            </a:fld>
+            <a:r>
+              <a:rPr lang="en-US" dirty="0"/>
+              <a:t>/13</a:t>
+            </a:r>
+          </a:p>
+        </p:txBody>
+      </p:sp>
+      <p:sp>
+        <p:nvSpPr>
+          <p:cNvPr id="8" name="Footer Placeholder 7">
+            <a:extLst>
+              <a:ext uri="{FF2B5EF4-FFF2-40B4-BE49-F238E27FC236}">
+                <a16:creationId xmlns:a16="http://schemas.microsoft.com/office/drawing/2014/main" id="{630746EB-975D-4C3A-BBA7-B83AD5BAFE62}"/>
+              </a:ext>
+            </a:extLst>
+          </p:cNvPr>
+          <p:cNvSpPr>
+            <a:spLocks noGrp="1"/>
+          </p:cNvSpPr>
+          <p:nvPr>
+            <p:ph type="ftr" sz="quarter" idx="11"/>
+          </p:nvPr>
+        </p:nvSpPr>
+        <p:spPr/>
+        <p:txBody>
+          <a:bodyPr/>
+          <a:lstStyle/>
+          <a:p>
+            <a:r>
+              <a:rPr lang="it-IT" sz="1200" dirty="0"/>
+              <a:t>Davide Liu - Riconiscimento e tracciamento di elementi su video ad alta risoluzione</a:t>
+            </a:r>
+            <a:endParaRPr lang="en-US" sz="1200" dirty="0"/>
           </a:p>
         </p:txBody>
       </p:sp>
@@ -8235,6 +9076,73 @@
           </a:p>
         </p:txBody>
       </p:sp>
+      <p:sp>
+        <p:nvSpPr>
+          <p:cNvPr id="4" name="Slide Number Placeholder 3">
+            <a:extLst>
+              <a:ext uri="{FF2B5EF4-FFF2-40B4-BE49-F238E27FC236}">
+                <a16:creationId xmlns:a16="http://schemas.microsoft.com/office/drawing/2014/main" id="{99F9047C-F1BB-4C4A-8F2A-356F6D6EACB0}"/>
+              </a:ext>
+            </a:extLst>
+          </p:cNvPr>
+          <p:cNvSpPr>
+            <a:spLocks noGrp="1"/>
+          </p:cNvSpPr>
+          <p:nvPr>
+            <p:ph type="sldNum" sz="quarter" idx="12"/>
+          </p:nvPr>
+        </p:nvSpPr>
+        <p:spPr>
+          <a:xfrm>
+            <a:off x="221942" y="787782"/>
+            <a:ext cx="1089637" cy="365125"/>
+          </a:xfrm>
+        </p:spPr>
+        <p:txBody>
+          <a:bodyPr/>
+          <a:lstStyle/>
+          <a:p>
+            <a:fld id="{D57F1E4F-1CFF-5643-939E-217C01CDF565}" type="slidenum">
+              <a:rPr lang="en-US" smtClean="0"/>
+              <a:pPr/>
+              <a:t>12</a:t>
+            </a:fld>
+            <a:r>
+              <a:rPr lang="en-US" dirty="0"/>
+              <a:t>/13</a:t>
+            </a:r>
+          </a:p>
+        </p:txBody>
+      </p:sp>
+      <p:sp>
+        <p:nvSpPr>
+          <p:cNvPr id="7" name="Footer Placeholder 6">
+            <a:extLst>
+              <a:ext uri="{FF2B5EF4-FFF2-40B4-BE49-F238E27FC236}">
+                <a16:creationId xmlns:a16="http://schemas.microsoft.com/office/drawing/2014/main" id="{B85244EA-7240-4855-AEA1-12F68C99AD59}"/>
+              </a:ext>
+            </a:extLst>
+          </p:cNvPr>
+          <p:cNvSpPr>
+            <a:spLocks noGrp="1"/>
+          </p:cNvSpPr>
+          <p:nvPr>
+            <p:ph type="ftr" sz="quarter" idx="11"/>
+          </p:nvPr>
+        </p:nvSpPr>
+        <p:spPr/>
+        <p:txBody>
+          <a:bodyPr/>
+          <a:lstStyle/>
+          <a:p>
+            <a:r>
+              <a:rPr lang="it-IT" sz="1200" dirty="0"/>
+              <a:t>Davide Liu - Riconiscimento e tracciamento di elementi su video ad alta risoluzione</a:t>
+            </a:r>
+            <a:endParaRPr lang="en-US" sz="1200" dirty="0"/>
+          </a:p>
+        </p:txBody>
+      </p:sp>
     </p:spTree>
     <p:extLst>
       <p:ext uri="{BB962C8B-B14F-4D97-AF65-F5344CB8AC3E}">
@@ -8300,6 +9208,73 @@
           </a:p>
         </p:txBody>
       </p:sp>
+      <p:sp>
+        <p:nvSpPr>
+          <p:cNvPr id="3" name="Slide Number Placeholder 2">
+            <a:extLst>
+              <a:ext uri="{FF2B5EF4-FFF2-40B4-BE49-F238E27FC236}">
+                <a16:creationId xmlns:a16="http://schemas.microsoft.com/office/drawing/2014/main" id="{BB593056-E5CE-455F-BA6D-4A8B657303A2}"/>
+              </a:ext>
+            </a:extLst>
+          </p:cNvPr>
+          <p:cNvSpPr>
+            <a:spLocks noGrp="1"/>
+          </p:cNvSpPr>
+          <p:nvPr>
+            <p:ph type="sldNum" sz="quarter" idx="12"/>
+          </p:nvPr>
+        </p:nvSpPr>
+        <p:spPr>
+          <a:xfrm>
+            <a:off x="239698" y="787782"/>
+            <a:ext cx="1071882" cy="365125"/>
+          </a:xfrm>
+        </p:spPr>
+        <p:txBody>
+          <a:bodyPr/>
+          <a:lstStyle/>
+          <a:p>
+            <a:fld id="{D57F1E4F-1CFF-5643-939E-217C01CDF565}" type="slidenum">
+              <a:rPr lang="en-US" smtClean="0"/>
+              <a:pPr/>
+              <a:t>13</a:t>
+            </a:fld>
+            <a:r>
+              <a:rPr lang="en-US" dirty="0"/>
+              <a:t>/13</a:t>
+            </a:r>
+          </a:p>
+        </p:txBody>
+      </p:sp>
+      <p:sp>
+        <p:nvSpPr>
+          <p:cNvPr id="6" name="Footer Placeholder 5">
+            <a:extLst>
+              <a:ext uri="{FF2B5EF4-FFF2-40B4-BE49-F238E27FC236}">
+                <a16:creationId xmlns:a16="http://schemas.microsoft.com/office/drawing/2014/main" id="{BD72917A-8033-4EA7-9F06-6ABD4CD18D29}"/>
+              </a:ext>
+            </a:extLst>
+          </p:cNvPr>
+          <p:cNvSpPr>
+            <a:spLocks noGrp="1"/>
+          </p:cNvSpPr>
+          <p:nvPr>
+            <p:ph type="ftr" sz="quarter" idx="11"/>
+          </p:nvPr>
+        </p:nvSpPr>
+        <p:spPr/>
+        <p:txBody>
+          <a:bodyPr/>
+          <a:lstStyle/>
+          <a:p>
+            <a:r>
+              <a:rPr lang="it-IT" sz="1200" dirty="0"/>
+              <a:t>Davide Liu - Riconiscimento e tracciamento di elementi su video ad alta risoluzione</a:t>
+            </a:r>
+            <a:endParaRPr lang="en-US" sz="1200" dirty="0"/>
+          </a:p>
+        </p:txBody>
+      </p:sp>
     </p:spTree>
     <p:extLst>
       <p:ext uri="{BB962C8B-B14F-4D97-AF65-F5344CB8AC3E}">
@@ -8316,6 +9291,29 @@
 <file path=ppt/slides/slide2.xml><?xml version="1.0" encoding="utf-8"?>
 <p:sld xmlns:a="http://schemas.openxmlformats.org/drawingml/2006/main" xmlns:r="http://schemas.openxmlformats.org/officeDocument/2006/relationships" xmlns:p="http://schemas.openxmlformats.org/presentationml/2006/main">
   <p:cSld>
+    <p:bg>
+      <p:bgPr>
+        <a:gradFill rotWithShape="1">
+          <a:gsLst>
+            <a:gs pos="0">
+              <a:schemeClr val="bg2">
+                <a:tint val="90000"/>
+                <a:lumMod val="120000"/>
+              </a:schemeClr>
+            </a:gs>
+            <a:gs pos="100000">
+              <a:schemeClr val="bg2">
+                <a:shade val="98000"/>
+                <a:satMod val="120000"/>
+                <a:lumMod val="98000"/>
+              </a:schemeClr>
+            </a:gs>
+          </a:gsLst>
+          <a:lin ang="5400000" scaled="0"/>
+        </a:gradFill>
+        <a:effectLst/>
+      </p:bgPr>
+    </p:bg>
     <p:spTree>
       <p:nvGrpSpPr>
         <p:cNvPr id="1" name=""/>
@@ -8346,14 +9344,76 @@
             <p:ph type="title"/>
           </p:nvPr>
         </p:nvSpPr>
-        <p:spPr/>
-        <p:txBody>
-          <a:bodyPr/>
+        <p:spPr>
+          <a:xfrm>
+            <a:off x="2592925" y="624110"/>
+            <a:ext cx="8911687" cy="1280890"/>
+          </a:xfrm>
+        </p:spPr>
+        <p:txBody>
+          <a:bodyPr>
+            <a:normAutofit/>
+          </a:bodyPr>
           <a:lstStyle/>
           <a:p>
             <a:r>
               <a:rPr lang="it-IT" dirty="0"/>
               <a:t>Azienda - Studiomapp</a:t>
+            </a:r>
+          </a:p>
+        </p:txBody>
+      </p:sp>
+      <p:sp>
+        <p:nvSpPr>
+          <p:cNvPr id="4" name="Slide Number Placeholder 3">
+            <a:extLst>
+              <a:ext uri="{FF2B5EF4-FFF2-40B4-BE49-F238E27FC236}">
+                <a16:creationId xmlns:a16="http://schemas.microsoft.com/office/drawing/2014/main" id="{33BE77FD-C122-41FA-8770-30CD409B6529}"/>
+              </a:ext>
+            </a:extLst>
+          </p:cNvPr>
+          <p:cNvSpPr>
+            <a:spLocks noGrp="1"/>
+          </p:cNvSpPr>
+          <p:nvPr>
+            <p:ph type="sldNum" sz="quarter" idx="12"/>
+          </p:nvPr>
+        </p:nvSpPr>
+        <p:spPr>
+          <a:xfrm>
+            <a:off x="531812" y="787782"/>
+            <a:ext cx="779767" cy="365125"/>
+          </a:xfrm>
+        </p:spPr>
+        <p:txBody>
+          <a:bodyPr>
+            <a:normAutofit/>
+          </a:bodyPr>
+          <a:lstStyle/>
+          <a:p>
+            <a:pPr>
+              <a:lnSpc>
+                <a:spcPct val="90000"/>
+              </a:lnSpc>
+              <a:spcAft>
+                <a:spcPts val="600"/>
+              </a:spcAft>
+            </a:pPr>
+            <a:fld id="{D57F1E4F-1CFF-5643-939E-217C01CDF565}" type="slidenum">
+              <a:rPr lang="en-US" sz="1900" smtClean="0"/>
+              <a:pPr>
+                <a:lnSpc>
+                  <a:spcPct val="90000"/>
+                </a:lnSpc>
+                <a:spcAft>
+                  <a:spcPts val="600"/>
+                </a:spcAft>
+              </a:pPr>
+              <a:t>2</a:t>
+            </a:fld>
+            <a:r>
+              <a:rPr lang="en-US" sz="1900"/>
+              <a:t>/13</a:t>
             </a:r>
           </a:p>
         </p:txBody>
@@ -8374,7 +9434,12 @@
             <p:ph idx="1"/>
           </p:nvPr>
         </p:nvSpPr>
-        <p:spPr/>
+        <p:spPr>
+          <a:xfrm>
+            <a:off x="2589212" y="2125362"/>
+            <a:ext cx="5835121" cy="3785860"/>
+          </a:xfrm>
+        </p:spPr>
         <p:txBody>
           <a:bodyPr>
             <a:normAutofit/>
@@ -8389,64 +9454,91 @@
           <a:p>
             <a:r>
               <a:rPr lang="it-IT" dirty="0"/>
-              <a:t>Sviluppa algoritmi di intelligenza artiﬁciale speciﬁci per geo-calcolo e dati geo-spaziali</a:t>
+              <a:t>Sviluppa algoritmi di intelligenza artiﬁciale applicati alla computer vision</a:t>
             </a:r>
           </a:p>
           <a:p>
             <a:r>
               <a:rPr lang="it-IT" dirty="0"/>
-              <a:t>Fornisce soluzioni innovative per:</a:t>
-            </a:r>
-          </a:p>
-          <a:p>
-            <a:pPr lvl="1">
-              <a:buFont typeface="Wingdings" panose="05000000000000000000" pitchFamily="2" charset="2"/>
-              <a:buChar char="§"/>
+              <a:t>Studio del territorio tramite analisi di immagini satellitari</a:t>
+            </a:r>
+          </a:p>
+          <a:p>
+            <a:r>
+              <a:rPr lang="it-IT" dirty="0"/>
+              <a:t>Classificata al quarto posto nella sfida di object detection xView Challenge organizzata dal Pentagono</a:t>
+            </a:r>
+          </a:p>
+        </p:txBody>
+      </p:sp>
+      <p:pic>
+        <p:nvPicPr>
+          <p:cNvPr id="9" name="Picture 8">
+            <a:extLst>
+              <a:ext uri="{FF2B5EF4-FFF2-40B4-BE49-F238E27FC236}">
+                <a16:creationId xmlns:a16="http://schemas.microsoft.com/office/drawing/2014/main" id="{BA6BA149-E2A0-444A-8A4D-B2B3AF1FA1AA}"/>
+              </a:ext>
+            </a:extLst>
+          </p:cNvPr>
+          <p:cNvPicPr>
+            <a:picLocks noChangeAspect="1"/>
+          </p:cNvPicPr>
+          <p:nvPr/>
+        </p:nvPicPr>
+        <p:blipFill>
+          <a:blip r:embed="rId2"/>
+          <a:stretch>
+            <a:fillRect/>
+          </a:stretch>
+        </p:blipFill>
+        <p:spPr>
+          <a:xfrm>
+            <a:off x="9053595" y="2125362"/>
+            <a:ext cx="2451018" cy="4010446"/>
+          </a:xfrm>
+          <a:prstGeom prst="rect">
+            <a:avLst/>
+          </a:prstGeom>
+        </p:spPr>
+      </p:pic>
+      <p:sp>
+        <p:nvSpPr>
+          <p:cNvPr id="7" name="Footer Placeholder 6">
+            <a:extLst>
+              <a:ext uri="{FF2B5EF4-FFF2-40B4-BE49-F238E27FC236}">
+                <a16:creationId xmlns:a16="http://schemas.microsoft.com/office/drawing/2014/main" id="{1FD467E6-69B7-4F2A-98BA-4805B919797C}"/>
+              </a:ext>
+            </a:extLst>
+          </p:cNvPr>
+          <p:cNvSpPr>
+            <a:spLocks noGrp="1"/>
+          </p:cNvSpPr>
+          <p:nvPr>
+            <p:ph type="ftr" sz="quarter" idx="11"/>
+          </p:nvPr>
+        </p:nvSpPr>
+        <p:spPr>
+          <a:xfrm>
+            <a:off x="2589212" y="6135808"/>
+            <a:ext cx="7619999" cy="365125"/>
+          </a:xfrm>
+        </p:spPr>
+        <p:txBody>
+          <a:bodyPr>
+            <a:normAutofit/>
+          </a:bodyPr>
+          <a:lstStyle/>
+          <a:p>
+            <a:pPr>
+              <a:spcAft>
+                <a:spcPts val="600"/>
+              </a:spcAft>
             </a:pPr>
             <a:r>
-              <a:rPr lang="it-IT" sz="1800" dirty="0"/>
-              <a:t>Smart cities</a:t>
-            </a:r>
-          </a:p>
-          <a:p>
-            <a:pPr lvl="1">
-              <a:buFont typeface="Wingdings" panose="05000000000000000000" pitchFamily="2" charset="2"/>
-              <a:buChar char="§"/>
-            </a:pPr>
-            <a:r>
-              <a:rPr lang="it-IT" sz="1800" dirty="0"/>
-              <a:t>Trasporti e logistica</a:t>
-            </a:r>
-          </a:p>
-          <a:p>
-            <a:pPr lvl="1">
-              <a:buFont typeface="Wingdings" panose="05000000000000000000" pitchFamily="2" charset="2"/>
-              <a:buChar char="§"/>
-            </a:pPr>
-            <a:r>
-              <a:rPr lang="it-IT" sz="1800" dirty="0"/>
-              <a:t>Turismo e beni culturali</a:t>
-            </a:r>
-          </a:p>
-          <a:p>
-            <a:pPr lvl="1">
-              <a:buFont typeface="Wingdings" panose="05000000000000000000" pitchFamily="2" charset="2"/>
-              <a:buChar char="§"/>
-            </a:pPr>
-            <a:r>
-              <a:rPr lang="it-IT" sz="1800" dirty="0"/>
-              <a:t>Territorio e gestione delle risorse naturali</a:t>
-            </a:r>
-          </a:p>
-          <a:p>
-            <a:pPr lvl="1">
-              <a:buFont typeface="Wingdings" panose="05000000000000000000" pitchFamily="2" charset="2"/>
-              <a:buChar char="§"/>
-            </a:pPr>
-            <a:r>
-              <a:rPr lang="it-IT" sz="1800" dirty="0"/>
-              <a:t>Adattamento ai cambiamenti climatici</a:t>
-            </a:r>
+              <a:rPr lang="it-IT"/>
+              <a:t>Davide Liu - Riconiscimento e tracciamento di elementi su video ad alta risoluzione</a:t>
+            </a:r>
+            <a:endParaRPr lang="en-US"/>
           </a:p>
         </p:txBody>
       </p:sp>
@@ -8683,6 +9775,64 @@
           </a:prstGeom>
         </p:spPr>
       </p:pic>
+      <p:sp>
+        <p:nvSpPr>
+          <p:cNvPr id="5" name="Slide Number Placeholder 4">
+            <a:extLst>
+              <a:ext uri="{FF2B5EF4-FFF2-40B4-BE49-F238E27FC236}">
+                <a16:creationId xmlns:a16="http://schemas.microsoft.com/office/drawing/2014/main" id="{69FC64D2-1C5B-4322-AA7E-67AAD63248F2}"/>
+              </a:ext>
+            </a:extLst>
+          </p:cNvPr>
+          <p:cNvSpPr>
+            <a:spLocks noGrp="1"/>
+          </p:cNvSpPr>
+          <p:nvPr>
+            <p:ph type="sldNum" sz="quarter" idx="12"/>
+          </p:nvPr>
+        </p:nvSpPr>
+        <p:spPr/>
+        <p:txBody>
+          <a:bodyPr/>
+          <a:lstStyle/>
+          <a:p>
+            <a:fld id="{D57F1E4F-1CFF-5643-939E-217C01CDF565}" type="slidenum">
+              <a:rPr lang="en-US" smtClean="0"/>
+              <a:pPr/>
+              <a:t>3</a:t>
+            </a:fld>
+            <a:r>
+              <a:rPr lang="en-US" dirty="0"/>
+              <a:t>/13</a:t>
+            </a:r>
+          </a:p>
+        </p:txBody>
+      </p:sp>
+      <p:sp>
+        <p:nvSpPr>
+          <p:cNvPr id="10" name="Footer Placeholder 9">
+            <a:extLst>
+              <a:ext uri="{FF2B5EF4-FFF2-40B4-BE49-F238E27FC236}">
+                <a16:creationId xmlns:a16="http://schemas.microsoft.com/office/drawing/2014/main" id="{DE617747-1DE2-45AD-A915-9E3BCC09C362}"/>
+              </a:ext>
+            </a:extLst>
+          </p:cNvPr>
+          <p:cNvSpPr>
+            <a:spLocks noGrp="1"/>
+          </p:cNvSpPr>
+          <p:nvPr>
+            <p:ph type="ftr" sz="quarter" idx="11"/>
+          </p:nvPr>
+        </p:nvSpPr>
+        <p:spPr/>
+        <p:txBody>
+          <a:bodyPr/>
+          <a:lstStyle/>
+          <a:p>
+            <a:endParaRPr lang="en-US" dirty="0"/>
+          </a:p>
+        </p:txBody>
+      </p:sp>
     </p:spTree>
     <p:extLst>
       <p:ext uri="{BB962C8B-B14F-4D97-AF65-F5344CB8AC3E}">
@@ -8879,6 +10029,68 @@
           </a:xfrm>
         </p:spPr>
       </p:pic>
+      <p:sp>
+        <p:nvSpPr>
+          <p:cNvPr id="4" name="Slide Number Placeholder 3">
+            <a:extLst>
+              <a:ext uri="{FF2B5EF4-FFF2-40B4-BE49-F238E27FC236}">
+                <a16:creationId xmlns:a16="http://schemas.microsoft.com/office/drawing/2014/main" id="{4238F1A3-CFAA-4F9B-9CCA-21AF5F5505CD}"/>
+              </a:ext>
+            </a:extLst>
+          </p:cNvPr>
+          <p:cNvSpPr>
+            <a:spLocks noGrp="1"/>
+          </p:cNvSpPr>
+          <p:nvPr>
+            <p:ph type="sldNum" sz="quarter" idx="12"/>
+          </p:nvPr>
+        </p:nvSpPr>
+        <p:spPr/>
+        <p:txBody>
+          <a:bodyPr/>
+          <a:lstStyle/>
+          <a:p>
+            <a:fld id="{D57F1E4F-1CFF-5643-939E-217C01CDF565}" type="slidenum">
+              <a:rPr lang="en-US" smtClean="0"/>
+              <a:pPr/>
+              <a:t>4</a:t>
+            </a:fld>
+            <a:r>
+              <a:rPr lang="en-US" dirty="0"/>
+              <a:t>/13</a:t>
+            </a:r>
+          </a:p>
+        </p:txBody>
+      </p:sp>
+      <p:sp>
+        <p:nvSpPr>
+          <p:cNvPr id="8" name="Footer Placeholder 7">
+            <a:extLst>
+              <a:ext uri="{FF2B5EF4-FFF2-40B4-BE49-F238E27FC236}">
+                <a16:creationId xmlns:a16="http://schemas.microsoft.com/office/drawing/2014/main" id="{878FF9BD-7A91-462E-B310-2B89C042002A}"/>
+              </a:ext>
+            </a:extLst>
+          </p:cNvPr>
+          <p:cNvSpPr>
+            <a:spLocks noGrp="1"/>
+          </p:cNvSpPr>
+          <p:nvPr>
+            <p:ph type="ftr" sz="quarter" idx="11"/>
+          </p:nvPr>
+        </p:nvSpPr>
+        <p:spPr/>
+        <p:txBody>
+          <a:bodyPr/>
+          <a:lstStyle/>
+          <a:p>
+            <a:r>
+              <a:rPr lang="it-IT" sz="1200" dirty="0"/>
+              <a:t>Davide Liu - Riconiscimento e tracciamento di elementi su video ad alta risoluzione</a:t>
+            </a:r>
+            <a:endParaRPr lang="en-US" sz="1200" dirty="0"/>
+          </a:p>
+        </p:txBody>
+      </p:sp>
     </p:spTree>
     <p:extLst>
       <p:ext uri="{BB962C8B-B14F-4D97-AF65-F5344CB8AC3E}">
@@ -8982,7 +10194,7 @@
             </a:pPr>
             <a:r>
               <a:rPr lang="it-IT" sz="1800" dirty="0"/>
-              <a:t>Perdita di risoluzione!</a:t>
+              <a:t>Perdita di risoluzione</a:t>
             </a:r>
           </a:p>
           <a:p>
@@ -9006,6 +10218,68 @@
               <a:rPr lang="it-IT" sz="1800" dirty="0"/>
               <a:t>I modelli che lavorano su immagini in alta definizione sono più difficili da allenare</a:t>
             </a:r>
+          </a:p>
+        </p:txBody>
+      </p:sp>
+      <p:sp>
+        <p:nvSpPr>
+          <p:cNvPr id="4" name="Slide Number Placeholder 3">
+            <a:extLst>
+              <a:ext uri="{FF2B5EF4-FFF2-40B4-BE49-F238E27FC236}">
+                <a16:creationId xmlns:a16="http://schemas.microsoft.com/office/drawing/2014/main" id="{8B10D825-2D5C-4053-953A-EC757C37B239}"/>
+              </a:ext>
+            </a:extLst>
+          </p:cNvPr>
+          <p:cNvSpPr>
+            <a:spLocks noGrp="1"/>
+          </p:cNvSpPr>
+          <p:nvPr>
+            <p:ph type="sldNum" sz="quarter" idx="12"/>
+          </p:nvPr>
+        </p:nvSpPr>
+        <p:spPr/>
+        <p:txBody>
+          <a:bodyPr/>
+          <a:lstStyle/>
+          <a:p>
+            <a:fld id="{D57F1E4F-1CFF-5643-939E-217C01CDF565}" type="slidenum">
+              <a:rPr lang="en-US" smtClean="0"/>
+              <a:pPr/>
+              <a:t>5</a:t>
+            </a:fld>
+            <a:r>
+              <a:rPr lang="en-US" dirty="0"/>
+              <a:t>/13</a:t>
+            </a:r>
+          </a:p>
+        </p:txBody>
+      </p:sp>
+      <p:sp>
+        <p:nvSpPr>
+          <p:cNvPr id="7" name="Footer Placeholder 6">
+            <a:extLst>
+              <a:ext uri="{FF2B5EF4-FFF2-40B4-BE49-F238E27FC236}">
+                <a16:creationId xmlns:a16="http://schemas.microsoft.com/office/drawing/2014/main" id="{A2A69B6C-1C13-4BE3-A4DC-80D3DB9D632A}"/>
+              </a:ext>
+            </a:extLst>
+          </p:cNvPr>
+          <p:cNvSpPr>
+            <a:spLocks noGrp="1"/>
+          </p:cNvSpPr>
+          <p:nvPr>
+            <p:ph type="ftr" sz="quarter" idx="11"/>
+          </p:nvPr>
+        </p:nvSpPr>
+        <p:spPr/>
+        <p:txBody>
+          <a:bodyPr/>
+          <a:lstStyle/>
+          <a:p>
+            <a:r>
+              <a:rPr lang="it-IT" sz="1200" dirty="0"/>
+              <a:t>Davide Liu - Riconiscimento e tracciamento di elementi su video ad alta risoluzione</a:t>
+            </a:r>
+            <a:endParaRPr lang="en-US" sz="1200" dirty="0"/>
           </a:p>
         </p:txBody>
       </p:sp>
@@ -9193,6 +10467,68 @@
           </a:prstGeom>
         </p:spPr>
       </p:pic>
+      <p:sp>
+        <p:nvSpPr>
+          <p:cNvPr id="4" name="Slide Number Placeholder 3">
+            <a:extLst>
+              <a:ext uri="{FF2B5EF4-FFF2-40B4-BE49-F238E27FC236}">
+                <a16:creationId xmlns:a16="http://schemas.microsoft.com/office/drawing/2014/main" id="{F7216C6C-4620-43D1-B022-449833F73A06}"/>
+              </a:ext>
+            </a:extLst>
+          </p:cNvPr>
+          <p:cNvSpPr>
+            <a:spLocks noGrp="1"/>
+          </p:cNvSpPr>
+          <p:nvPr>
+            <p:ph type="sldNum" sz="quarter" idx="12"/>
+          </p:nvPr>
+        </p:nvSpPr>
+        <p:spPr/>
+        <p:txBody>
+          <a:bodyPr/>
+          <a:lstStyle/>
+          <a:p>
+            <a:fld id="{D57F1E4F-1CFF-5643-939E-217C01CDF565}" type="slidenum">
+              <a:rPr lang="en-US" smtClean="0"/>
+              <a:pPr/>
+              <a:t>6</a:t>
+            </a:fld>
+            <a:r>
+              <a:rPr lang="en-US" dirty="0"/>
+              <a:t>/13</a:t>
+            </a:r>
+          </a:p>
+        </p:txBody>
+      </p:sp>
+      <p:sp>
+        <p:nvSpPr>
+          <p:cNvPr id="8" name="Footer Placeholder 7">
+            <a:extLst>
+              <a:ext uri="{FF2B5EF4-FFF2-40B4-BE49-F238E27FC236}">
+                <a16:creationId xmlns:a16="http://schemas.microsoft.com/office/drawing/2014/main" id="{3FABD2A2-72E5-4155-B763-6E447169CF07}"/>
+              </a:ext>
+            </a:extLst>
+          </p:cNvPr>
+          <p:cNvSpPr>
+            <a:spLocks noGrp="1"/>
+          </p:cNvSpPr>
+          <p:nvPr>
+            <p:ph type="ftr" sz="quarter" idx="11"/>
+          </p:nvPr>
+        </p:nvSpPr>
+        <p:spPr/>
+        <p:txBody>
+          <a:bodyPr/>
+          <a:lstStyle/>
+          <a:p>
+            <a:r>
+              <a:rPr lang="it-IT" sz="1200" dirty="0"/>
+              <a:t>Davide Liu - Riconiscimento e tracciamento di elementi su video ad alta risoluzione</a:t>
+            </a:r>
+            <a:endParaRPr lang="en-US" sz="1200" dirty="0"/>
+          </a:p>
+        </p:txBody>
+      </p:sp>
     </p:spTree>
     <p:extLst>
       <p:ext uri="{BB962C8B-B14F-4D97-AF65-F5344CB8AC3E}">
@@ -9355,6 +10691,68 @@
           </a:p>
         </p:txBody>
       </p:sp>
+      <p:sp>
+        <p:nvSpPr>
+          <p:cNvPr id="3" name="Slide Number Placeholder 2">
+            <a:extLst>
+              <a:ext uri="{FF2B5EF4-FFF2-40B4-BE49-F238E27FC236}">
+                <a16:creationId xmlns:a16="http://schemas.microsoft.com/office/drawing/2014/main" id="{5E7C5DAD-2415-42DE-81A3-4457EAC06CC0}"/>
+              </a:ext>
+            </a:extLst>
+          </p:cNvPr>
+          <p:cNvSpPr>
+            <a:spLocks noGrp="1"/>
+          </p:cNvSpPr>
+          <p:nvPr>
+            <p:ph type="sldNum" sz="quarter" idx="12"/>
+          </p:nvPr>
+        </p:nvSpPr>
+        <p:spPr/>
+        <p:txBody>
+          <a:bodyPr/>
+          <a:lstStyle/>
+          <a:p>
+            <a:fld id="{D57F1E4F-1CFF-5643-939E-217C01CDF565}" type="slidenum">
+              <a:rPr lang="en-US" smtClean="0"/>
+              <a:pPr/>
+              <a:t>7</a:t>
+            </a:fld>
+            <a:r>
+              <a:rPr lang="en-US" dirty="0"/>
+              <a:t>/13</a:t>
+            </a:r>
+          </a:p>
+        </p:txBody>
+      </p:sp>
+      <p:sp>
+        <p:nvSpPr>
+          <p:cNvPr id="6" name="Footer Placeholder 5">
+            <a:extLst>
+              <a:ext uri="{FF2B5EF4-FFF2-40B4-BE49-F238E27FC236}">
+                <a16:creationId xmlns:a16="http://schemas.microsoft.com/office/drawing/2014/main" id="{0B99B48B-E6B7-4B9F-9E9E-BAB43872D39D}"/>
+              </a:ext>
+            </a:extLst>
+          </p:cNvPr>
+          <p:cNvSpPr>
+            <a:spLocks noGrp="1"/>
+          </p:cNvSpPr>
+          <p:nvPr>
+            <p:ph type="ftr" sz="quarter" idx="11"/>
+          </p:nvPr>
+        </p:nvSpPr>
+        <p:spPr/>
+        <p:txBody>
+          <a:bodyPr/>
+          <a:lstStyle/>
+          <a:p>
+            <a:r>
+              <a:rPr lang="it-IT" sz="1200" dirty="0"/>
+              <a:t>Davide Liu - Riconiscimento e tracciamento di elementi su video ad alta risoluzione</a:t>
+            </a:r>
+            <a:endParaRPr lang="en-US" sz="1200" dirty="0"/>
+          </a:p>
+        </p:txBody>
+      </p:sp>
     </p:spTree>
     <p:extLst>
       <p:ext uri="{BB962C8B-B14F-4D97-AF65-F5344CB8AC3E}">
@@ -9449,13 +10847,13 @@
           <a:p>
             <a:r>
               <a:rPr lang="it-IT" dirty="0"/>
-              <a:t>Molti oggetti risultano molto piccoli e sfocati, particolarmente difficili da individuare e classificare correttamente</a:t>
+              <a:t>Molti oggetti risultano molto piccoli e sfocati</a:t>
             </a:r>
           </a:p>
           <a:p>
             <a:r>
               <a:rPr lang="it-IT" dirty="0"/>
-              <a:t>AP migliora per tutte le categorie</a:t>
+              <a:t>Metriche mAP e F1 circa al 25%</a:t>
             </a:r>
           </a:p>
           <a:p>
@@ -9507,6 +10905,68 @@
           </a:xfrm>
         </p:spPr>
       </p:pic>
+      <p:sp>
+        <p:nvSpPr>
+          <p:cNvPr id="4" name="Slide Number Placeholder 3">
+            <a:extLst>
+              <a:ext uri="{FF2B5EF4-FFF2-40B4-BE49-F238E27FC236}">
+                <a16:creationId xmlns:a16="http://schemas.microsoft.com/office/drawing/2014/main" id="{818C8ADB-7E27-4B73-BBF3-967EE04B70BB}"/>
+              </a:ext>
+            </a:extLst>
+          </p:cNvPr>
+          <p:cNvSpPr>
+            <a:spLocks noGrp="1"/>
+          </p:cNvSpPr>
+          <p:nvPr>
+            <p:ph type="sldNum" sz="quarter" idx="12"/>
+          </p:nvPr>
+        </p:nvSpPr>
+        <p:spPr/>
+        <p:txBody>
+          <a:bodyPr/>
+          <a:lstStyle/>
+          <a:p>
+            <a:fld id="{D57F1E4F-1CFF-5643-939E-217C01CDF565}" type="slidenum">
+              <a:rPr lang="en-US" smtClean="0"/>
+              <a:pPr/>
+              <a:t>8</a:t>
+            </a:fld>
+            <a:r>
+              <a:rPr lang="en-US" dirty="0"/>
+              <a:t>/13</a:t>
+            </a:r>
+          </a:p>
+        </p:txBody>
+      </p:sp>
+      <p:sp>
+        <p:nvSpPr>
+          <p:cNvPr id="7" name="Footer Placeholder 6">
+            <a:extLst>
+              <a:ext uri="{FF2B5EF4-FFF2-40B4-BE49-F238E27FC236}">
+                <a16:creationId xmlns:a16="http://schemas.microsoft.com/office/drawing/2014/main" id="{95CD7669-E35F-4AD7-97A3-8B94130BDE29}"/>
+              </a:ext>
+            </a:extLst>
+          </p:cNvPr>
+          <p:cNvSpPr>
+            <a:spLocks noGrp="1"/>
+          </p:cNvSpPr>
+          <p:nvPr>
+            <p:ph type="ftr" sz="quarter" idx="11"/>
+          </p:nvPr>
+        </p:nvSpPr>
+        <p:spPr/>
+        <p:txBody>
+          <a:bodyPr/>
+          <a:lstStyle/>
+          <a:p>
+            <a:r>
+              <a:rPr lang="it-IT" sz="1200" dirty="0"/>
+              <a:t>Davide Liu - Riconiscimento e tracciamento di elementi su video ad alta risoluzione</a:t>
+            </a:r>
+            <a:endParaRPr lang="en-US" sz="1200" dirty="0"/>
+          </a:p>
+        </p:txBody>
+      </p:sp>
     </p:spTree>
     <p:extLst>
       <p:ext uri="{BB962C8B-B14F-4D97-AF65-F5344CB8AC3E}">
@@ -9691,6 +11151,68 @@
           </a:prstGeom>
         </p:spPr>
       </p:pic>
+      <p:sp>
+        <p:nvSpPr>
+          <p:cNvPr id="4" name="Slide Number Placeholder 3">
+            <a:extLst>
+              <a:ext uri="{FF2B5EF4-FFF2-40B4-BE49-F238E27FC236}">
+                <a16:creationId xmlns:a16="http://schemas.microsoft.com/office/drawing/2014/main" id="{953CA4E6-0D61-4624-A347-3D5299ED5BE1}"/>
+              </a:ext>
+            </a:extLst>
+          </p:cNvPr>
+          <p:cNvSpPr>
+            <a:spLocks noGrp="1"/>
+          </p:cNvSpPr>
+          <p:nvPr>
+            <p:ph type="sldNum" sz="quarter" idx="12"/>
+          </p:nvPr>
+        </p:nvSpPr>
+        <p:spPr/>
+        <p:txBody>
+          <a:bodyPr/>
+          <a:lstStyle/>
+          <a:p>
+            <a:fld id="{D57F1E4F-1CFF-5643-939E-217C01CDF565}" type="slidenum">
+              <a:rPr lang="en-US" smtClean="0"/>
+              <a:pPr/>
+              <a:t>9</a:t>
+            </a:fld>
+            <a:r>
+              <a:rPr lang="en-US" dirty="0"/>
+              <a:t>/13</a:t>
+            </a:r>
+          </a:p>
+        </p:txBody>
+      </p:sp>
+      <p:sp>
+        <p:nvSpPr>
+          <p:cNvPr id="8" name="Footer Placeholder 7">
+            <a:extLst>
+              <a:ext uri="{FF2B5EF4-FFF2-40B4-BE49-F238E27FC236}">
+                <a16:creationId xmlns:a16="http://schemas.microsoft.com/office/drawing/2014/main" id="{E54C61D6-6A5E-4703-82BD-8A8C517C4447}"/>
+              </a:ext>
+            </a:extLst>
+          </p:cNvPr>
+          <p:cNvSpPr>
+            <a:spLocks noGrp="1"/>
+          </p:cNvSpPr>
+          <p:nvPr>
+            <p:ph type="ftr" sz="quarter" idx="11"/>
+          </p:nvPr>
+        </p:nvSpPr>
+        <p:spPr/>
+        <p:txBody>
+          <a:bodyPr/>
+          <a:lstStyle/>
+          <a:p>
+            <a:r>
+              <a:rPr lang="it-IT" sz="1200" dirty="0"/>
+              <a:t>Davide Liu - Riconiscimento e tracciamento di elementi su video ad alta risoluzione</a:t>
+            </a:r>
+            <a:endParaRPr lang="en-US" sz="1200" dirty="0"/>
+          </a:p>
+        </p:txBody>
+      </p:sp>
     </p:spTree>
     <p:extLst>
       <p:ext uri="{BB962C8B-B14F-4D97-AF65-F5344CB8AC3E}">
@@ -9945,4 +11467,299 @@
     </a:ext>
   </a:extLst>
 </a:theme>
+</file>
+
+<file path=ppt/theme/theme2.xml><?xml version="1.0" encoding="utf-8"?>
+<a:theme xmlns:a="http://schemas.openxmlformats.org/drawingml/2006/main" name="Office Theme">
+  <a:themeElements>
+    <a:clrScheme name="Office">
+      <a:dk1>
+        <a:sysClr val="windowText" lastClr="000000"/>
+      </a:dk1>
+      <a:lt1>
+        <a:sysClr val="window" lastClr="FFFFFF"/>
+      </a:lt1>
+      <a:dk2>
+        <a:srgbClr val="44546A"/>
+      </a:dk2>
+      <a:lt2>
+        <a:srgbClr val="E7E6E6"/>
+      </a:lt2>
+      <a:accent1>
+        <a:srgbClr val="4472C4"/>
+      </a:accent1>
+      <a:accent2>
+        <a:srgbClr val="ED7D31"/>
+      </a:accent2>
+      <a:accent3>
+        <a:srgbClr val="A5A5A5"/>
+      </a:accent3>
+      <a:accent4>
+        <a:srgbClr val="FFC000"/>
+      </a:accent4>
+      <a:accent5>
+        <a:srgbClr val="5B9BD5"/>
+      </a:accent5>
+      <a:accent6>
+        <a:srgbClr val="70AD47"/>
+      </a:accent6>
+      <a:hlink>
+        <a:srgbClr val="0563C1"/>
+      </a:hlink>
+      <a:folHlink>
+        <a:srgbClr val="954F72"/>
+      </a:folHlink>
+    </a:clrScheme>
+    <a:fontScheme name="Office">
+      <a:majorFont>
+        <a:latin typeface="Calibri Light" panose="020F0302020204030204"/>
+        <a:ea typeface=""/>
+        <a:cs typeface=""/>
+        <a:font script="Jpan" typeface="游ゴシック Light"/>
+        <a:font script="Hang" typeface="맑은 고딕"/>
+        <a:font script="Hans" typeface="等线 Light"/>
+        <a:font script="Hant" typeface="新細明體"/>
+        <a:font script="Arab" typeface="Times New Roman"/>
+        <a:font script="Hebr" typeface="Times New Roman"/>
+        <a:font script="Thai" typeface="Angsana New"/>
+        <a:font script="Ethi" typeface="Nyala"/>
+        <a:font script="Beng" typeface="Vrinda"/>
+        <a:font script="Gujr" typeface="Shruti"/>
+        <a:font script="Khmr" typeface="MoolBoran"/>
+        <a:font script="Knda" typeface="Tunga"/>
+        <a:font script="Guru" typeface="Raavi"/>
+        <a:font script="Cans" typeface="Euphemia"/>
+        <a:font script="Cher" typeface="Plantagenet Cherokee"/>
+        <a:font script="Yiii" typeface="Microsoft Yi Baiti"/>
+        <a:font script="Tibt" typeface="Microsoft Himalaya"/>
+        <a:font script="Thaa" typeface="MV Boli"/>
+        <a:font script="Deva" typeface="Mangal"/>
+        <a:font script="Telu" typeface="Gautami"/>
+        <a:font script="Taml" typeface="Latha"/>
+        <a:font script="Syrc" typeface="Estrangelo Edessa"/>
+        <a:font script="Orya" typeface="Kalinga"/>
+        <a:font script="Mlym" typeface="Kartika"/>
+        <a:font script="Laoo" typeface="DokChampa"/>
+        <a:font script="Sinh" typeface="Iskoola Pota"/>
+        <a:font script="Mong" typeface="Mongolian Baiti"/>
+        <a:font script="Viet" typeface="Times New Roman"/>
+        <a:font script="Uigh" typeface="Microsoft Uighur"/>
+        <a:font script="Geor" typeface="Sylfaen"/>
+        <a:font script="Armn" typeface="Arial"/>
+        <a:font script="Bugi" typeface="Leelawadee UI"/>
+        <a:font script="Bopo" typeface="Microsoft JhengHei"/>
+        <a:font script="Java" typeface="Javanese Text"/>
+        <a:font script="Lisu" typeface="Segoe UI"/>
+        <a:font script="Mymr" typeface="Myanmar Text"/>
+        <a:font script="Nkoo" typeface="Ebrima"/>
+        <a:font script="Olck" typeface="Nirmala UI"/>
+        <a:font script="Osma" typeface="Ebrima"/>
+        <a:font script="Phag" typeface="Phagspa"/>
+        <a:font script="Syrn" typeface="Estrangelo Edessa"/>
+        <a:font script="Syrj" typeface="Estrangelo Edessa"/>
+        <a:font script="Syre" typeface="Estrangelo Edessa"/>
+        <a:font script="Sora" typeface="Nirmala UI"/>
+        <a:font script="Tale" typeface="Microsoft Tai Le"/>
+        <a:font script="Talu" typeface="Microsoft New Tai Lue"/>
+        <a:font script="Tfng" typeface="Ebrima"/>
+      </a:majorFont>
+      <a:minorFont>
+        <a:latin typeface="Calibri" panose="020F0502020204030204"/>
+        <a:ea typeface=""/>
+        <a:cs typeface=""/>
+        <a:font script="Jpan" typeface="游ゴシック"/>
+        <a:font script="Hang" typeface="맑은 고딕"/>
+        <a:font script="Hans" typeface="等线"/>
+        <a:font script="Hant" typeface="新細明體"/>
+        <a:font script="Arab" typeface="Arial"/>
+        <a:font script="Hebr" typeface="Arial"/>
+        <a:font script="Thai" typeface="Cordia New"/>
+        <a:font script="Ethi" typeface="Nyala"/>
+        <a:font script="Beng" typeface="Vrinda"/>
+        <a:font script="Gujr" typeface="Shruti"/>
+        <a:font script="Khmr" typeface="DaunPenh"/>
+        <a:font script="Knda" typeface="Tunga"/>
+        <a:font script="Guru" typeface="Raavi"/>
+        <a:font script="Cans" typeface="Euphemia"/>
+        <a:font script="Cher" typeface="Plantagenet Cherokee"/>
+        <a:font script="Yiii" typeface="Microsoft Yi Baiti"/>
+        <a:font script="Tibt" typeface="Microsoft Himalaya"/>
+        <a:font script="Thaa" typeface="MV Boli"/>
+        <a:font script="Deva" typeface="Mangal"/>
+        <a:font script="Telu" typeface="Gautami"/>
+        <a:font script="Taml" typeface="Latha"/>
+        <a:font script="Syrc" typeface="Estrangelo Edessa"/>
+        <a:font script="Orya" typeface="Kalinga"/>
+        <a:font script="Mlym" typeface="Kartika"/>
+        <a:font script="Laoo" typeface="DokChampa"/>
+        <a:font script="Sinh" typeface="Iskoola Pota"/>
+        <a:font script="Mong" typeface="Mongolian Baiti"/>
+        <a:font script="Viet" typeface="Arial"/>
+        <a:font script="Uigh" typeface="Microsoft Uighur"/>
+        <a:font script="Geor" typeface="Sylfaen"/>
+        <a:font script="Armn" typeface="Arial"/>
+        <a:font script="Bugi" typeface="Leelawadee UI"/>
+        <a:font script="Bopo" typeface="Microsoft JhengHei"/>
+        <a:font script="Java" typeface="Javanese Text"/>
+        <a:font script="Lisu" typeface="Segoe UI"/>
+        <a:font script="Mymr" typeface="Myanmar Text"/>
+        <a:font script="Nkoo" typeface="Ebrima"/>
+        <a:font script="Olck" typeface="Nirmala UI"/>
+        <a:font script="Osma" typeface="Ebrima"/>
+        <a:font script="Phag" typeface="Phagspa"/>
+        <a:font script="Syrn" typeface="Estrangelo Edessa"/>
+        <a:font script="Syrj" typeface="Estrangelo Edessa"/>
+        <a:font script="Syre" typeface="Estrangelo Edessa"/>
+        <a:font script="Sora" typeface="Nirmala UI"/>
+        <a:font script="Tale" typeface="Microsoft Tai Le"/>
+        <a:font script="Talu" typeface="Microsoft New Tai Lue"/>
+        <a:font script="Tfng" typeface="Ebrima"/>
+      </a:minorFont>
+    </a:fontScheme>
+    <a:fmtScheme name="Office">
+      <a:fillStyleLst>
+        <a:solidFill>
+          <a:schemeClr val="phClr"/>
+        </a:solidFill>
+        <a:gradFill rotWithShape="1">
+          <a:gsLst>
+            <a:gs pos="0">
+              <a:schemeClr val="phClr">
+                <a:lumMod val="110000"/>
+                <a:satMod val="105000"/>
+                <a:tint val="67000"/>
+              </a:schemeClr>
+            </a:gs>
+            <a:gs pos="50000">
+              <a:schemeClr val="phClr">
+                <a:lumMod val="105000"/>
+                <a:satMod val="103000"/>
+                <a:tint val="73000"/>
+              </a:schemeClr>
+            </a:gs>
+            <a:gs pos="100000">
+              <a:schemeClr val="phClr">
+                <a:lumMod val="105000"/>
+                <a:satMod val="109000"/>
+                <a:tint val="81000"/>
+              </a:schemeClr>
+            </a:gs>
+          </a:gsLst>
+          <a:lin ang="5400000" scaled="0"/>
+        </a:gradFill>
+        <a:gradFill rotWithShape="1">
+          <a:gsLst>
+            <a:gs pos="0">
+              <a:schemeClr val="phClr">
+                <a:satMod val="103000"/>
+                <a:lumMod val="102000"/>
+                <a:tint val="94000"/>
+              </a:schemeClr>
+            </a:gs>
+            <a:gs pos="50000">
+              <a:schemeClr val="phClr">
+                <a:satMod val="110000"/>
+                <a:lumMod val="100000"/>
+                <a:shade val="100000"/>
+              </a:schemeClr>
+            </a:gs>
+            <a:gs pos="100000">
+              <a:schemeClr val="phClr">
+                <a:lumMod val="99000"/>
+                <a:satMod val="120000"/>
+                <a:shade val="78000"/>
+              </a:schemeClr>
+            </a:gs>
+          </a:gsLst>
+          <a:lin ang="5400000" scaled="0"/>
+        </a:gradFill>
+      </a:fillStyleLst>
+      <a:lnStyleLst>
+        <a:ln w="6350" cap="flat" cmpd="sng" algn="ctr">
+          <a:solidFill>
+            <a:schemeClr val="phClr"/>
+          </a:solidFill>
+          <a:prstDash val="solid"/>
+          <a:miter lim="800000"/>
+        </a:ln>
+        <a:ln w="12700" cap="flat" cmpd="sng" algn="ctr">
+          <a:solidFill>
+            <a:schemeClr val="phClr"/>
+          </a:solidFill>
+          <a:prstDash val="solid"/>
+          <a:miter lim="800000"/>
+        </a:ln>
+        <a:ln w="19050" cap="flat" cmpd="sng" algn="ctr">
+          <a:solidFill>
+            <a:schemeClr val="phClr"/>
+          </a:solidFill>
+          <a:prstDash val="solid"/>
+          <a:miter lim="800000"/>
+        </a:ln>
+      </a:lnStyleLst>
+      <a:effectStyleLst>
+        <a:effectStyle>
+          <a:effectLst/>
+        </a:effectStyle>
+        <a:effectStyle>
+          <a:effectLst/>
+        </a:effectStyle>
+        <a:effectStyle>
+          <a:effectLst>
+            <a:outerShdw blurRad="57150" dist="19050" dir="5400000" algn="ctr" rotWithShape="0">
+              <a:srgbClr val="000000">
+                <a:alpha val="63000"/>
+              </a:srgbClr>
+            </a:outerShdw>
+          </a:effectLst>
+        </a:effectStyle>
+      </a:effectStyleLst>
+      <a:bgFillStyleLst>
+        <a:solidFill>
+          <a:schemeClr val="phClr"/>
+        </a:solidFill>
+        <a:solidFill>
+          <a:schemeClr val="phClr">
+            <a:tint val="95000"/>
+            <a:satMod val="170000"/>
+          </a:schemeClr>
+        </a:solidFill>
+        <a:gradFill rotWithShape="1">
+          <a:gsLst>
+            <a:gs pos="0">
+              <a:schemeClr val="phClr">
+                <a:tint val="93000"/>
+                <a:satMod val="150000"/>
+                <a:shade val="98000"/>
+                <a:lumMod val="102000"/>
+              </a:schemeClr>
+            </a:gs>
+            <a:gs pos="50000">
+              <a:schemeClr val="phClr">
+                <a:tint val="98000"/>
+                <a:satMod val="130000"/>
+                <a:shade val="90000"/>
+                <a:lumMod val="103000"/>
+              </a:schemeClr>
+            </a:gs>
+            <a:gs pos="100000">
+              <a:schemeClr val="phClr">
+                <a:shade val="63000"/>
+                <a:satMod val="120000"/>
+              </a:schemeClr>
+            </a:gs>
+          </a:gsLst>
+          <a:lin ang="5400000" scaled="0"/>
+        </a:gradFill>
+      </a:bgFillStyleLst>
+    </a:fmtScheme>
+  </a:themeElements>
+  <a:objectDefaults/>
+  <a:extraClrSchemeLst/>
+  <a:extLst>
+    <a:ext uri="{05A4C25C-085E-4340-85A3-A5531E510DB2}">
+      <thm15:themeFamily xmlns:thm15="http://schemas.microsoft.com/office/thememl/2012/main" name="Office Theme" id="{62F939B6-93AF-4DB8-9C6B-D6C7DFDC589F}" vid="{4A3C46E8-61CC-4603-A589-7422A47A8E4A}"/>
+    </a:ext>
+  </a:extLst>
+</a:theme>
 </file>
--- a/presentazione_tesi.pptx
+++ b/presentazione_tesi.pptx
@@ -2,7 +2,7 @@
 <file path=ppt/presentation.xml><?xml version="1.0" encoding="utf-8"?>
 <p:presentation xmlns:a="http://schemas.openxmlformats.org/drawingml/2006/main" xmlns:r="http://schemas.openxmlformats.org/officeDocument/2006/relationships" xmlns:p="http://schemas.openxmlformats.org/presentationml/2006/main" showSpecialPlsOnTitleSld="0" autoCompressPictures="0">
   <p:sldMasterIdLst>
-    <p:sldMasterId id="2147483648" r:id="rId1"/>
+    <p:sldMasterId id="2147483784" r:id="rId1"/>
   </p:sldMasterIdLst>
   <p:notesMasterIdLst>
     <p:notesMasterId r:id="rId15"/>
@@ -230,7 +230,7 @@
           <a:p>
             <a:fld id="{F3FA8EA5-7220-466D-A42A-B1A3E675658D}" type="datetimeFigureOut">
               <a:rPr lang="it-IT" smtClean="0"/>
-              <a:t>12/07/2019</a:t>
+              <a:t>13/07/2019</a:t>
             </a:fld>
             <a:endParaRPr lang="it-IT"/>
           </a:p>
@@ -818,7 +818,7 @@
           <a:lstStyle/>
           <a:p>
             <a:fld id="{D57F1E4F-1CFF-5643-939E-217C01CDF565}" type="slidenum">
-              <a:rPr lang="en-US" dirty="0"/>
+              <a:rPr lang="en-US" smtClean="0"/>
               <a:pPr/>
               <a:t>‹#›</a:t>
             </a:fld>
@@ -827,6 +827,11 @@
         </p:txBody>
       </p:sp>
     </p:spTree>
+    <p:extLst>
+      <p:ext uri="{BB962C8B-B14F-4D97-AF65-F5344CB8AC3E}">
+        <p14:creationId xmlns:p14="http://schemas.microsoft.com/office/powerpoint/2010/main" val="3675323444"/>
+      </p:ext>
+    </p:extLst>
   </p:cSld>
   <p:clrMapOvr>
     <a:masterClrMapping/>
@@ -1156,7 +1161,7 @@
           <a:lstStyle/>
           <a:p>
             <a:fld id="{D57F1E4F-1CFF-5643-939E-217C01CDF565}" type="slidenum">
-              <a:rPr lang="en-US" dirty="0"/>
+              <a:rPr lang="en-US" smtClean="0"/>
               <a:pPr/>
               <a:t>‹#›</a:t>
             </a:fld>
@@ -1165,6 +1170,11 @@
         </p:txBody>
       </p:sp>
     </p:spTree>
+    <p:extLst>
+      <p:ext uri="{BB962C8B-B14F-4D97-AF65-F5344CB8AC3E}">
+        <p14:creationId xmlns:p14="http://schemas.microsoft.com/office/powerpoint/2010/main" val="236917807"/>
+      </p:ext>
+    </p:extLst>
   </p:cSld>
   <p:clrMapOvr>
     <a:masterClrMapping/>
@@ -1557,7 +1567,7 @@
           <a:lstStyle/>
           <a:p>
             <a:fld id="{D57F1E4F-1CFF-5643-939E-217C01CDF565}" type="slidenum">
-              <a:rPr lang="en-US" dirty="0"/>
+              <a:rPr lang="en-US" smtClean="0"/>
               <a:pPr/>
               <a:t>‹#›</a:t>
             </a:fld>
@@ -1642,6 +1652,11 @@
         </p:txBody>
       </p:sp>
     </p:spTree>
+    <p:extLst>
+      <p:ext uri="{BB962C8B-B14F-4D97-AF65-F5344CB8AC3E}">
+        <p14:creationId xmlns:p14="http://schemas.microsoft.com/office/powerpoint/2010/main" val="2809330271"/>
+      </p:ext>
+    </p:extLst>
   </p:cSld>
   <p:clrMapOvr>
     <a:masterClrMapping/>
@@ -1893,7 +1908,7 @@
           <a:lstStyle/>
           <a:p>
             <a:fld id="{D57F1E4F-1CFF-5643-939E-217C01CDF565}" type="slidenum">
-              <a:rPr lang="en-US" dirty="0"/>
+              <a:rPr lang="en-US" smtClean="0"/>
               <a:pPr/>
               <a:t>‹#›</a:t>
             </a:fld>
@@ -1902,6 +1917,11 @@
         </p:txBody>
       </p:sp>
     </p:spTree>
+    <p:extLst>
+      <p:ext uri="{BB962C8B-B14F-4D97-AF65-F5344CB8AC3E}">
+        <p14:creationId xmlns:p14="http://schemas.microsoft.com/office/powerpoint/2010/main" val="3860537852"/>
+      </p:ext>
+    </p:extLst>
   </p:cSld>
   <p:clrMapOvr>
     <a:masterClrMapping/>
@@ -2213,7 +2233,7 @@
           <a:lstStyle/>
           <a:p>
             <a:fld id="{D57F1E4F-1CFF-5643-939E-217C01CDF565}" type="slidenum">
-              <a:rPr lang="en-US" dirty="0"/>
+              <a:rPr lang="en-US" smtClean="0"/>
               <a:pPr/>
               <a:t>‹#›</a:t>
             </a:fld>
@@ -2298,6 +2318,11 @@
         </p:txBody>
       </p:sp>
     </p:spTree>
+    <p:extLst>
+      <p:ext uri="{BB962C8B-B14F-4D97-AF65-F5344CB8AC3E}">
+        <p14:creationId xmlns:p14="http://schemas.microsoft.com/office/powerpoint/2010/main" val="3225673718"/>
+      </p:ext>
+    </p:extLst>
   </p:cSld>
   <p:clrMapOvr>
     <a:masterClrMapping/>
@@ -2609,7 +2634,7 @@
           <a:lstStyle/>
           <a:p>
             <a:fld id="{D57F1E4F-1CFF-5643-939E-217C01CDF565}" type="slidenum">
-              <a:rPr lang="en-US" dirty="0"/>
+              <a:rPr lang="en-US" smtClean="0"/>
               <a:pPr/>
               <a:t>‹#›</a:t>
             </a:fld>
@@ -2618,6 +2643,11 @@
         </p:txBody>
       </p:sp>
     </p:spTree>
+    <p:extLst>
+      <p:ext uri="{BB962C8B-B14F-4D97-AF65-F5344CB8AC3E}">
+        <p14:creationId xmlns:p14="http://schemas.microsoft.com/office/powerpoint/2010/main" val="3699625244"/>
+      </p:ext>
+    </p:extLst>
   </p:cSld>
   <p:clrMapOvr>
     <a:masterClrMapping/>
@@ -2861,7 +2891,7 @@
           <a:lstStyle/>
           <a:p>
             <a:fld id="{D57F1E4F-1CFF-5643-939E-217C01CDF565}" type="slidenum">
-              <a:rPr lang="en-US" dirty="0"/>
+              <a:rPr lang="en-US" smtClean="0"/>
               <a:pPr/>
               <a:t>‹#›</a:t>
             </a:fld>
@@ -2870,6 +2900,11 @@
         </p:txBody>
       </p:sp>
     </p:spTree>
+    <p:extLst>
+      <p:ext uri="{BB962C8B-B14F-4D97-AF65-F5344CB8AC3E}">
+        <p14:creationId xmlns:p14="http://schemas.microsoft.com/office/powerpoint/2010/main" val="3186860132"/>
+      </p:ext>
+    </p:extLst>
   </p:cSld>
   <p:clrMapOvr>
     <a:masterClrMapping/>
@@ -3123,7 +3158,7 @@
           <a:lstStyle/>
           <a:p>
             <a:fld id="{D57F1E4F-1CFF-5643-939E-217C01CDF565}" type="slidenum">
-              <a:rPr lang="en-US" dirty="0"/>
+              <a:rPr lang="en-US" smtClean="0"/>
               <a:pPr/>
               <a:t>‹#›</a:t>
             </a:fld>
@@ -3132,6 +3167,11 @@
         </p:txBody>
       </p:sp>
     </p:spTree>
+    <p:extLst>
+      <p:ext uri="{BB962C8B-B14F-4D97-AF65-F5344CB8AC3E}">
+        <p14:creationId xmlns:p14="http://schemas.microsoft.com/office/powerpoint/2010/main" val="1789133272"/>
+      </p:ext>
+    </p:extLst>
   </p:cSld>
   <p:clrMapOvr>
     <a:masterClrMapping/>
@@ -3385,7 +3425,7 @@
           <a:lstStyle/>
           <a:p>
             <a:fld id="{D57F1E4F-1CFF-5643-939E-217C01CDF565}" type="slidenum">
-              <a:rPr lang="en-US" dirty="0"/>
+              <a:rPr lang="en-US" smtClean="0"/>
               <a:pPr/>
               <a:t>‹#›</a:t>
             </a:fld>
@@ -3394,6 +3434,11 @@
         </p:txBody>
       </p:sp>
     </p:spTree>
+    <p:extLst>
+      <p:ext uri="{BB962C8B-B14F-4D97-AF65-F5344CB8AC3E}">
+        <p14:creationId xmlns:p14="http://schemas.microsoft.com/office/powerpoint/2010/main" val="1401728931"/>
+      </p:ext>
+    </p:extLst>
   </p:cSld>
   <p:clrMapOvr>
     <a:masterClrMapping/>
@@ -3719,7 +3764,7 @@
           <a:lstStyle/>
           <a:p>
             <a:fld id="{D57F1E4F-1CFF-5643-939E-217C01CDF565}" type="slidenum">
-              <a:rPr lang="en-US" dirty="0"/>
+              <a:rPr lang="en-US" smtClean="0"/>
               <a:pPr/>
               <a:t>‹#›</a:t>
             </a:fld>
@@ -3728,6 +3773,11 @@
         </p:txBody>
       </p:sp>
     </p:spTree>
+    <p:extLst>
+      <p:ext uri="{BB962C8B-B14F-4D97-AF65-F5344CB8AC3E}">
+        <p14:creationId xmlns:p14="http://schemas.microsoft.com/office/powerpoint/2010/main" val="3185749281"/>
+      </p:ext>
+    </p:extLst>
   </p:cSld>
   <p:clrMapOvr>
     <a:masterClrMapping/>
@@ -4042,7 +4092,7 @@
           <a:lstStyle/>
           <a:p>
             <a:fld id="{D57F1E4F-1CFF-5643-939E-217C01CDF565}" type="slidenum">
-              <a:rPr lang="en-US" dirty="0"/>
+              <a:rPr lang="en-US" smtClean="0"/>
               <a:pPr/>
               <a:t>‹#›</a:t>
             </a:fld>
@@ -4051,6 +4101,11 @@
         </p:txBody>
       </p:sp>
     </p:spTree>
+    <p:extLst>
+      <p:ext uri="{BB962C8B-B14F-4D97-AF65-F5344CB8AC3E}">
+        <p14:creationId xmlns:p14="http://schemas.microsoft.com/office/powerpoint/2010/main" val="1477382850"/>
+      </p:ext>
+    </p:extLst>
   </p:cSld>
   <p:clrMapOvr>
     <a:masterClrMapping/>
@@ -4499,7 +4554,7 @@
           <a:lstStyle/>
           <a:p>
             <a:fld id="{D57F1E4F-1CFF-5643-939E-217C01CDF565}" type="slidenum">
-              <a:rPr lang="en-US" dirty="0"/>
+              <a:rPr lang="en-US" smtClean="0"/>
               <a:pPr/>
               <a:t>‹#›</a:t>
             </a:fld>
@@ -4508,6 +4563,11 @@
         </p:txBody>
       </p:sp>
     </p:spTree>
+    <p:extLst>
+      <p:ext uri="{BB962C8B-B14F-4D97-AF65-F5344CB8AC3E}">
+        <p14:creationId xmlns:p14="http://schemas.microsoft.com/office/powerpoint/2010/main" val="296634917"/>
+      </p:ext>
+    </p:extLst>
   </p:cSld>
   <p:clrMapOvr>
     <a:masterClrMapping/>
@@ -4699,7 +4759,7 @@
           <a:lstStyle/>
           <a:p>
             <a:fld id="{D57F1E4F-1CFF-5643-939E-217C01CDF565}" type="slidenum">
-              <a:rPr lang="en-US" dirty="0"/>
+              <a:rPr lang="en-US" smtClean="0"/>
               <a:pPr/>
               <a:t>‹#›</a:t>
             </a:fld>
@@ -4708,6 +4768,11 @@
         </p:txBody>
       </p:sp>
     </p:spTree>
+    <p:extLst>
+      <p:ext uri="{BB962C8B-B14F-4D97-AF65-F5344CB8AC3E}">
+        <p14:creationId xmlns:p14="http://schemas.microsoft.com/office/powerpoint/2010/main" val="2865059674"/>
+      </p:ext>
+    </p:extLst>
   </p:cSld>
   <p:clrMapOvr>
     <a:masterClrMapping/>
@@ -4876,7 +4941,7 @@
           <a:lstStyle/>
           <a:p>
             <a:fld id="{D57F1E4F-1CFF-5643-939E-217C01CDF565}" type="slidenum">
-              <a:rPr lang="en-US" dirty="0"/>
+              <a:rPr lang="en-US" smtClean="0"/>
               <a:pPr/>
               <a:t>‹#›</a:t>
             </a:fld>
@@ -4885,6 +4950,11 @@
         </p:txBody>
       </p:sp>
     </p:spTree>
+    <p:extLst>
+      <p:ext uri="{BB962C8B-B14F-4D97-AF65-F5344CB8AC3E}">
+        <p14:creationId xmlns:p14="http://schemas.microsoft.com/office/powerpoint/2010/main" val="2337319129"/>
+      </p:ext>
+    </p:extLst>
   </p:cSld>
   <p:clrMapOvr>
     <a:masterClrMapping/>
@@ -5209,7 +5279,7 @@
           <a:lstStyle/>
           <a:p>
             <a:fld id="{D57F1E4F-1CFF-5643-939E-217C01CDF565}" type="slidenum">
-              <a:rPr lang="en-US" dirty="0"/>
+              <a:rPr lang="en-US" smtClean="0"/>
               <a:pPr/>
               <a:t>‹#›</a:t>
             </a:fld>
@@ -5218,6 +5288,11 @@
         </p:txBody>
       </p:sp>
     </p:spTree>
+    <p:extLst>
+      <p:ext uri="{BB962C8B-B14F-4D97-AF65-F5344CB8AC3E}">
+        <p14:creationId xmlns:p14="http://schemas.microsoft.com/office/powerpoint/2010/main" val="1218914210"/>
+      </p:ext>
+    </p:extLst>
   </p:cSld>
   <p:clrMapOvr>
     <a:masterClrMapping/>
@@ -5559,7 +5634,7 @@
           <a:lstStyle/>
           <a:p>
             <a:fld id="{D57F1E4F-1CFF-5643-939E-217C01CDF565}" type="slidenum">
-              <a:rPr lang="en-US" dirty="0"/>
+              <a:rPr lang="en-US" smtClean="0"/>
               <a:pPr/>
               <a:t>‹#›</a:t>
             </a:fld>
@@ -5568,6 +5643,11 @@
         </p:txBody>
       </p:sp>
     </p:spTree>
+    <p:extLst>
+      <p:ext uri="{BB962C8B-B14F-4D97-AF65-F5344CB8AC3E}">
+        <p14:creationId xmlns:p14="http://schemas.microsoft.com/office/powerpoint/2010/main" val="3961124201"/>
+      </p:ext>
+    </p:extLst>
   </p:cSld>
   <p:clrMapOvr>
     <a:masterClrMapping/>
@@ -7623,7 +7703,7 @@
           </a:lstStyle>
           <a:p>
             <a:fld id="{D57F1E4F-1CFF-5643-939E-217C01CDF565}" type="slidenum">
-              <a:rPr lang="en-US" dirty="0"/>
+              <a:rPr lang="en-US" smtClean="0"/>
               <a:pPr/>
               <a:t>‹#›</a:t>
             </a:fld>
@@ -7632,25 +7712,30 @@
         </p:txBody>
       </p:sp>
     </p:spTree>
+    <p:extLst>
+      <p:ext uri="{BB962C8B-B14F-4D97-AF65-F5344CB8AC3E}">
+        <p14:creationId xmlns:p14="http://schemas.microsoft.com/office/powerpoint/2010/main" val="3953445249"/>
+      </p:ext>
+    </p:extLst>
   </p:cSld>
   <p:clrMap bg1="lt1" tx1="dk1" bg2="lt2" tx2="dk2" accent1="accent1" accent2="accent2" accent3="accent3" accent4="accent4" accent5="accent5" accent6="accent6" hlink="hlink" folHlink="folHlink"/>
   <p:sldLayoutIdLst>
-    <p:sldLayoutId id="2147483649" r:id="rId1"/>
-    <p:sldLayoutId id="2147483650" r:id="rId2"/>
-    <p:sldLayoutId id="2147483651" r:id="rId3"/>
-    <p:sldLayoutId id="2147483652" r:id="rId4"/>
-    <p:sldLayoutId id="2147483653" r:id="rId5"/>
-    <p:sldLayoutId id="2147483654" r:id="rId6"/>
-    <p:sldLayoutId id="2147483655" r:id="rId7"/>
-    <p:sldLayoutId id="2147483656" r:id="rId8"/>
-    <p:sldLayoutId id="2147483657" r:id="rId9"/>
-    <p:sldLayoutId id="2147483660" r:id="rId10"/>
-    <p:sldLayoutId id="2147483661" r:id="rId11"/>
-    <p:sldLayoutId id="2147483662" r:id="rId12"/>
-    <p:sldLayoutId id="2147483663" r:id="rId13"/>
-    <p:sldLayoutId id="2147483664" r:id="rId14"/>
-    <p:sldLayoutId id="2147483658" r:id="rId15"/>
-    <p:sldLayoutId id="2147483659" r:id="rId16"/>
+    <p:sldLayoutId id="2147483785" r:id="rId1"/>
+    <p:sldLayoutId id="2147483786" r:id="rId2"/>
+    <p:sldLayoutId id="2147483787" r:id="rId3"/>
+    <p:sldLayoutId id="2147483788" r:id="rId4"/>
+    <p:sldLayoutId id="2147483789" r:id="rId5"/>
+    <p:sldLayoutId id="2147483790" r:id="rId6"/>
+    <p:sldLayoutId id="2147483791" r:id="rId7"/>
+    <p:sldLayoutId id="2147483792" r:id="rId8"/>
+    <p:sldLayoutId id="2147483793" r:id="rId9"/>
+    <p:sldLayoutId id="2147483794" r:id="rId10"/>
+    <p:sldLayoutId id="2147483795" r:id="rId11"/>
+    <p:sldLayoutId id="2147483796" r:id="rId12"/>
+    <p:sldLayoutId id="2147483797" r:id="rId13"/>
+    <p:sldLayoutId id="2147483798" r:id="rId14"/>
+    <p:sldLayoutId id="2147483799" r:id="rId15"/>
+    <p:sldLayoutId id="2147483800" r:id="rId16"/>
   </p:sldLayoutIdLst>
   <p:hf hdr="0" dt="0"/>
   <p:txStyles>
@@ -8166,7 +8251,7 @@
         </p:nvSpPr>
         <p:spPr>
           <a:xfrm>
-            <a:off x="3266983" y="4766011"/>
+            <a:off x="3916202" y="4766011"/>
             <a:ext cx="6249879" cy="1569660"/>
           </a:xfrm>
           <a:prstGeom prst="rect">
@@ -8239,6 +8324,18 @@
   <p:clrMapOvr>
     <a:masterClrMapping/>
   </p:clrMapOvr>
+  <mc:AlternateContent xmlns:mc="http://schemas.openxmlformats.org/markup-compatibility/2006" xmlns:p14="http://schemas.microsoft.com/office/powerpoint/2010/main">
+    <mc:Choice Requires="p14">
+      <p:transition spd="med" p14:dur="700">
+        <p:fade/>
+      </p:transition>
+    </mc:Choice>
+    <mc:Fallback xmlns="">
+      <p:transition spd="med">
+        <p:fade/>
+      </p:transition>
+    </mc:Fallback>
+  </mc:AlternateContent>
 </p:sld>
 </file>
 
@@ -8346,6 +8443,73 @@
             <a:r>
               <a:rPr lang="it-IT" dirty="0"/>
               <a:t>Assegnare ad ogni tracker il rispettivo oggetto tracciato individuato tramite la nuova detection</a:t>
+            </a:r>
+          </a:p>
+        </p:txBody>
+      </p:sp>
+      <p:sp>
+        <p:nvSpPr>
+          <p:cNvPr id="19" name="Footer Placeholder 18">
+            <a:extLst>
+              <a:ext uri="{FF2B5EF4-FFF2-40B4-BE49-F238E27FC236}">
+                <a16:creationId xmlns:a16="http://schemas.microsoft.com/office/drawing/2014/main" id="{09BFC5CA-FAB3-4DF2-B808-73CDF727869C}"/>
+              </a:ext>
+            </a:extLst>
+          </p:cNvPr>
+          <p:cNvSpPr>
+            <a:spLocks noGrp="1"/>
+          </p:cNvSpPr>
+          <p:nvPr>
+            <p:ph type="ftr" sz="quarter" idx="11"/>
+          </p:nvPr>
+        </p:nvSpPr>
+        <p:spPr/>
+        <p:txBody>
+          <a:bodyPr/>
+          <a:lstStyle/>
+          <a:p>
+            <a:r>
+              <a:rPr lang="it-IT" sz="1200" dirty="0"/>
+              <a:t>Davide Liu - Riconiscimento e tracciamento di elementi su video ad alta risoluzione</a:t>
+            </a:r>
+            <a:endParaRPr lang="en-US" sz="1200" dirty="0"/>
+          </a:p>
+        </p:txBody>
+      </p:sp>
+      <p:sp>
+        <p:nvSpPr>
+          <p:cNvPr id="16" name="Slide Number Placeholder 15">
+            <a:extLst>
+              <a:ext uri="{FF2B5EF4-FFF2-40B4-BE49-F238E27FC236}">
+                <a16:creationId xmlns:a16="http://schemas.microsoft.com/office/drawing/2014/main" id="{F8B14E97-D1D1-4B31-ACF0-79D396465D85}"/>
+              </a:ext>
+            </a:extLst>
+          </p:cNvPr>
+          <p:cNvSpPr>
+            <a:spLocks noGrp="1"/>
+          </p:cNvSpPr>
+          <p:nvPr>
+            <p:ph type="sldNum" sz="quarter" idx="12"/>
+          </p:nvPr>
+        </p:nvSpPr>
+        <p:spPr>
+          <a:xfrm>
+            <a:off x="257452" y="787782"/>
+            <a:ext cx="1054128" cy="365125"/>
+          </a:xfrm>
+        </p:spPr>
+        <p:txBody>
+          <a:bodyPr/>
+          <a:lstStyle/>
+          <a:p>
+            <a:fld id="{D57F1E4F-1CFF-5643-939E-217C01CDF565}" type="slidenum">
+              <a:rPr lang="en-US" smtClean="0"/>
+              <a:pPr/>
+              <a:t>10</a:t>
+            </a:fld>
+            <a:r>
+              <a:rPr lang="en-US" dirty="0"/>
+              <a:t>/13</a:t>
             </a:r>
           </a:p>
         </p:txBody>
@@ -8590,73 +8754,6 @@
           </a:p>
         </p:txBody>
       </p:sp>
-      <p:sp>
-        <p:nvSpPr>
-          <p:cNvPr id="16" name="Slide Number Placeholder 15">
-            <a:extLst>
-              <a:ext uri="{FF2B5EF4-FFF2-40B4-BE49-F238E27FC236}">
-                <a16:creationId xmlns:a16="http://schemas.microsoft.com/office/drawing/2014/main" id="{F8B14E97-D1D1-4B31-ACF0-79D396465D85}"/>
-              </a:ext>
-            </a:extLst>
-          </p:cNvPr>
-          <p:cNvSpPr>
-            <a:spLocks noGrp="1"/>
-          </p:cNvSpPr>
-          <p:nvPr>
-            <p:ph type="sldNum" sz="quarter" idx="12"/>
-          </p:nvPr>
-        </p:nvSpPr>
-        <p:spPr>
-          <a:xfrm>
-            <a:off x="257452" y="787782"/>
-            <a:ext cx="1054128" cy="365125"/>
-          </a:xfrm>
-        </p:spPr>
-        <p:txBody>
-          <a:bodyPr/>
-          <a:lstStyle/>
-          <a:p>
-            <a:fld id="{D57F1E4F-1CFF-5643-939E-217C01CDF565}" type="slidenum">
-              <a:rPr lang="en-US" smtClean="0"/>
-              <a:pPr/>
-              <a:t>10</a:t>
-            </a:fld>
-            <a:r>
-              <a:rPr lang="en-US" dirty="0"/>
-              <a:t>/13</a:t>
-            </a:r>
-          </a:p>
-        </p:txBody>
-      </p:sp>
-      <p:sp>
-        <p:nvSpPr>
-          <p:cNvPr id="19" name="Footer Placeholder 18">
-            <a:extLst>
-              <a:ext uri="{FF2B5EF4-FFF2-40B4-BE49-F238E27FC236}">
-                <a16:creationId xmlns:a16="http://schemas.microsoft.com/office/drawing/2014/main" id="{09BFC5CA-FAB3-4DF2-B808-73CDF727869C}"/>
-              </a:ext>
-            </a:extLst>
-          </p:cNvPr>
-          <p:cNvSpPr>
-            <a:spLocks noGrp="1"/>
-          </p:cNvSpPr>
-          <p:nvPr>
-            <p:ph type="ftr" sz="quarter" idx="11"/>
-          </p:nvPr>
-        </p:nvSpPr>
-        <p:spPr/>
-        <p:txBody>
-          <a:bodyPr/>
-          <a:lstStyle/>
-          <a:p>
-            <a:r>
-              <a:rPr lang="it-IT" sz="1200" dirty="0"/>
-              <a:t>Davide Liu - Riconiscimento e tracciamento di elementi su video ad alta risoluzione</a:t>
-            </a:r>
-            <a:endParaRPr lang="en-US" sz="1200" dirty="0"/>
-          </a:p>
-        </p:txBody>
-      </p:sp>
     </p:spTree>
     <p:extLst>
       <p:ext uri="{BB962C8B-B14F-4D97-AF65-F5344CB8AC3E}">
@@ -8726,12 +8823,7 @@
             <p:ph type="title"/>
           </p:nvPr>
         </p:nvSpPr>
-        <p:spPr>
-          <a:xfrm>
-            <a:off x="2592925" y="624110"/>
-            <a:ext cx="8911687" cy="1280890"/>
-          </a:xfrm>
-        </p:spPr>
+        <p:spPr/>
         <p:txBody>
           <a:bodyPr>
             <a:normAutofit/>
@@ -8780,7 +8872,7 @@
             </a:pPr>
             <a:r>
               <a:rPr lang="it-IT" dirty="0"/>
-              <a:t>Calcolare un valore di similarià per ogni coppia tracker-detection:</a:t>
+              <a:t>Calcolare un valore di similarità per ogni coppia tracker-detection:</a:t>
             </a:r>
           </a:p>
           <a:p>
@@ -8830,7 +8922,7 @@
             </a:pPr>
             <a:r>
               <a:rPr lang="it-IT" dirty="0"/>
-              <a:t>Effettuare gli assegnamenti massimizzando il valore di similarità:</a:t>
+              <a:t>Effettuare gli assegnamenti massimizzando il valore di similarità</a:t>
             </a:r>
           </a:p>
           <a:p>
@@ -8853,6 +8945,73 @@
             <a:r>
               <a:rPr lang="it-IT" dirty="0"/>
               <a:t>Cancellare i trackers che da troppo frames non sono più stati assegnati</a:t>
+            </a:r>
+          </a:p>
+        </p:txBody>
+      </p:sp>
+      <p:sp>
+        <p:nvSpPr>
+          <p:cNvPr id="8" name="Footer Placeholder 7">
+            <a:extLst>
+              <a:ext uri="{FF2B5EF4-FFF2-40B4-BE49-F238E27FC236}">
+                <a16:creationId xmlns:a16="http://schemas.microsoft.com/office/drawing/2014/main" id="{630746EB-975D-4C3A-BBA7-B83AD5BAFE62}"/>
+              </a:ext>
+            </a:extLst>
+          </p:cNvPr>
+          <p:cNvSpPr>
+            <a:spLocks noGrp="1"/>
+          </p:cNvSpPr>
+          <p:nvPr>
+            <p:ph type="ftr" sz="quarter" idx="11"/>
+          </p:nvPr>
+        </p:nvSpPr>
+        <p:spPr/>
+        <p:txBody>
+          <a:bodyPr/>
+          <a:lstStyle/>
+          <a:p>
+            <a:r>
+              <a:rPr lang="it-IT" sz="1200" dirty="0"/>
+              <a:t>Davide Liu - Riconiscimento e tracciamento di elementi su video ad alta risoluzione</a:t>
+            </a:r>
+            <a:endParaRPr lang="en-US" sz="1200" dirty="0"/>
+          </a:p>
+        </p:txBody>
+      </p:sp>
+      <p:sp>
+        <p:nvSpPr>
+          <p:cNvPr id="5" name="Slide Number Placeholder 4">
+            <a:extLst>
+              <a:ext uri="{FF2B5EF4-FFF2-40B4-BE49-F238E27FC236}">
+                <a16:creationId xmlns:a16="http://schemas.microsoft.com/office/drawing/2014/main" id="{0CDA9ED0-F0E4-4A99-A7FF-75BCC54C9EC8}"/>
+              </a:ext>
+            </a:extLst>
+          </p:cNvPr>
+          <p:cNvSpPr>
+            <a:spLocks noGrp="1"/>
+          </p:cNvSpPr>
+          <p:nvPr>
+            <p:ph type="sldNum" sz="quarter" idx="12"/>
+          </p:nvPr>
+        </p:nvSpPr>
+        <p:spPr>
+          <a:xfrm>
+            <a:off x="239698" y="787782"/>
+            <a:ext cx="1071882" cy="365125"/>
+          </a:xfrm>
+        </p:spPr>
+        <p:txBody>
+          <a:bodyPr/>
+          <a:lstStyle/>
+          <a:p>
+            <a:fld id="{D57F1E4F-1CFF-5643-939E-217C01CDF565}" type="slidenum">
+              <a:rPr lang="en-US" smtClean="0"/>
+              <a:pPr/>
+              <a:t>11</a:t>
+            </a:fld>
+            <a:r>
+              <a:rPr lang="en-US" dirty="0"/>
+              <a:t>/13</a:t>
             </a:r>
           </a:p>
         </p:txBody>
@@ -8887,73 +9046,6 @@
           </a:prstGeom>
         </p:spPr>
       </p:pic>
-      <p:sp>
-        <p:nvSpPr>
-          <p:cNvPr id="5" name="Slide Number Placeholder 4">
-            <a:extLst>
-              <a:ext uri="{FF2B5EF4-FFF2-40B4-BE49-F238E27FC236}">
-                <a16:creationId xmlns:a16="http://schemas.microsoft.com/office/drawing/2014/main" id="{0CDA9ED0-F0E4-4A99-A7FF-75BCC54C9EC8}"/>
-              </a:ext>
-            </a:extLst>
-          </p:cNvPr>
-          <p:cNvSpPr>
-            <a:spLocks noGrp="1"/>
-          </p:cNvSpPr>
-          <p:nvPr>
-            <p:ph type="sldNum" sz="quarter" idx="12"/>
-          </p:nvPr>
-        </p:nvSpPr>
-        <p:spPr>
-          <a:xfrm>
-            <a:off x="239698" y="787782"/>
-            <a:ext cx="1071882" cy="365125"/>
-          </a:xfrm>
-        </p:spPr>
-        <p:txBody>
-          <a:bodyPr/>
-          <a:lstStyle/>
-          <a:p>
-            <a:fld id="{D57F1E4F-1CFF-5643-939E-217C01CDF565}" type="slidenum">
-              <a:rPr lang="en-US" smtClean="0"/>
-              <a:pPr/>
-              <a:t>11</a:t>
-            </a:fld>
-            <a:r>
-              <a:rPr lang="en-US" dirty="0"/>
-              <a:t>/13</a:t>
-            </a:r>
-          </a:p>
-        </p:txBody>
-      </p:sp>
-      <p:sp>
-        <p:nvSpPr>
-          <p:cNvPr id="8" name="Footer Placeholder 7">
-            <a:extLst>
-              <a:ext uri="{FF2B5EF4-FFF2-40B4-BE49-F238E27FC236}">
-                <a16:creationId xmlns:a16="http://schemas.microsoft.com/office/drawing/2014/main" id="{630746EB-975D-4C3A-BBA7-B83AD5BAFE62}"/>
-              </a:ext>
-            </a:extLst>
-          </p:cNvPr>
-          <p:cNvSpPr>
-            <a:spLocks noGrp="1"/>
-          </p:cNvSpPr>
-          <p:nvPr>
-            <p:ph type="ftr" sz="quarter" idx="11"/>
-          </p:nvPr>
-        </p:nvSpPr>
-        <p:spPr/>
-        <p:txBody>
-          <a:bodyPr/>
-          <a:lstStyle/>
-          <a:p>
-            <a:r>
-              <a:rPr lang="it-IT" sz="1200" dirty="0"/>
-              <a:t>Davide Liu - Riconiscimento e tracciamento di elementi su video ad alta risoluzione</a:t>
-            </a:r>
-            <a:endParaRPr lang="en-US" sz="1200" dirty="0"/>
-          </a:p>
-        </p:txBody>
-      </p:sp>
     </p:spTree>
     <p:extLst>
       <p:ext uri="{BB962C8B-B14F-4D97-AF65-F5344CB8AC3E}">
@@ -9053,7 +9145,7 @@
             </a:pPr>
             <a:r>
               <a:rPr lang="it-IT" sz="1800" dirty="0"/>
-              <a:t>Detections molto più semplici rispetto al predente dataset</a:t>
+              <a:t>Detections molto più semplici rispetto al precedente dataset</a:t>
             </a:r>
           </a:p>
           <a:p>
@@ -9073,6 +9165,35 @@
               <a:rPr lang="it-IT" dirty="0"/>
               <a:t>Aumentando la qualità della detection aumenta anche la qualità del tracking</a:t>
             </a:r>
+          </a:p>
+        </p:txBody>
+      </p:sp>
+      <p:sp>
+        <p:nvSpPr>
+          <p:cNvPr id="7" name="Footer Placeholder 6">
+            <a:extLst>
+              <a:ext uri="{FF2B5EF4-FFF2-40B4-BE49-F238E27FC236}">
+                <a16:creationId xmlns:a16="http://schemas.microsoft.com/office/drawing/2014/main" id="{B85244EA-7240-4855-AEA1-12F68C99AD59}"/>
+              </a:ext>
+            </a:extLst>
+          </p:cNvPr>
+          <p:cNvSpPr>
+            <a:spLocks noGrp="1"/>
+          </p:cNvSpPr>
+          <p:nvPr>
+            <p:ph type="ftr" sz="quarter" idx="11"/>
+          </p:nvPr>
+        </p:nvSpPr>
+        <p:spPr/>
+        <p:txBody>
+          <a:bodyPr/>
+          <a:lstStyle/>
+          <a:p>
+            <a:r>
+              <a:rPr lang="it-IT" sz="1200" dirty="0"/>
+              <a:t>Davide Liu - Riconiscimento e tracciamento di elementi su video ad alta risoluzione</a:t>
+            </a:r>
+            <a:endParaRPr lang="en-US" sz="1200" dirty="0"/>
           </a:p>
         </p:txBody>
       </p:sp>
@@ -9111,35 +9232,6 @@
               <a:rPr lang="en-US" dirty="0"/>
               <a:t>/13</a:t>
             </a:r>
-          </a:p>
-        </p:txBody>
-      </p:sp>
-      <p:sp>
-        <p:nvSpPr>
-          <p:cNvPr id="7" name="Footer Placeholder 6">
-            <a:extLst>
-              <a:ext uri="{FF2B5EF4-FFF2-40B4-BE49-F238E27FC236}">
-                <a16:creationId xmlns:a16="http://schemas.microsoft.com/office/drawing/2014/main" id="{B85244EA-7240-4855-AEA1-12F68C99AD59}"/>
-              </a:ext>
-            </a:extLst>
-          </p:cNvPr>
-          <p:cNvSpPr>
-            <a:spLocks noGrp="1"/>
-          </p:cNvSpPr>
-          <p:nvPr>
-            <p:ph type="ftr" sz="quarter" idx="11"/>
-          </p:nvPr>
-        </p:nvSpPr>
-        <p:spPr/>
-        <p:txBody>
-          <a:bodyPr/>
-          <a:lstStyle/>
-          <a:p>
-            <a:r>
-              <a:rPr lang="it-IT" sz="1200" dirty="0"/>
-              <a:t>Davide Liu - Riconiscimento e tracciamento di elementi su video ad alta risoluzione</a:t>
-            </a:r>
-            <a:endParaRPr lang="en-US" sz="1200" dirty="0"/>
           </a:p>
         </p:txBody>
       </p:sp>
@@ -9175,6 +9267,73 @@
       </p:grpSpPr>
       <p:sp>
         <p:nvSpPr>
+          <p:cNvPr id="6" name="Footer Placeholder 5">
+            <a:extLst>
+              <a:ext uri="{FF2B5EF4-FFF2-40B4-BE49-F238E27FC236}">
+                <a16:creationId xmlns:a16="http://schemas.microsoft.com/office/drawing/2014/main" id="{BD72917A-8033-4EA7-9F06-6ABD4CD18D29}"/>
+              </a:ext>
+            </a:extLst>
+          </p:cNvPr>
+          <p:cNvSpPr>
+            <a:spLocks noGrp="1"/>
+          </p:cNvSpPr>
+          <p:nvPr>
+            <p:ph type="ftr" sz="quarter" idx="11"/>
+          </p:nvPr>
+        </p:nvSpPr>
+        <p:spPr/>
+        <p:txBody>
+          <a:bodyPr/>
+          <a:lstStyle/>
+          <a:p>
+            <a:r>
+              <a:rPr lang="it-IT" sz="1200" dirty="0"/>
+              <a:t>Davide Liu - Riconiscimento e tracciamento di elementi su video ad alta risoluzione</a:t>
+            </a:r>
+            <a:endParaRPr lang="en-US" sz="1200" dirty="0"/>
+          </a:p>
+        </p:txBody>
+      </p:sp>
+      <p:sp>
+        <p:nvSpPr>
+          <p:cNvPr id="3" name="Slide Number Placeholder 2">
+            <a:extLst>
+              <a:ext uri="{FF2B5EF4-FFF2-40B4-BE49-F238E27FC236}">
+                <a16:creationId xmlns:a16="http://schemas.microsoft.com/office/drawing/2014/main" id="{BB593056-E5CE-455F-BA6D-4A8B657303A2}"/>
+              </a:ext>
+            </a:extLst>
+          </p:cNvPr>
+          <p:cNvSpPr>
+            <a:spLocks noGrp="1"/>
+          </p:cNvSpPr>
+          <p:nvPr>
+            <p:ph type="sldNum" sz="quarter" idx="12"/>
+          </p:nvPr>
+        </p:nvSpPr>
+        <p:spPr>
+          <a:xfrm>
+            <a:off x="239698" y="787782"/>
+            <a:ext cx="1071882" cy="365125"/>
+          </a:xfrm>
+        </p:spPr>
+        <p:txBody>
+          <a:bodyPr/>
+          <a:lstStyle/>
+          <a:p>
+            <a:fld id="{D57F1E4F-1CFF-5643-939E-217C01CDF565}" type="slidenum">
+              <a:rPr lang="en-US" smtClean="0"/>
+              <a:pPr/>
+              <a:t>13</a:t>
+            </a:fld>
+            <a:r>
+              <a:rPr lang="en-US" dirty="0"/>
+              <a:t>/13</a:t>
+            </a:r>
+          </a:p>
+        </p:txBody>
+      </p:sp>
+      <p:sp>
+        <p:nvSpPr>
           <p:cNvPr id="2" name="Title 1">
             <a:extLst>
               <a:ext uri="{FF2B5EF4-FFF2-40B4-BE49-F238E27FC236}">
@@ -9205,73 +9364,6 @@
               <a:rPr lang="it-IT" sz="5400" b="1" dirty="0"/>
               <a:t>Grazie per l’attenzione!</a:t>
             </a:r>
-          </a:p>
-        </p:txBody>
-      </p:sp>
-      <p:sp>
-        <p:nvSpPr>
-          <p:cNvPr id="3" name="Slide Number Placeholder 2">
-            <a:extLst>
-              <a:ext uri="{FF2B5EF4-FFF2-40B4-BE49-F238E27FC236}">
-                <a16:creationId xmlns:a16="http://schemas.microsoft.com/office/drawing/2014/main" id="{BB593056-E5CE-455F-BA6D-4A8B657303A2}"/>
-              </a:ext>
-            </a:extLst>
-          </p:cNvPr>
-          <p:cNvSpPr>
-            <a:spLocks noGrp="1"/>
-          </p:cNvSpPr>
-          <p:nvPr>
-            <p:ph type="sldNum" sz="quarter" idx="12"/>
-          </p:nvPr>
-        </p:nvSpPr>
-        <p:spPr>
-          <a:xfrm>
-            <a:off x="239698" y="787782"/>
-            <a:ext cx="1071882" cy="365125"/>
-          </a:xfrm>
-        </p:spPr>
-        <p:txBody>
-          <a:bodyPr/>
-          <a:lstStyle/>
-          <a:p>
-            <a:fld id="{D57F1E4F-1CFF-5643-939E-217C01CDF565}" type="slidenum">
-              <a:rPr lang="en-US" smtClean="0"/>
-              <a:pPr/>
-              <a:t>13</a:t>
-            </a:fld>
-            <a:r>
-              <a:rPr lang="en-US" dirty="0"/>
-              <a:t>/13</a:t>
-            </a:r>
-          </a:p>
-        </p:txBody>
-      </p:sp>
-      <p:sp>
-        <p:nvSpPr>
-          <p:cNvPr id="6" name="Footer Placeholder 5">
-            <a:extLst>
-              <a:ext uri="{FF2B5EF4-FFF2-40B4-BE49-F238E27FC236}">
-                <a16:creationId xmlns:a16="http://schemas.microsoft.com/office/drawing/2014/main" id="{BD72917A-8033-4EA7-9F06-6ABD4CD18D29}"/>
-              </a:ext>
-            </a:extLst>
-          </p:cNvPr>
-          <p:cNvSpPr>
-            <a:spLocks noGrp="1"/>
-          </p:cNvSpPr>
-          <p:nvPr>
-            <p:ph type="ftr" sz="quarter" idx="11"/>
-          </p:nvPr>
-        </p:nvSpPr>
-        <p:spPr/>
-        <p:txBody>
-          <a:bodyPr/>
-          <a:lstStyle/>
-          <a:p>
-            <a:r>
-              <a:rPr lang="it-IT" sz="1200" dirty="0"/>
-              <a:t>Davide Liu - Riconiscimento e tracciamento di elementi su video ad alta risoluzione</a:t>
-            </a:r>
-            <a:endParaRPr lang="en-US" sz="1200" dirty="0"/>
           </a:p>
         </p:txBody>
       </p:sp>
@@ -9344,12 +9436,7 @@
             <p:ph type="title"/>
           </p:nvPr>
         </p:nvSpPr>
-        <p:spPr>
-          <a:xfrm>
-            <a:off x="2592925" y="624110"/>
-            <a:ext cx="8911687" cy="1280890"/>
-          </a:xfrm>
-        </p:spPr>
+        <p:spPr/>
         <p:txBody>
           <a:bodyPr>
             <a:normAutofit/>
@@ -9360,6 +9447,95 @@
               <a:rPr lang="it-IT" dirty="0"/>
               <a:t>Azienda - Studiomapp</a:t>
             </a:r>
+          </a:p>
+        </p:txBody>
+      </p:sp>
+      <p:sp>
+        <p:nvSpPr>
+          <p:cNvPr id="3" name="Content Placeholder 2">
+            <a:extLst>
+              <a:ext uri="{FF2B5EF4-FFF2-40B4-BE49-F238E27FC236}">
+                <a16:creationId xmlns:a16="http://schemas.microsoft.com/office/drawing/2014/main" id="{00338BDE-F233-4572-BE20-E1D309B7D021}"/>
+              </a:ext>
+            </a:extLst>
+          </p:cNvPr>
+          <p:cNvSpPr>
+            <a:spLocks noGrp="1"/>
+          </p:cNvSpPr>
+          <p:nvPr>
+            <p:ph idx="1"/>
+          </p:nvPr>
+        </p:nvSpPr>
+        <p:spPr>
+          <a:xfrm>
+            <a:off x="2589212" y="2125362"/>
+            <a:ext cx="5835121" cy="3785860"/>
+          </a:xfrm>
+        </p:spPr>
+        <p:txBody>
+          <a:bodyPr>
+            <a:normAutofit/>
+          </a:bodyPr>
+          <a:lstStyle/>
+          <a:p>
+            <a:r>
+              <a:rPr lang="it-IT" dirty="0"/>
+              <a:t>Startup innovativa fondata a ﬁne 2015 con sede a Ravenna</a:t>
+            </a:r>
+          </a:p>
+          <a:p>
+            <a:r>
+              <a:rPr lang="it-IT" dirty="0"/>
+              <a:t>Sviluppa algoritmi di intelligenza artiﬁciale applicati alla computer vision</a:t>
+            </a:r>
+          </a:p>
+          <a:p>
+            <a:r>
+              <a:rPr lang="it-IT" dirty="0"/>
+              <a:t>Studio del territorio tramite analisi di immagini satellitari</a:t>
+            </a:r>
+          </a:p>
+          <a:p>
+            <a:r>
+              <a:rPr lang="it-IT" dirty="0"/>
+              <a:t>Classificata al quarto posto nella sfida di object detection xView Challenge organizzata dal Pentagono</a:t>
+            </a:r>
+          </a:p>
+        </p:txBody>
+      </p:sp>
+      <p:sp>
+        <p:nvSpPr>
+          <p:cNvPr id="7" name="Footer Placeholder 6">
+            <a:extLst>
+              <a:ext uri="{FF2B5EF4-FFF2-40B4-BE49-F238E27FC236}">
+                <a16:creationId xmlns:a16="http://schemas.microsoft.com/office/drawing/2014/main" id="{1FD467E6-69B7-4F2A-98BA-4805B919797C}"/>
+              </a:ext>
+            </a:extLst>
+          </p:cNvPr>
+          <p:cNvSpPr>
+            <a:spLocks noGrp="1"/>
+          </p:cNvSpPr>
+          <p:nvPr>
+            <p:ph type="ftr" sz="quarter" idx="11"/>
+          </p:nvPr>
+        </p:nvSpPr>
+        <p:spPr/>
+        <p:txBody>
+          <a:bodyPr>
+            <a:normAutofit/>
+          </a:bodyPr>
+          <a:lstStyle/>
+          <a:p>
+            <a:pPr>
+              <a:spcAft>
+                <a:spcPts val="600"/>
+              </a:spcAft>
+            </a:pPr>
+            <a:r>
+              <a:rPr lang="it-IT" sz="1200" dirty="0"/>
+              <a:t>Davide Liu - Riconiscimento e tracciamento di elementi su video ad alta risoluzione</a:t>
+            </a:r>
+            <a:endParaRPr lang="en-US" sz="1200" dirty="0"/>
           </a:p>
         </p:txBody>
       </p:sp>
@@ -9379,12 +9555,7 @@
             <p:ph type="sldNum" sz="quarter" idx="12"/>
           </p:nvPr>
         </p:nvSpPr>
-        <p:spPr>
-          <a:xfrm>
-            <a:off x="531812" y="787782"/>
-            <a:ext cx="779767" cy="365125"/>
-          </a:xfrm>
-        </p:spPr>
+        <p:spPr/>
         <p:txBody>
           <a:bodyPr>
             <a:normAutofit/>
@@ -9414,59 +9585,6 @@
             <a:r>
               <a:rPr lang="en-US" sz="1900"/>
               <a:t>/13</a:t>
-            </a:r>
-          </a:p>
-        </p:txBody>
-      </p:sp>
-      <p:sp>
-        <p:nvSpPr>
-          <p:cNvPr id="3" name="Content Placeholder 2">
-            <a:extLst>
-              <a:ext uri="{FF2B5EF4-FFF2-40B4-BE49-F238E27FC236}">
-                <a16:creationId xmlns:a16="http://schemas.microsoft.com/office/drawing/2014/main" id="{00338BDE-F233-4572-BE20-E1D309B7D021}"/>
-              </a:ext>
-            </a:extLst>
-          </p:cNvPr>
-          <p:cNvSpPr>
-            <a:spLocks noGrp="1"/>
-          </p:cNvSpPr>
-          <p:nvPr>
-            <p:ph idx="1"/>
-          </p:nvPr>
-        </p:nvSpPr>
-        <p:spPr>
-          <a:xfrm>
-            <a:off x="2589212" y="2125362"/>
-            <a:ext cx="5835121" cy="3785860"/>
-          </a:xfrm>
-        </p:spPr>
-        <p:txBody>
-          <a:bodyPr>
-            <a:normAutofit/>
-          </a:bodyPr>
-          <a:lstStyle/>
-          <a:p>
-            <a:r>
-              <a:rPr lang="it-IT" dirty="0"/>
-              <a:t> Startup innovativa fondata a ﬁne 2015 con sede a Ravenna</a:t>
-            </a:r>
-          </a:p>
-          <a:p>
-            <a:r>
-              <a:rPr lang="it-IT" dirty="0"/>
-              <a:t>Sviluppa algoritmi di intelligenza artiﬁciale applicati alla computer vision</a:t>
-            </a:r>
-          </a:p>
-          <a:p>
-            <a:r>
-              <a:rPr lang="it-IT" dirty="0"/>
-              <a:t>Studio del territorio tramite analisi di immagini satellitari</a:t>
-            </a:r>
-          </a:p>
-          <a:p>
-            <a:r>
-              <a:rPr lang="it-IT" dirty="0"/>
-              <a:t>Classificata al quarto posto nella sfida di object detection xView Challenge organizzata dal Pentagono</a:t>
             </a:r>
           </a:p>
         </p:txBody>
@@ -9501,47 +9619,6 @@
           </a:prstGeom>
         </p:spPr>
       </p:pic>
-      <p:sp>
-        <p:nvSpPr>
-          <p:cNvPr id="7" name="Footer Placeholder 6">
-            <a:extLst>
-              <a:ext uri="{FF2B5EF4-FFF2-40B4-BE49-F238E27FC236}">
-                <a16:creationId xmlns:a16="http://schemas.microsoft.com/office/drawing/2014/main" id="{1FD467E6-69B7-4F2A-98BA-4805B919797C}"/>
-              </a:ext>
-            </a:extLst>
-          </p:cNvPr>
-          <p:cNvSpPr>
-            <a:spLocks noGrp="1"/>
-          </p:cNvSpPr>
-          <p:nvPr>
-            <p:ph type="ftr" sz="quarter" idx="11"/>
-          </p:nvPr>
-        </p:nvSpPr>
-        <p:spPr>
-          <a:xfrm>
-            <a:off x="2589212" y="6135808"/>
-            <a:ext cx="7619999" cy="365125"/>
-          </a:xfrm>
-        </p:spPr>
-        <p:txBody>
-          <a:bodyPr>
-            <a:normAutofit/>
-          </a:bodyPr>
-          <a:lstStyle/>
-          <a:p>
-            <a:pPr>
-              <a:spcAft>
-                <a:spcPts val="600"/>
-              </a:spcAft>
-            </a:pPr>
-            <a:r>
-              <a:rPr lang="it-IT"/>
-              <a:t>Davide Liu - Riconiscimento e tracciamento di elementi su video ad alta risoluzione</a:t>
-            </a:r>
-            <a:endParaRPr lang="en-US"/>
-          </a:p>
-        </p:txBody>
-      </p:sp>
     </p:spTree>
     <p:extLst>
       <p:ext uri="{BB962C8B-B14F-4D97-AF65-F5344CB8AC3E}">
@@ -9670,6 +9747,64 @@
           </a:p>
           <a:p>
             <a:endParaRPr lang="it-IT" dirty="0"/>
+          </a:p>
+        </p:txBody>
+      </p:sp>
+      <p:sp>
+        <p:nvSpPr>
+          <p:cNvPr id="10" name="Footer Placeholder 9">
+            <a:extLst>
+              <a:ext uri="{FF2B5EF4-FFF2-40B4-BE49-F238E27FC236}">
+                <a16:creationId xmlns:a16="http://schemas.microsoft.com/office/drawing/2014/main" id="{DE617747-1DE2-45AD-A915-9E3BCC09C362}"/>
+              </a:ext>
+            </a:extLst>
+          </p:cNvPr>
+          <p:cNvSpPr>
+            <a:spLocks noGrp="1"/>
+          </p:cNvSpPr>
+          <p:nvPr>
+            <p:ph type="ftr" sz="quarter" idx="11"/>
+          </p:nvPr>
+        </p:nvSpPr>
+        <p:spPr/>
+        <p:txBody>
+          <a:bodyPr/>
+          <a:lstStyle/>
+          <a:p>
+            <a:endParaRPr lang="en-US" dirty="0"/>
+          </a:p>
+        </p:txBody>
+      </p:sp>
+      <p:sp>
+        <p:nvSpPr>
+          <p:cNvPr id="5" name="Slide Number Placeholder 4">
+            <a:extLst>
+              <a:ext uri="{FF2B5EF4-FFF2-40B4-BE49-F238E27FC236}">
+                <a16:creationId xmlns:a16="http://schemas.microsoft.com/office/drawing/2014/main" id="{69FC64D2-1C5B-4322-AA7E-67AAD63248F2}"/>
+              </a:ext>
+            </a:extLst>
+          </p:cNvPr>
+          <p:cNvSpPr>
+            <a:spLocks noGrp="1"/>
+          </p:cNvSpPr>
+          <p:nvPr>
+            <p:ph type="sldNum" sz="quarter" idx="12"/>
+          </p:nvPr>
+        </p:nvSpPr>
+        <p:spPr/>
+        <p:txBody>
+          <a:bodyPr/>
+          <a:lstStyle/>
+          <a:p>
+            <a:fld id="{D57F1E4F-1CFF-5643-939E-217C01CDF565}" type="slidenum">
+              <a:rPr lang="en-US" smtClean="0"/>
+              <a:pPr/>
+              <a:t>3</a:t>
+            </a:fld>
+            <a:r>
+              <a:rPr lang="en-US" dirty="0"/>
+              <a:t>/13</a:t>
+            </a:r>
           </a:p>
         </p:txBody>
       </p:sp>
@@ -9775,64 +9910,6 @@
           </a:prstGeom>
         </p:spPr>
       </p:pic>
-      <p:sp>
-        <p:nvSpPr>
-          <p:cNvPr id="5" name="Slide Number Placeholder 4">
-            <a:extLst>
-              <a:ext uri="{FF2B5EF4-FFF2-40B4-BE49-F238E27FC236}">
-                <a16:creationId xmlns:a16="http://schemas.microsoft.com/office/drawing/2014/main" id="{69FC64D2-1C5B-4322-AA7E-67AAD63248F2}"/>
-              </a:ext>
-            </a:extLst>
-          </p:cNvPr>
-          <p:cNvSpPr>
-            <a:spLocks noGrp="1"/>
-          </p:cNvSpPr>
-          <p:nvPr>
-            <p:ph type="sldNum" sz="quarter" idx="12"/>
-          </p:nvPr>
-        </p:nvSpPr>
-        <p:spPr/>
-        <p:txBody>
-          <a:bodyPr/>
-          <a:lstStyle/>
-          <a:p>
-            <a:fld id="{D57F1E4F-1CFF-5643-939E-217C01CDF565}" type="slidenum">
-              <a:rPr lang="en-US" smtClean="0"/>
-              <a:pPr/>
-              <a:t>3</a:t>
-            </a:fld>
-            <a:r>
-              <a:rPr lang="en-US" dirty="0"/>
-              <a:t>/13</a:t>
-            </a:r>
-          </a:p>
-        </p:txBody>
-      </p:sp>
-      <p:sp>
-        <p:nvSpPr>
-          <p:cNvPr id="10" name="Footer Placeholder 9">
-            <a:extLst>
-              <a:ext uri="{FF2B5EF4-FFF2-40B4-BE49-F238E27FC236}">
-                <a16:creationId xmlns:a16="http://schemas.microsoft.com/office/drawing/2014/main" id="{DE617747-1DE2-45AD-A915-9E3BCC09C362}"/>
-              </a:ext>
-            </a:extLst>
-          </p:cNvPr>
-          <p:cNvSpPr>
-            <a:spLocks noGrp="1"/>
-          </p:cNvSpPr>
-          <p:nvPr>
-            <p:ph type="ftr" sz="quarter" idx="11"/>
-          </p:nvPr>
-        </p:nvSpPr>
-        <p:spPr/>
-        <p:txBody>
-          <a:bodyPr/>
-          <a:lstStyle/>
-          <a:p>
-            <a:endParaRPr lang="en-US" dirty="0"/>
-          </a:p>
-        </p:txBody>
-      </p:sp>
     </p:spTree>
     <p:extLst>
       <p:ext uri="{BB962C8B-B14F-4D97-AF65-F5344CB8AC3E}">
@@ -9843,6 +9920,18 @@
   <p:clrMapOvr>
     <a:masterClrMapping/>
   </p:clrMapOvr>
+  <mc:AlternateContent xmlns:mc="http://schemas.openxmlformats.org/markup-compatibility/2006" xmlns:p14="http://schemas.microsoft.com/office/powerpoint/2010/main">
+    <mc:Choice Requires="p14">
+      <p:transition spd="med" p14:dur="700">
+        <p:fade/>
+      </p:transition>
+    </mc:Choice>
+    <mc:Fallback xmlns="">
+      <p:transition spd="med">
+        <p:fade/>
+      </p:transition>
+    </mc:Fallback>
+  </mc:AlternateContent>
 </p:sld>
 </file>
 
@@ -10024,11 +10113,40 @@
         </p:blipFill>
         <p:spPr>
           <a:xfrm>
-            <a:off x="7441474" y="2125662"/>
-            <a:ext cx="3820416" cy="3785559"/>
+            <a:off x="7441474" y="2125663"/>
+            <a:ext cx="3813040" cy="3778250"/>
           </a:xfrm>
         </p:spPr>
       </p:pic>
+      <p:sp>
+        <p:nvSpPr>
+          <p:cNvPr id="8" name="Footer Placeholder 7">
+            <a:extLst>
+              <a:ext uri="{FF2B5EF4-FFF2-40B4-BE49-F238E27FC236}">
+                <a16:creationId xmlns:a16="http://schemas.microsoft.com/office/drawing/2014/main" id="{878FF9BD-7A91-462E-B310-2B89C042002A}"/>
+              </a:ext>
+            </a:extLst>
+          </p:cNvPr>
+          <p:cNvSpPr>
+            <a:spLocks noGrp="1"/>
+          </p:cNvSpPr>
+          <p:nvPr>
+            <p:ph type="ftr" sz="quarter" idx="11"/>
+          </p:nvPr>
+        </p:nvSpPr>
+        <p:spPr/>
+        <p:txBody>
+          <a:bodyPr/>
+          <a:lstStyle/>
+          <a:p>
+            <a:r>
+              <a:rPr lang="it-IT" sz="1200" dirty="0"/>
+              <a:t>Davide Liu - Riconiscimento e tracciamento di elementi su video ad alta risoluzione</a:t>
+            </a:r>
+            <a:endParaRPr lang="en-US" sz="1200" dirty="0"/>
+          </a:p>
+        </p:txBody>
+      </p:sp>
       <p:sp>
         <p:nvSpPr>
           <p:cNvPr id="4" name="Slide Number Placeholder 3">
@@ -10059,35 +10177,6 @@
               <a:rPr lang="en-US" dirty="0"/>
               <a:t>/13</a:t>
             </a:r>
-          </a:p>
-        </p:txBody>
-      </p:sp>
-      <p:sp>
-        <p:nvSpPr>
-          <p:cNvPr id="8" name="Footer Placeholder 7">
-            <a:extLst>
-              <a:ext uri="{FF2B5EF4-FFF2-40B4-BE49-F238E27FC236}">
-                <a16:creationId xmlns:a16="http://schemas.microsoft.com/office/drawing/2014/main" id="{878FF9BD-7A91-462E-B310-2B89C042002A}"/>
-              </a:ext>
-            </a:extLst>
-          </p:cNvPr>
-          <p:cNvSpPr>
-            <a:spLocks noGrp="1"/>
-          </p:cNvSpPr>
-          <p:nvPr>
-            <p:ph type="ftr" sz="quarter" idx="11"/>
-          </p:nvPr>
-        </p:nvSpPr>
-        <p:spPr/>
-        <p:txBody>
-          <a:bodyPr/>
-          <a:lstStyle/>
-          <a:p>
-            <a:r>
-              <a:rPr lang="it-IT" sz="1200" dirty="0"/>
-              <a:t>Davide Liu - Riconiscimento e tracciamento di elementi su video ad alta risoluzione</a:t>
-            </a:r>
-            <a:endParaRPr lang="en-US" sz="1200" dirty="0"/>
           </a:p>
         </p:txBody>
       </p:sp>
@@ -10101,6 +10190,18 @@
   <p:clrMapOvr>
     <a:masterClrMapping/>
   </p:clrMapOvr>
+  <mc:AlternateContent xmlns:mc="http://schemas.openxmlformats.org/markup-compatibility/2006" xmlns:p14="http://schemas.microsoft.com/office/powerpoint/2010/main">
+    <mc:Choice Requires="p14">
+      <p:transition spd="med" p14:dur="700">
+        <p:fade/>
+      </p:transition>
+    </mc:Choice>
+    <mc:Fallback xmlns="">
+      <p:transition spd="med">
+        <p:fade/>
+      </p:transition>
+    </mc:Fallback>
+  </mc:AlternateContent>
 </p:sld>
 </file>
 
@@ -10223,6 +10324,35 @@
       </p:sp>
       <p:sp>
         <p:nvSpPr>
+          <p:cNvPr id="7" name="Footer Placeholder 6">
+            <a:extLst>
+              <a:ext uri="{FF2B5EF4-FFF2-40B4-BE49-F238E27FC236}">
+                <a16:creationId xmlns:a16="http://schemas.microsoft.com/office/drawing/2014/main" id="{A2A69B6C-1C13-4BE3-A4DC-80D3DB9D632A}"/>
+              </a:ext>
+            </a:extLst>
+          </p:cNvPr>
+          <p:cNvSpPr>
+            <a:spLocks noGrp="1"/>
+          </p:cNvSpPr>
+          <p:nvPr>
+            <p:ph type="ftr" sz="quarter" idx="11"/>
+          </p:nvPr>
+        </p:nvSpPr>
+        <p:spPr/>
+        <p:txBody>
+          <a:bodyPr/>
+          <a:lstStyle/>
+          <a:p>
+            <a:r>
+              <a:rPr lang="it-IT" sz="1200" dirty="0"/>
+              <a:t>Davide Liu - Riconiscimento e tracciamento di elementi su video ad alta risoluzione</a:t>
+            </a:r>
+            <a:endParaRPr lang="en-US" sz="1200" dirty="0"/>
+          </a:p>
+        </p:txBody>
+      </p:sp>
+      <p:sp>
+        <p:nvSpPr>
           <p:cNvPr id="4" name="Slide Number Placeholder 3">
             <a:extLst>
               <a:ext uri="{FF2B5EF4-FFF2-40B4-BE49-F238E27FC236}">
@@ -10251,35 +10381,6 @@
               <a:rPr lang="en-US" dirty="0"/>
               <a:t>/13</a:t>
             </a:r>
-          </a:p>
-        </p:txBody>
-      </p:sp>
-      <p:sp>
-        <p:nvSpPr>
-          <p:cNvPr id="7" name="Footer Placeholder 6">
-            <a:extLst>
-              <a:ext uri="{FF2B5EF4-FFF2-40B4-BE49-F238E27FC236}">
-                <a16:creationId xmlns:a16="http://schemas.microsoft.com/office/drawing/2014/main" id="{A2A69B6C-1C13-4BE3-A4DC-80D3DB9D632A}"/>
-              </a:ext>
-            </a:extLst>
-          </p:cNvPr>
-          <p:cNvSpPr>
-            <a:spLocks noGrp="1"/>
-          </p:cNvSpPr>
-          <p:nvPr>
-            <p:ph type="ftr" sz="quarter" idx="11"/>
-          </p:nvPr>
-        </p:nvSpPr>
-        <p:spPr/>
-        <p:txBody>
-          <a:bodyPr/>
-          <a:lstStyle/>
-          <a:p>
-            <a:r>
-              <a:rPr lang="it-IT" sz="1200" dirty="0"/>
-              <a:t>Davide Liu - Riconiscimento e tracciamento di elementi su video ad alta risoluzione</a:t>
-            </a:r>
-            <a:endParaRPr lang="en-US" sz="1200" dirty="0"/>
           </a:p>
         </p:txBody>
       </p:sp>
@@ -10352,12 +10453,7 @@
             <p:ph type="title"/>
           </p:nvPr>
         </p:nvSpPr>
-        <p:spPr>
-          <a:xfrm>
-            <a:off x="2592925" y="624110"/>
-            <a:ext cx="8911687" cy="1280890"/>
-          </a:xfrm>
-        </p:spPr>
+        <p:spPr/>
         <p:txBody>
           <a:bodyPr>
             <a:normAutofit/>
@@ -10433,6 +10529,68 @@
             <a:r>
               <a:rPr lang="it-IT" dirty="0"/>
               <a:t>Individuare le detections che potrebbero appartenere allo stesso elemento e ricomporle</a:t>
+            </a:r>
+          </a:p>
+        </p:txBody>
+      </p:sp>
+      <p:sp>
+        <p:nvSpPr>
+          <p:cNvPr id="8" name="Footer Placeholder 7">
+            <a:extLst>
+              <a:ext uri="{FF2B5EF4-FFF2-40B4-BE49-F238E27FC236}">
+                <a16:creationId xmlns:a16="http://schemas.microsoft.com/office/drawing/2014/main" id="{3FABD2A2-72E5-4155-B763-6E447169CF07}"/>
+              </a:ext>
+            </a:extLst>
+          </p:cNvPr>
+          <p:cNvSpPr>
+            <a:spLocks noGrp="1"/>
+          </p:cNvSpPr>
+          <p:nvPr>
+            <p:ph type="ftr" sz="quarter" idx="11"/>
+          </p:nvPr>
+        </p:nvSpPr>
+        <p:spPr/>
+        <p:txBody>
+          <a:bodyPr/>
+          <a:lstStyle/>
+          <a:p>
+            <a:r>
+              <a:rPr lang="it-IT" sz="1200" dirty="0"/>
+              <a:t>Davide Liu - Riconiscimento e tracciamento di elementi su video ad alta risoluzione</a:t>
+            </a:r>
+            <a:endParaRPr lang="en-US" sz="1200" dirty="0"/>
+          </a:p>
+        </p:txBody>
+      </p:sp>
+      <p:sp>
+        <p:nvSpPr>
+          <p:cNvPr id="4" name="Slide Number Placeholder 3">
+            <a:extLst>
+              <a:ext uri="{FF2B5EF4-FFF2-40B4-BE49-F238E27FC236}">
+                <a16:creationId xmlns:a16="http://schemas.microsoft.com/office/drawing/2014/main" id="{F7216C6C-4620-43D1-B022-449833F73A06}"/>
+              </a:ext>
+            </a:extLst>
+          </p:cNvPr>
+          <p:cNvSpPr>
+            <a:spLocks noGrp="1"/>
+          </p:cNvSpPr>
+          <p:nvPr>
+            <p:ph type="sldNum" sz="quarter" idx="12"/>
+          </p:nvPr>
+        </p:nvSpPr>
+        <p:spPr/>
+        <p:txBody>
+          <a:bodyPr/>
+          <a:lstStyle/>
+          <a:p>
+            <a:fld id="{D57F1E4F-1CFF-5643-939E-217C01CDF565}" type="slidenum">
+              <a:rPr lang="en-US" smtClean="0"/>
+              <a:pPr/>
+              <a:t>6</a:t>
+            </a:fld>
+            <a:r>
+              <a:rPr lang="en-US" dirty="0"/>
+              <a:t>/13</a:t>
             </a:r>
           </a:p>
         </p:txBody>
@@ -10467,68 +10625,6 @@
           </a:prstGeom>
         </p:spPr>
       </p:pic>
-      <p:sp>
-        <p:nvSpPr>
-          <p:cNvPr id="4" name="Slide Number Placeholder 3">
-            <a:extLst>
-              <a:ext uri="{FF2B5EF4-FFF2-40B4-BE49-F238E27FC236}">
-                <a16:creationId xmlns:a16="http://schemas.microsoft.com/office/drawing/2014/main" id="{F7216C6C-4620-43D1-B022-449833F73A06}"/>
-              </a:ext>
-            </a:extLst>
-          </p:cNvPr>
-          <p:cNvSpPr>
-            <a:spLocks noGrp="1"/>
-          </p:cNvSpPr>
-          <p:nvPr>
-            <p:ph type="sldNum" sz="quarter" idx="12"/>
-          </p:nvPr>
-        </p:nvSpPr>
-        <p:spPr/>
-        <p:txBody>
-          <a:bodyPr/>
-          <a:lstStyle/>
-          <a:p>
-            <a:fld id="{D57F1E4F-1CFF-5643-939E-217C01CDF565}" type="slidenum">
-              <a:rPr lang="en-US" smtClean="0"/>
-              <a:pPr/>
-              <a:t>6</a:t>
-            </a:fld>
-            <a:r>
-              <a:rPr lang="en-US" dirty="0"/>
-              <a:t>/13</a:t>
-            </a:r>
-          </a:p>
-        </p:txBody>
-      </p:sp>
-      <p:sp>
-        <p:nvSpPr>
-          <p:cNvPr id="8" name="Footer Placeholder 7">
-            <a:extLst>
-              <a:ext uri="{FF2B5EF4-FFF2-40B4-BE49-F238E27FC236}">
-                <a16:creationId xmlns:a16="http://schemas.microsoft.com/office/drawing/2014/main" id="{3FABD2A2-72E5-4155-B763-6E447169CF07}"/>
-              </a:ext>
-            </a:extLst>
-          </p:cNvPr>
-          <p:cNvSpPr>
-            <a:spLocks noGrp="1"/>
-          </p:cNvSpPr>
-          <p:nvPr>
-            <p:ph type="ftr" sz="quarter" idx="11"/>
-          </p:nvPr>
-        </p:nvSpPr>
-        <p:spPr/>
-        <p:txBody>
-          <a:bodyPr/>
-          <a:lstStyle/>
-          <a:p>
-            <a:r>
-              <a:rPr lang="it-IT" sz="1200" dirty="0"/>
-              <a:t>Davide Liu - Riconiscimento e tracciamento di elementi su video ad alta risoluzione</a:t>
-            </a:r>
-            <a:endParaRPr lang="en-US" sz="1200" dirty="0"/>
-          </a:p>
-        </p:txBody>
-      </p:sp>
     </p:spTree>
     <p:extLst>
       <p:ext uri="{BB962C8B-B14F-4D97-AF65-F5344CB8AC3E}">
@@ -10647,6 +10743,68 @@
       </p:pic>
       <p:sp>
         <p:nvSpPr>
+          <p:cNvPr id="6" name="Footer Placeholder 5">
+            <a:extLst>
+              <a:ext uri="{FF2B5EF4-FFF2-40B4-BE49-F238E27FC236}">
+                <a16:creationId xmlns:a16="http://schemas.microsoft.com/office/drawing/2014/main" id="{0B99B48B-E6B7-4B9F-9E9E-BAB43872D39D}"/>
+              </a:ext>
+            </a:extLst>
+          </p:cNvPr>
+          <p:cNvSpPr>
+            <a:spLocks noGrp="1"/>
+          </p:cNvSpPr>
+          <p:nvPr>
+            <p:ph type="ftr" sz="quarter" idx="11"/>
+          </p:nvPr>
+        </p:nvSpPr>
+        <p:spPr/>
+        <p:txBody>
+          <a:bodyPr/>
+          <a:lstStyle/>
+          <a:p>
+            <a:r>
+              <a:rPr lang="it-IT" sz="1200" dirty="0"/>
+              <a:t>Davide Liu - Riconiscimento e tracciamento di elementi su video ad alta risoluzione</a:t>
+            </a:r>
+            <a:endParaRPr lang="en-US" sz="1200" dirty="0"/>
+          </a:p>
+        </p:txBody>
+      </p:sp>
+      <p:sp>
+        <p:nvSpPr>
+          <p:cNvPr id="3" name="Slide Number Placeholder 2">
+            <a:extLst>
+              <a:ext uri="{FF2B5EF4-FFF2-40B4-BE49-F238E27FC236}">
+                <a16:creationId xmlns:a16="http://schemas.microsoft.com/office/drawing/2014/main" id="{5E7C5DAD-2415-42DE-81A3-4457EAC06CC0}"/>
+              </a:ext>
+            </a:extLst>
+          </p:cNvPr>
+          <p:cNvSpPr>
+            <a:spLocks noGrp="1"/>
+          </p:cNvSpPr>
+          <p:nvPr>
+            <p:ph type="sldNum" sz="quarter" idx="12"/>
+          </p:nvPr>
+        </p:nvSpPr>
+        <p:spPr/>
+        <p:txBody>
+          <a:bodyPr/>
+          <a:lstStyle/>
+          <a:p>
+            <a:fld id="{D57F1E4F-1CFF-5643-939E-217C01CDF565}" type="slidenum">
+              <a:rPr lang="en-US" smtClean="0"/>
+              <a:pPr/>
+              <a:t>7</a:t>
+            </a:fld>
+            <a:r>
+              <a:rPr lang="en-US" dirty="0"/>
+              <a:t>/13</a:t>
+            </a:r>
+          </a:p>
+        </p:txBody>
+      </p:sp>
+      <p:sp>
+        <p:nvSpPr>
           <p:cNvPr id="10" name="Arrow: Right 9">
             <a:extLst>
               <a:ext uri="{FF2B5EF4-FFF2-40B4-BE49-F238E27FC236}">
@@ -10688,68 +10846,6 @@
           <a:p>
             <a:pPr algn="ctr"/>
             <a:endParaRPr lang="it-IT"/>
-          </a:p>
-        </p:txBody>
-      </p:sp>
-      <p:sp>
-        <p:nvSpPr>
-          <p:cNvPr id="3" name="Slide Number Placeholder 2">
-            <a:extLst>
-              <a:ext uri="{FF2B5EF4-FFF2-40B4-BE49-F238E27FC236}">
-                <a16:creationId xmlns:a16="http://schemas.microsoft.com/office/drawing/2014/main" id="{5E7C5DAD-2415-42DE-81A3-4457EAC06CC0}"/>
-              </a:ext>
-            </a:extLst>
-          </p:cNvPr>
-          <p:cNvSpPr>
-            <a:spLocks noGrp="1"/>
-          </p:cNvSpPr>
-          <p:nvPr>
-            <p:ph type="sldNum" sz="quarter" idx="12"/>
-          </p:nvPr>
-        </p:nvSpPr>
-        <p:spPr/>
-        <p:txBody>
-          <a:bodyPr/>
-          <a:lstStyle/>
-          <a:p>
-            <a:fld id="{D57F1E4F-1CFF-5643-939E-217C01CDF565}" type="slidenum">
-              <a:rPr lang="en-US" smtClean="0"/>
-              <a:pPr/>
-              <a:t>7</a:t>
-            </a:fld>
-            <a:r>
-              <a:rPr lang="en-US" dirty="0"/>
-              <a:t>/13</a:t>
-            </a:r>
-          </a:p>
-        </p:txBody>
-      </p:sp>
-      <p:sp>
-        <p:nvSpPr>
-          <p:cNvPr id="6" name="Footer Placeholder 5">
-            <a:extLst>
-              <a:ext uri="{FF2B5EF4-FFF2-40B4-BE49-F238E27FC236}">
-                <a16:creationId xmlns:a16="http://schemas.microsoft.com/office/drawing/2014/main" id="{0B99B48B-E6B7-4B9F-9E9E-BAB43872D39D}"/>
-              </a:ext>
-            </a:extLst>
-          </p:cNvPr>
-          <p:cNvSpPr>
-            <a:spLocks noGrp="1"/>
-          </p:cNvSpPr>
-          <p:nvPr>
-            <p:ph type="ftr" sz="quarter" idx="11"/>
-          </p:nvPr>
-        </p:nvSpPr>
-        <p:spPr/>
-        <p:txBody>
-          <a:bodyPr/>
-          <a:lstStyle/>
-          <a:p>
-            <a:r>
-              <a:rPr lang="it-IT" sz="1200" dirty="0"/>
-              <a:t>Davide Liu - Riconiscimento e tracciamento di elementi su video ad alta risoluzione</a:t>
-            </a:r>
-            <a:endParaRPr lang="en-US" sz="1200" dirty="0"/>
           </a:p>
         </p:txBody>
       </p:sp>
@@ -10827,12 +10923,7 @@
             <p:ph sz="half" idx="1"/>
           </p:nvPr>
         </p:nvSpPr>
-        <p:spPr>
-          <a:xfrm>
-            <a:off x="2589212" y="2133600"/>
-            <a:ext cx="4313864" cy="3777622"/>
-          </a:xfrm>
-        </p:spPr>
+        <p:spPr/>
         <p:txBody>
           <a:bodyPr>
             <a:noAutofit/>
@@ -10900,11 +10991,40 @@
         </p:blipFill>
         <p:spPr>
           <a:xfrm>
-            <a:off x="8035448" y="2133600"/>
-            <a:ext cx="3644607" cy="3777622"/>
+            <a:off x="7962423" y="2129586"/>
+            <a:ext cx="3865158" cy="4006222"/>
           </a:xfrm>
         </p:spPr>
       </p:pic>
+      <p:sp>
+        <p:nvSpPr>
+          <p:cNvPr id="7" name="Footer Placeholder 6">
+            <a:extLst>
+              <a:ext uri="{FF2B5EF4-FFF2-40B4-BE49-F238E27FC236}">
+                <a16:creationId xmlns:a16="http://schemas.microsoft.com/office/drawing/2014/main" id="{95CD7669-E35F-4AD7-97A3-8B94130BDE29}"/>
+              </a:ext>
+            </a:extLst>
+          </p:cNvPr>
+          <p:cNvSpPr>
+            <a:spLocks noGrp="1"/>
+          </p:cNvSpPr>
+          <p:nvPr>
+            <p:ph type="ftr" sz="quarter" idx="11"/>
+          </p:nvPr>
+        </p:nvSpPr>
+        <p:spPr/>
+        <p:txBody>
+          <a:bodyPr/>
+          <a:lstStyle/>
+          <a:p>
+            <a:r>
+              <a:rPr lang="it-IT" sz="1200" dirty="0"/>
+              <a:t>Davide Liu - Riconiscimento e tracciamento di elementi su video ad alta risoluzione</a:t>
+            </a:r>
+            <a:endParaRPr lang="en-US" sz="1200" dirty="0"/>
+          </a:p>
+        </p:txBody>
+      </p:sp>
       <p:sp>
         <p:nvSpPr>
           <p:cNvPr id="4" name="Slide Number Placeholder 3">
@@ -10935,35 +11055,6 @@
               <a:rPr lang="en-US" dirty="0"/>
               <a:t>/13</a:t>
             </a:r>
-          </a:p>
-        </p:txBody>
-      </p:sp>
-      <p:sp>
-        <p:nvSpPr>
-          <p:cNvPr id="7" name="Footer Placeholder 6">
-            <a:extLst>
-              <a:ext uri="{FF2B5EF4-FFF2-40B4-BE49-F238E27FC236}">
-                <a16:creationId xmlns:a16="http://schemas.microsoft.com/office/drawing/2014/main" id="{95CD7669-E35F-4AD7-97A3-8B94130BDE29}"/>
-              </a:ext>
-            </a:extLst>
-          </p:cNvPr>
-          <p:cNvSpPr>
-            <a:spLocks noGrp="1"/>
-          </p:cNvSpPr>
-          <p:nvPr>
-            <p:ph type="ftr" sz="quarter" idx="11"/>
-          </p:nvPr>
-        </p:nvSpPr>
-        <p:spPr/>
-        <p:txBody>
-          <a:bodyPr/>
-          <a:lstStyle/>
-          <a:p>
-            <a:r>
-              <a:rPr lang="it-IT" sz="1200" dirty="0"/>
-              <a:t>Davide Liu - Riconiscimento e tracciamento di elementi su video ad alta risoluzione</a:t>
-            </a:r>
-            <a:endParaRPr lang="en-US" sz="1200" dirty="0"/>
           </a:p>
         </p:txBody>
       </p:sp>
@@ -11121,6 +11212,68 @@
           </a:p>
         </p:txBody>
       </p:sp>
+      <p:sp>
+        <p:nvSpPr>
+          <p:cNvPr id="8" name="Footer Placeholder 7">
+            <a:extLst>
+              <a:ext uri="{FF2B5EF4-FFF2-40B4-BE49-F238E27FC236}">
+                <a16:creationId xmlns:a16="http://schemas.microsoft.com/office/drawing/2014/main" id="{E54C61D6-6A5E-4703-82BD-8A8C517C4447}"/>
+              </a:ext>
+            </a:extLst>
+          </p:cNvPr>
+          <p:cNvSpPr>
+            <a:spLocks noGrp="1"/>
+          </p:cNvSpPr>
+          <p:nvPr>
+            <p:ph type="ftr" sz="quarter" idx="11"/>
+          </p:nvPr>
+        </p:nvSpPr>
+        <p:spPr/>
+        <p:txBody>
+          <a:bodyPr/>
+          <a:lstStyle/>
+          <a:p>
+            <a:r>
+              <a:rPr lang="it-IT" sz="1200" dirty="0"/>
+              <a:t>Davide Liu - Riconiscimento e tracciamento di elementi su video ad alta risoluzione</a:t>
+            </a:r>
+            <a:endParaRPr lang="en-US" sz="1200" dirty="0"/>
+          </a:p>
+        </p:txBody>
+      </p:sp>
+      <p:sp>
+        <p:nvSpPr>
+          <p:cNvPr id="4" name="Slide Number Placeholder 3">
+            <a:extLst>
+              <a:ext uri="{FF2B5EF4-FFF2-40B4-BE49-F238E27FC236}">
+                <a16:creationId xmlns:a16="http://schemas.microsoft.com/office/drawing/2014/main" id="{953CA4E6-0D61-4624-A347-3D5299ED5BE1}"/>
+              </a:ext>
+            </a:extLst>
+          </p:cNvPr>
+          <p:cNvSpPr>
+            <a:spLocks noGrp="1"/>
+          </p:cNvSpPr>
+          <p:nvPr>
+            <p:ph type="sldNum" sz="quarter" idx="12"/>
+          </p:nvPr>
+        </p:nvSpPr>
+        <p:spPr/>
+        <p:txBody>
+          <a:bodyPr/>
+          <a:lstStyle/>
+          <a:p>
+            <a:fld id="{D57F1E4F-1CFF-5643-939E-217C01CDF565}" type="slidenum">
+              <a:rPr lang="en-US" smtClean="0"/>
+              <a:pPr/>
+              <a:t>9</a:t>
+            </a:fld>
+            <a:r>
+              <a:rPr lang="en-US" dirty="0"/>
+              <a:t>/13</a:t>
+            </a:r>
+          </a:p>
+        </p:txBody>
+      </p:sp>
       <p:pic>
         <p:nvPicPr>
           <p:cNvPr id="7" name="Picture 6">
@@ -11151,68 +11304,6 @@
           </a:prstGeom>
         </p:spPr>
       </p:pic>
-      <p:sp>
-        <p:nvSpPr>
-          <p:cNvPr id="4" name="Slide Number Placeholder 3">
-            <a:extLst>
-              <a:ext uri="{FF2B5EF4-FFF2-40B4-BE49-F238E27FC236}">
-                <a16:creationId xmlns:a16="http://schemas.microsoft.com/office/drawing/2014/main" id="{953CA4E6-0D61-4624-A347-3D5299ED5BE1}"/>
-              </a:ext>
-            </a:extLst>
-          </p:cNvPr>
-          <p:cNvSpPr>
-            <a:spLocks noGrp="1"/>
-          </p:cNvSpPr>
-          <p:nvPr>
-            <p:ph type="sldNum" sz="quarter" idx="12"/>
-          </p:nvPr>
-        </p:nvSpPr>
-        <p:spPr/>
-        <p:txBody>
-          <a:bodyPr/>
-          <a:lstStyle/>
-          <a:p>
-            <a:fld id="{D57F1E4F-1CFF-5643-939E-217C01CDF565}" type="slidenum">
-              <a:rPr lang="en-US" smtClean="0"/>
-              <a:pPr/>
-              <a:t>9</a:t>
-            </a:fld>
-            <a:r>
-              <a:rPr lang="en-US" dirty="0"/>
-              <a:t>/13</a:t>
-            </a:r>
-          </a:p>
-        </p:txBody>
-      </p:sp>
-      <p:sp>
-        <p:nvSpPr>
-          <p:cNvPr id="8" name="Footer Placeholder 7">
-            <a:extLst>
-              <a:ext uri="{FF2B5EF4-FFF2-40B4-BE49-F238E27FC236}">
-                <a16:creationId xmlns:a16="http://schemas.microsoft.com/office/drawing/2014/main" id="{E54C61D6-6A5E-4703-82BD-8A8C517C4447}"/>
-              </a:ext>
-            </a:extLst>
-          </p:cNvPr>
-          <p:cNvSpPr>
-            <a:spLocks noGrp="1"/>
-          </p:cNvSpPr>
-          <p:nvPr>
-            <p:ph type="ftr" sz="quarter" idx="11"/>
-          </p:nvPr>
-        </p:nvSpPr>
-        <p:spPr/>
-        <p:txBody>
-          <a:bodyPr/>
-          <a:lstStyle/>
-          <a:p>
-            <a:r>
-              <a:rPr lang="it-IT" sz="1200" dirty="0"/>
-              <a:t>Davide Liu - Riconiscimento e tracciamento di elementi su video ad alta risoluzione</a:t>
-            </a:r>
-            <a:endParaRPr lang="en-US" sz="1200" dirty="0"/>
-          </a:p>
-        </p:txBody>
-      </p:sp>
     </p:spTree>
     <p:extLst>
       <p:ext uri="{BB962C8B-B14F-4D97-AF65-F5344CB8AC3E}">

--- a/presentazione_tesi.pptx
+++ b/presentazione_tesi.pptx
@@ -230,7 +230,7 @@
           <a:p>
             <a:fld id="{F3FA8EA5-7220-466D-A42A-B1A3E675658D}" type="datetimeFigureOut">
               <a:rPr lang="it-IT" smtClean="0"/>
-              <a:t>13/07/2019</a:t>
+              <a:t>15/07/2019</a:t>
             </a:fld>
             <a:endParaRPr lang="it-IT"/>
           </a:p>
